--- a/Used Car Data/Capstone_Project_CheckPoint_2.pptx
+++ b/Used Car Data/Capstone_Project_CheckPoint_2.pptx
@@ -20,11 +20,11 @@
     <p:sldId id="1800" r:id="rId8"/>
     <p:sldId id="1801" r:id="rId9"/>
     <p:sldId id="1802" r:id="rId10"/>
-    <p:sldId id="1805" r:id="rId11"/>
-    <p:sldId id="1806" r:id="rId12"/>
-    <p:sldId id="1809" r:id="rId13"/>
-    <p:sldId id="1808" r:id="rId14"/>
-    <p:sldId id="1803" r:id="rId15"/>
+    <p:sldId id="1806" r:id="rId11"/>
+    <p:sldId id="1809" r:id="rId12"/>
+    <p:sldId id="1808" r:id="rId13"/>
+    <p:sldId id="1803" r:id="rId14"/>
+    <p:sldId id="1810" r:id="rId15"/>
     <p:sldId id="536" r:id="rId16"/>
     <p:sldId id="1794" r:id="rId17"/>
     <p:sldId id="669" r:id="rId18"/>
@@ -172,7 +172,8 @@
 <file path=ppt/revisionInfo.xml><?xml version="1.0" encoding="utf-8"?>
 <p1510:revInfo xmlns:a="http://schemas.openxmlformats.org/drawingml/2006/main" xmlns:r="http://schemas.openxmlformats.org/officeDocument/2006/relationships" xmlns:p1510="http://schemas.microsoft.com/office/powerpoint/2015/10/main">
   <p1510:revLst>
-    <p1510:client id="{2D3291BB-A226-42FC-A6C3-4DAFBA9000C8}" v="2" dt="2022-02-01T18:12:50.602"/>
+    <p1510:client id="{0ABCA6A0-DD37-4D45-9493-2830C7F4374D}" v="1369" dt="2022-03-14T08:18:22.279"/>
+    <p1510:client id="{77BA277A-39FB-4E84-9EBE-EE17C9E63DE0}" v="3" dt="2022-03-14T13:35:23.905"/>
   </p1510:revLst>
 </p1510:revInfo>
 </file>
@@ -240,7 +241,7 @@
                   <a:bodyPr/>
                   <a:lstStyle/>
                   <a:p>
-                    <a:fld id="{2CE0A821-B08A-4381-8129-63314F5DA505}" type="CELLRANGE">
+                    <a:fld id="{150FB522-974F-42F9-ACDC-6A5498CB1C5B}" type="CELLRANGE">
                       <a:rPr lang="en-US"/>
                       <a:pPr/>
                       <a:t>[CELLRANGE]</a:t>
@@ -274,7 +275,7 @@
                   <a:bodyPr/>
                   <a:lstStyle/>
                   <a:p>
-                    <a:fld id="{437A804F-140F-47FC-889E-B06F1B90D2AB}" type="CELLRANGE">
+                    <a:fld id="{9EE7E5B6-C507-4D31-A86B-B755650D2B2B}" type="CELLRANGE">
                       <a:rPr lang="en-US"/>
                       <a:pPr/>
                       <a:t>[CELLRANGE]</a:t>
@@ -308,7 +309,7 @@
                   <a:bodyPr/>
                   <a:lstStyle/>
                   <a:p>
-                    <a:fld id="{BFF27C52-17A3-4D74-9CFF-B8B7BDFB6DCF}" type="CELLRANGE">
+                    <a:fld id="{F96F8A9D-BBC2-42FF-9778-1A89F6D3B011}" type="CELLRANGE">
                       <a:rPr lang="en-US"/>
                       <a:pPr/>
                       <a:t>[CELLRANGE]</a:t>
@@ -342,7 +343,7 @@
                   <a:bodyPr/>
                   <a:lstStyle/>
                   <a:p>
-                    <a:fld id="{01DD132E-F587-4662-B7AE-A35A1B74BC50}" type="CELLRANGE">
+                    <a:fld id="{B8BF57F4-4005-4355-AED4-50A7061D01C7}" type="CELLRANGE">
                       <a:rPr lang="en-US"/>
                       <a:pPr/>
                       <a:t>[CELLRANGE]</a:t>
@@ -376,7 +377,7 @@
                   <a:bodyPr/>
                   <a:lstStyle/>
                   <a:p>
-                    <a:fld id="{80FF6012-CEA0-4F61-9BF1-48CBDDAEE502}" type="CELLRANGE">
+                    <a:fld id="{081A5ACE-C010-4129-8B82-D7AB77B506E5}" type="CELLRANGE">
                       <a:rPr lang="en-US"/>
                       <a:pPr/>
                       <a:t>[CELLRANGE]</a:t>
@@ -567,7 +568,7 @@
                   <a:bodyPr/>
                   <a:lstStyle/>
                   <a:p>
-                    <a:fld id="{1AB1B264-AB53-41E6-B7F9-D9EB84C5217A}" type="CELLRANGE">
+                    <a:fld id="{600ED733-C12E-4193-B8C1-D57ACFE459F7}" type="CELLRANGE">
                       <a:rPr lang="en-US"/>
                       <a:pPr/>
                       <a:t>[CELLRANGE]</a:t>
@@ -601,7 +602,7 @@
                   <a:bodyPr/>
                   <a:lstStyle/>
                   <a:p>
-                    <a:fld id="{B729F8AD-C1D4-4E10-8D4E-452E50E540E7}" type="CELLRANGE">
+                    <a:fld id="{3F12B165-2B7A-4EEA-B4AB-7316C2DD44BD}" type="CELLRANGE">
                       <a:rPr lang="en-US"/>
                       <a:pPr/>
                       <a:t>[CELLRANGE]</a:t>
@@ -635,7 +636,7 @@
                   <a:bodyPr/>
                   <a:lstStyle/>
                   <a:p>
-                    <a:fld id="{E222E33B-822C-408E-BDDE-A5480329DB9A}" type="CELLRANGE">
+                    <a:fld id="{32D1416C-E75F-488A-B1EF-CEA219EF8983}" type="CELLRANGE">
                       <a:rPr lang="en-US"/>
                       <a:pPr/>
                       <a:t>[CELLRANGE]</a:t>
@@ -669,7 +670,7 @@
                   <a:bodyPr/>
                   <a:lstStyle/>
                   <a:p>
-                    <a:fld id="{154C3534-8FDC-4822-B7EC-1B37E7B1F948}" type="CELLRANGE">
+                    <a:fld id="{72545C83-57B6-4D59-B08D-BA42C2A1966F}" type="CELLRANGE">
                       <a:rPr lang="en-US"/>
                       <a:pPr/>
                       <a:t>[CELLRANGE]</a:t>
@@ -703,7 +704,7 @@
                   <a:bodyPr/>
                   <a:lstStyle/>
                   <a:p>
-                    <a:fld id="{9DD4B4F4-AD1F-451C-8835-DB887F9309FC}" type="CELLRANGE">
+                    <a:fld id="{ECF46CA8-B838-4C0D-8048-AAB6A9271D7C}" type="CELLRANGE">
                       <a:rPr lang="en-US"/>
                       <a:pPr/>
                       <a:t>[CELLRANGE]</a:t>
@@ -880,7 +881,7 @@
                   <a:bodyPr/>
                   <a:lstStyle/>
                   <a:p>
-                    <a:fld id="{03CC1825-8525-4588-945F-725B9F2A4BE9}" type="CELLRANGE">
+                    <a:fld id="{9A7203A9-384C-480A-ABCF-DFA85810B226}" type="CELLRANGE">
                       <a:rPr lang="en-US"/>
                       <a:pPr/>
                       <a:t>[CELLRANGE]</a:t>
@@ -914,7 +915,7 @@
                   <a:bodyPr/>
                   <a:lstStyle/>
                   <a:p>
-                    <a:fld id="{5E0782FC-C9FD-4DE6-9EDD-1B247A7EF30A}" type="CELLRANGE">
+                    <a:fld id="{671076DC-24C6-4D9B-B009-21E79B466979}" type="CELLRANGE">
                       <a:rPr lang="en-US"/>
                       <a:pPr/>
                       <a:t>[CELLRANGE]</a:t>
@@ -948,7 +949,7 @@
                   <a:bodyPr/>
                   <a:lstStyle/>
                   <a:p>
-                    <a:fld id="{7892E378-76F0-431E-A3C7-FABC15281E91}" type="CELLRANGE">
+                    <a:fld id="{72736E46-114B-4D66-A7D9-A072EBD974FA}" type="CELLRANGE">
                       <a:rPr lang="en-US"/>
                       <a:pPr/>
                       <a:t>[CELLRANGE]</a:t>
@@ -982,7 +983,7 @@
                   <a:bodyPr/>
                   <a:lstStyle/>
                   <a:p>
-                    <a:fld id="{E6C9F415-8F06-4C18-AF4F-14F1421627AB}" type="CELLRANGE">
+                    <a:fld id="{BA8677B3-F0A5-410C-A04A-4FE8C5B44798}" type="CELLRANGE">
                       <a:rPr lang="en-US"/>
                       <a:pPr/>
                       <a:t>[CELLRANGE]</a:t>
@@ -1016,7 +1017,7 @@
                   <a:bodyPr/>
                   <a:lstStyle/>
                   <a:p>
-                    <a:fld id="{F0FA8047-AAF6-4C56-9E57-50FB7C7B6169}" type="CELLRANGE">
+                    <a:fld id="{A045E1F9-BFAE-4C06-AC98-65515B9F234D}" type="CELLRANGE">
                       <a:rPr lang="en-US"/>
                       <a:pPr/>
                       <a:t>[CELLRANGE]</a:t>
@@ -1207,7 +1208,7 @@
                   <a:bodyPr/>
                   <a:lstStyle/>
                   <a:p>
-                    <a:fld id="{A14727A7-9E1C-47D6-82E0-A0B272A0C4BC}" type="CELLRANGE">
+                    <a:fld id="{B7B87C6B-C956-4415-8210-40491073CB09}" type="CELLRANGE">
                       <a:rPr lang="en-US"/>
                       <a:pPr/>
                       <a:t>[CELLRANGE]</a:t>
@@ -1241,7 +1242,7 @@
                   <a:bodyPr/>
                   <a:lstStyle/>
                   <a:p>
-                    <a:fld id="{977CDE53-FF8F-454B-9F91-A88A9601288C}" type="CELLRANGE">
+                    <a:fld id="{AC78DD2F-2648-4589-91B7-8CE4397EA6DD}" type="CELLRANGE">
                       <a:rPr lang="en-US"/>
                       <a:pPr/>
                       <a:t>[CELLRANGE]</a:t>
@@ -1275,7 +1276,7 @@
                   <a:bodyPr/>
                   <a:lstStyle/>
                   <a:p>
-                    <a:fld id="{24C2E2F1-FC71-49B3-BB17-1ED738C17C76}" type="CELLRANGE">
+                    <a:fld id="{D1D3E060-6BBD-4411-8768-4DCE1DEE15EC}" type="CELLRANGE">
                       <a:rPr lang="en-US"/>
                       <a:pPr/>
                       <a:t>[CELLRANGE]</a:t>
@@ -1309,7 +1310,7 @@
                   <a:bodyPr/>
                   <a:lstStyle/>
                   <a:p>
-                    <a:fld id="{3A06460F-4C1C-498B-8A43-0CD77F86494A}" type="CELLRANGE">
+                    <a:fld id="{DF8E0704-35A9-47AC-B47D-5741D57B42D9}" type="CELLRANGE">
                       <a:rPr lang="en-US"/>
                       <a:pPr/>
                       <a:t>[CELLRANGE]</a:t>
@@ -1343,7 +1344,7 @@
                   <a:bodyPr/>
                   <a:lstStyle/>
                   <a:p>
-                    <a:fld id="{32CA362F-948B-4331-847A-9C545993E926}" type="CELLRANGE">
+                    <a:fld id="{5D5CC586-FC59-4136-A93E-AB28C86D3B22}" type="CELLRANGE">
                       <a:rPr lang="en-US"/>
                       <a:pPr/>
                       <a:t>[CELLRANGE]</a:t>
@@ -1721,6 +1722,3753 @@
     <c:autoUpdate val="0"/>
   </c:externalData>
 </c:chartSpace>
+</file>
+
+<file path=ppt/diagrams/colors1.xml><?xml version="1.0" encoding="utf-8"?>
+<dgm:colorsDef xmlns:dgm="http://schemas.openxmlformats.org/drawingml/2006/diagram" xmlns:a="http://schemas.openxmlformats.org/drawingml/2006/main" uniqueId="urn:microsoft.com/office/officeart/2005/8/colors/accent1_2">
+  <dgm:title val=""/>
+  <dgm:desc val=""/>
+  <dgm:catLst>
+    <dgm:cat type="accent1" pri="11200"/>
+  </dgm:catLst>
+  <dgm:styleLbl name="node0">
+    <dgm:fillClrLst meth="repeat">
+      <a:schemeClr val="accent1"/>
+    </dgm:fillClrLst>
+    <dgm:linClrLst meth="repeat">
+      <a:schemeClr val="lt1"/>
+    </dgm:linClrLst>
+    <dgm:effectClrLst/>
+    <dgm:txLinClrLst/>
+    <dgm:txFillClrLst/>
+    <dgm:txEffectClrLst/>
+  </dgm:styleLbl>
+  <dgm:styleLbl name="alignNode1">
+    <dgm:fillClrLst meth="repeat">
+      <a:schemeClr val="accent1"/>
+    </dgm:fillClrLst>
+    <dgm:linClrLst meth="repeat">
+      <a:schemeClr val="accent1"/>
+    </dgm:linClrLst>
+    <dgm:effectClrLst/>
+    <dgm:txLinClrLst/>
+    <dgm:txFillClrLst/>
+    <dgm:txEffectClrLst/>
+  </dgm:styleLbl>
+  <dgm:styleLbl name="node1">
+    <dgm:fillClrLst meth="repeat">
+      <a:schemeClr val="accent1"/>
+    </dgm:fillClrLst>
+    <dgm:linClrLst meth="repeat">
+      <a:schemeClr val="lt1"/>
+    </dgm:linClrLst>
+    <dgm:effectClrLst/>
+    <dgm:txLinClrLst/>
+    <dgm:txFillClrLst/>
+    <dgm:txEffectClrLst/>
+  </dgm:styleLbl>
+  <dgm:styleLbl name="lnNode1">
+    <dgm:fillClrLst meth="repeat">
+      <a:schemeClr val="accent1"/>
+    </dgm:fillClrLst>
+    <dgm:linClrLst meth="repeat">
+      <a:schemeClr val="lt1"/>
+    </dgm:linClrLst>
+    <dgm:effectClrLst/>
+    <dgm:txLinClrLst/>
+    <dgm:txFillClrLst/>
+    <dgm:txEffectClrLst/>
+  </dgm:styleLbl>
+  <dgm:styleLbl name="vennNode1">
+    <dgm:fillClrLst meth="repeat">
+      <a:schemeClr val="accent1">
+        <a:alpha val="50000"/>
+      </a:schemeClr>
+    </dgm:fillClrLst>
+    <dgm:linClrLst meth="repeat">
+      <a:schemeClr val="lt1"/>
+    </dgm:linClrLst>
+    <dgm:effectClrLst/>
+    <dgm:txLinClrLst/>
+    <dgm:txFillClrLst/>
+    <dgm:txEffectClrLst/>
+  </dgm:styleLbl>
+  <dgm:styleLbl name="node2">
+    <dgm:fillClrLst meth="repeat">
+      <a:schemeClr val="accent1"/>
+    </dgm:fillClrLst>
+    <dgm:linClrLst meth="repeat">
+      <a:schemeClr val="lt1"/>
+    </dgm:linClrLst>
+    <dgm:effectClrLst/>
+    <dgm:txLinClrLst/>
+    <dgm:txFillClrLst/>
+    <dgm:txEffectClrLst/>
+  </dgm:styleLbl>
+  <dgm:styleLbl name="node3">
+    <dgm:fillClrLst meth="repeat">
+      <a:schemeClr val="accent1"/>
+    </dgm:fillClrLst>
+    <dgm:linClrLst meth="repeat">
+      <a:schemeClr val="lt1"/>
+    </dgm:linClrLst>
+    <dgm:effectClrLst/>
+    <dgm:txLinClrLst/>
+    <dgm:txFillClrLst/>
+    <dgm:txEffectClrLst/>
+  </dgm:styleLbl>
+  <dgm:styleLbl name="node4">
+    <dgm:fillClrLst meth="repeat">
+      <a:schemeClr val="accent1"/>
+    </dgm:fillClrLst>
+    <dgm:linClrLst meth="repeat">
+      <a:schemeClr val="lt1"/>
+    </dgm:linClrLst>
+    <dgm:effectClrLst/>
+    <dgm:txLinClrLst/>
+    <dgm:txFillClrLst/>
+    <dgm:txEffectClrLst/>
+  </dgm:styleLbl>
+  <dgm:styleLbl name="fgImgPlace1">
+    <dgm:fillClrLst meth="repeat">
+      <a:schemeClr val="accent1">
+        <a:tint val="50000"/>
+      </a:schemeClr>
+    </dgm:fillClrLst>
+    <dgm:linClrLst meth="repeat">
+      <a:schemeClr val="lt1"/>
+    </dgm:linClrLst>
+    <dgm:effectClrLst/>
+    <dgm:txLinClrLst/>
+    <dgm:txFillClrLst meth="repeat">
+      <a:schemeClr val="lt1"/>
+    </dgm:txFillClrLst>
+    <dgm:txEffectClrLst/>
+  </dgm:styleLbl>
+  <dgm:styleLbl name="alignImgPlace1">
+    <dgm:fillClrLst meth="repeat">
+      <a:schemeClr val="accent1">
+        <a:tint val="50000"/>
+      </a:schemeClr>
+    </dgm:fillClrLst>
+    <dgm:linClrLst meth="repeat">
+      <a:schemeClr val="lt1"/>
+    </dgm:linClrLst>
+    <dgm:effectClrLst/>
+    <dgm:txLinClrLst/>
+    <dgm:txFillClrLst meth="repeat">
+      <a:schemeClr val="lt1"/>
+    </dgm:txFillClrLst>
+    <dgm:txEffectClrLst/>
+  </dgm:styleLbl>
+  <dgm:styleLbl name="bgImgPlace1">
+    <dgm:fillClrLst meth="repeat">
+      <a:schemeClr val="accent1">
+        <a:tint val="50000"/>
+      </a:schemeClr>
+    </dgm:fillClrLst>
+    <dgm:linClrLst meth="repeat">
+      <a:schemeClr val="lt1"/>
+    </dgm:linClrLst>
+    <dgm:effectClrLst/>
+    <dgm:txLinClrLst/>
+    <dgm:txFillClrLst meth="repeat">
+      <a:schemeClr val="lt1"/>
+    </dgm:txFillClrLst>
+    <dgm:txEffectClrLst/>
+  </dgm:styleLbl>
+  <dgm:styleLbl name="sibTrans2D1">
+    <dgm:fillClrLst meth="repeat">
+      <a:schemeClr val="accent1">
+        <a:tint val="60000"/>
+      </a:schemeClr>
+    </dgm:fillClrLst>
+    <dgm:linClrLst meth="repeat">
+      <a:schemeClr val="accent1">
+        <a:tint val="60000"/>
+      </a:schemeClr>
+    </dgm:linClrLst>
+    <dgm:effectClrLst/>
+    <dgm:txLinClrLst/>
+    <dgm:txFillClrLst/>
+    <dgm:txEffectClrLst/>
+  </dgm:styleLbl>
+  <dgm:styleLbl name="fgSibTrans2D1">
+    <dgm:fillClrLst meth="repeat">
+      <a:schemeClr val="accent1">
+        <a:tint val="60000"/>
+      </a:schemeClr>
+    </dgm:fillClrLst>
+    <dgm:linClrLst meth="repeat">
+      <a:schemeClr val="accent1">
+        <a:tint val="60000"/>
+      </a:schemeClr>
+    </dgm:linClrLst>
+    <dgm:effectClrLst/>
+    <dgm:txLinClrLst/>
+    <dgm:txFillClrLst/>
+    <dgm:txEffectClrLst/>
+  </dgm:styleLbl>
+  <dgm:styleLbl name="bgSibTrans2D1">
+    <dgm:fillClrLst meth="repeat">
+      <a:schemeClr val="accent1">
+        <a:tint val="60000"/>
+      </a:schemeClr>
+    </dgm:fillClrLst>
+    <dgm:linClrLst meth="repeat">
+      <a:schemeClr val="accent1">
+        <a:tint val="60000"/>
+      </a:schemeClr>
+    </dgm:linClrLst>
+    <dgm:effectClrLst/>
+    <dgm:txLinClrLst/>
+    <dgm:txFillClrLst/>
+    <dgm:txEffectClrLst/>
+  </dgm:styleLbl>
+  <dgm:styleLbl name="sibTrans1D1">
+    <dgm:fillClrLst meth="repeat">
+      <a:schemeClr val="accent1"/>
+    </dgm:fillClrLst>
+    <dgm:linClrLst meth="repeat">
+      <a:schemeClr val="accent1"/>
+    </dgm:linClrLst>
+    <dgm:effectClrLst/>
+    <dgm:txLinClrLst/>
+    <dgm:txFillClrLst meth="repeat">
+      <a:schemeClr val="tx1"/>
+    </dgm:txFillClrLst>
+    <dgm:txEffectClrLst/>
+  </dgm:styleLbl>
+  <dgm:styleLbl name="callout">
+    <dgm:fillClrLst meth="repeat">
+      <a:schemeClr val="accent1"/>
+    </dgm:fillClrLst>
+    <dgm:linClrLst meth="repeat">
+      <a:schemeClr val="accent1">
+        <a:tint val="50000"/>
+      </a:schemeClr>
+    </dgm:linClrLst>
+    <dgm:effectClrLst/>
+    <dgm:txLinClrLst/>
+    <dgm:txFillClrLst meth="repeat">
+      <a:schemeClr val="tx1"/>
+    </dgm:txFillClrLst>
+    <dgm:txEffectClrLst/>
+  </dgm:styleLbl>
+  <dgm:styleLbl name="asst0">
+    <dgm:fillClrLst meth="repeat">
+      <a:schemeClr val="accent1"/>
+    </dgm:fillClrLst>
+    <dgm:linClrLst meth="repeat">
+      <a:schemeClr val="lt1"/>
+    </dgm:linClrLst>
+    <dgm:effectClrLst/>
+    <dgm:txLinClrLst/>
+    <dgm:txFillClrLst/>
+    <dgm:txEffectClrLst/>
+  </dgm:styleLbl>
+  <dgm:styleLbl name="asst1">
+    <dgm:fillClrLst meth="repeat">
+      <a:schemeClr val="accent1"/>
+    </dgm:fillClrLst>
+    <dgm:linClrLst meth="repeat">
+      <a:schemeClr val="lt1"/>
+    </dgm:linClrLst>
+    <dgm:effectClrLst/>
+    <dgm:txLinClrLst/>
+    <dgm:txFillClrLst/>
+    <dgm:txEffectClrLst/>
+  </dgm:styleLbl>
+  <dgm:styleLbl name="asst2">
+    <dgm:fillClrLst meth="repeat">
+      <a:schemeClr val="accent1"/>
+    </dgm:fillClrLst>
+    <dgm:linClrLst meth="repeat">
+      <a:schemeClr val="lt1"/>
+    </dgm:linClrLst>
+    <dgm:effectClrLst/>
+    <dgm:txLinClrLst/>
+    <dgm:txFillClrLst/>
+    <dgm:txEffectClrLst/>
+  </dgm:styleLbl>
+  <dgm:styleLbl name="asst3">
+    <dgm:fillClrLst meth="repeat">
+      <a:schemeClr val="accent1"/>
+    </dgm:fillClrLst>
+    <dgm:linClrLst meth="repeat">
+      <a:schemeClr val="lt1"/>
+    </dgm:linClrLst>
+    <dgm:effectClrLst/>
+    <dgm:txLinClrLst/>
+    <dgm:txFillClrLst/>
+    <dgm:txEffectClrLst/>
+  </dgm:styleLbl>
+  <dgm:styleLbl name="asst4">
+    <dgm:fillClrLst meth="repeat">
+      <a:schemeClr val="accent1"/>
+    </dgm:fillClrLst>
+    <dgm:linClrLst meth="repeat">
+      <a:schemeClr val="lt1"/>
+    </dgm:linClrLst>
+    <dgm:effectClrLst/>
+    <dgm:txLinClrLst/>
+    <dgm:txFillClrLst/>
+    <dgm:txEffectClrLst/>
+  </dgm:styleLbl>
+  <dgm:styleLbl name="parChTrans2D1">
+    <dgm:fillClrLst meth="repeat">
+      <a:schemeClr val="accent1">
+        <a:tint val="60000"/>
+      </a:schemeClr>
+    </dgm:fillClrLst>
+    <dgm:linClrLst meth="repeat">
+      <a:schemeClr val="accent1">
+        <a:tint val="60000"/>
+      </a:schemeClr>
+    </dgm:linClrLst>
+    <dgm:effectClrLst/>
+    <dgm:txLinClrLst/>
+    <dgm:txFillClrLst meth="repeat">
+      <a:schemeClr val="lt1"/>
+    </dgm:txFillClrLst>
+    <dgm:txEffectClrLst/>
+  </dgm:styleLbl>
+  <dgm:styleLbl name="parChTrans2D2">
+    <dgm:fillClrLst meth="repeat">
+      <a:schemeClr val="accent1"/>
+    </dgm:fillClrLst>
+    <dgm:linClrLst meth="repeat">
+      <a:schemeClr val="accent1"/>
+    </dgm:linClrLst>
+    <dgm:effectClrLst/>
+    <dgm:txLinClrLst/>
+    <dgm:txFillClrLst meth="repeat">
+      <a:schemeClr val="lt1"/>
+    </dgm:txFillClrLst>
+    <dgm:txEffectClrLst/>
+  </dgm:styleLbl>
+  <dgm:styleLbl name="parChTrans2D3">
+    <dgm:fillClrLst meth="repeat">
+      <a:schemeClr val="accent1"/>
+    </dgm:fillClrLst>
+    <dgm:linClrLst meth="repeat">
+      <a:schemeClr val="accent1"/>
+    </dgm:linClrLst>
+    <dgm:effectClrLst/>
+    <dgm:txLinClrLst/>
+    <dgm:txFillClrLst meth="repeat">
+      <a:schemeClr val="lt1"/>
+    </dgm:txFillClrLst>
+    <dgm:txEffectClrLst/>
+  </dgm:styleLbl>
+  <dgm:styleLbl name="parChTrans2D4">
+    <dgm:fillClrLst meth="repeat">
+      <a:schemeClr val="accent1"/>
+    </dgm:fillClrLst>
+    <dgm:linClrLst meth="repeat">
+      <a:schemeClr val="accent1"/>
+    </dgm:linClrLst>
+    <dgm:effectClrLst/>
+    <dgm:txLinClrLst/>
+    <dgm:txFillClrLst meth="repeat">
+      <a:schemeClr val="lt1"/>
+    </dgm:txFillClrLst>
+    <dgm:txEffectClrLst/>
+  </dgm:styleLbl>
+  <dgm:styleLbl name="parChTrans1D1">
+    <dgm:fillClrLst meth="repeat">
+      <a:schemeClr val="accent1"/>
+    </dgm:fillClrLst>
+    <dgm:linClrLst meth="repeat">
+      <a:schemeClr val="accent1">
+        <a:shade val="60000"/>
+      </a:schemeClr>
+    </dgm:linClrLst>
+    <dgm:effectClrLst/>
+    <dgm:txLinClrLst/>
+    <dgm:txFillClrLst meth="repeat">
+      <a:schemeClr val="tx1"/>
+    </dgm:txFillClrLst>
+    <dgm:txEffectClrLst/>
+  </dgm:styleLbl>
+  <dgm:styleLbl name="parChTrans1D2">
+    <dgm:fillClrLst meth="repeat">
+      <a:schemeClr val="accent1"/>
+    </dgm:fillClrLst>
+    <dgm:linClrLst meth="repeat">
+      <a:schemeClr val="accent1">
+        <a:shade val="60000"/>
+      </a:schemeClr>
+    </dgm:linClrLst>
+    <dgm:effectClrLst/>
+    <dgm:txLinClrLst/>
+    <dgm:txFillClrLst meth="repeat">
+      <a:schemeClr val="tx1"/>
+    </dgm:txFillClrLst>
+    <dgm:txEffectClrLst/>
+  </dgm:styleLbl>
+  <dgm:styleLbl name="parChTrans1D3">
+    <dgm:fillClrLst meth="repeat">
+      <a:schemeClr val="accent1"/>
+    </dgm:fillClrLst>
+    <dgm:linClrLst meth="repeat">
+      <a:schemeClr val="accent1">
+        <a:shade val="80000"/>
+      </a:schemeClr>
+    </dgm:linClrLst>
+    <dgm:effectClrLst/>
+    <dgm:txLinClrLst/>
+    <dgm:txFillClrLst meth="repeat">
+      <a:schemeClr val="tx1"/>
+    </dgm:txFillClrLst>
+    <dgm:txEffectClrLst/>
+  </dgm:styleLbl>
+  <dgm:styleLbl name="parChTrans1D4">
+    <dgm:fillClrLst meth="repeat">
+      <a:schemeClr val="accent1"/>
+    </dgm:fillClrLst>
+    <dgm:linClrLst meth="repeat">
+      <a:schemeClr val="accent1">
+        <a:shade val="80000"/>
+      </a:schemeClr>
+    </dgm:linClrLst>
+    <dgm:effectClrLst/>
+    <dgm:txLinClrLst/>
+    <dgm:txFillClrLst meth="repeat">
+      <a:schemeClr val="tx1"/>
+    </dgm:txFillClrLst>
+    <dgm:txEffectClrLst/>
+  </dgm:styleLbl>
+  <dgm:styleLbl name="fgAcc1">
+    <dgm:fillClrLst meth="repeat">
+      <a:schemeClr val="lt1">
+        <a:alpha val="90000"/>
+      </a:schemeClr>
+    </dgm:fillClrLst>
+    <dgm:linClrLst meth="repeat">
+      <a:schemeClr val="accent1"/>
+    </dgm:linClrLst>
+    <dgm:effectClrLst/>
+    <dgm:txLinClrLst/>
+    <dgm:txFillClrLst meth="repeat">
+      <a:schemeClr val="dk1"/>
+    </dgm:txFillClrLst>
+    <dgm:txEffectClrLst/>
+  </dgm:styleLbl>
+  <dgm:styleLbl name="conFgAcc1">
+    <dgm:fillClrLst meth="repeat">
+      <a:schemeClr val="lt1">
+        <a:alpha val="90000"/>
+      </a:schemeClr>
+    </dgm:fillClrLst>
+    <dgm:linClrLst meth="repeat">
+      <a:schemeClr val="accent1"/>
+    </dgm:linClrLst>
+    <dgm:effectClrLst/>
+    <dgm:txLinClrLst/>
+    <dgm:txFillClrLst meth="repeat">
+      <a:schemeClr val="dk1"/>
+    </dgm:txFillClrLst>
+    <dgm:txEffectClrLst/>
+  </dgm:styleLbl>
+  <dgm:styleLbl name="alignAcc1">
+    <dgm:fillClrLst meth="repeat">
+      <a:schemeClr val="lt1">
+        <a:alpha val="90000"/>
+      </a:schemeClr>
+    </dgm:fillClrLst>
+    <dgm:linClrLst meth="repeat">
+      <a:schemeClr val="accent1"/>
+    </dgm:linClrLst>
+    <dgm:effectClrLst/>
+    <dgm:txLinClrLst/>
+    <dgm:txFillClrLst meth="repeat">
+      <a:schemeClr val="dk1"/>
+    </dgm:txFillClrLst>
+    <dgm:txEffectClrLst/>
+  </dgm:styleLbl>
+  <dgm:styleLbl name="trAlignAcc1">
+    <dgm:fillClrLst meth="repeat">
+      <a:schemeClr val="lt1">
+        <a:alpha val="40000"/>
+      </a:schemeClr>
+    </dgm:fillClrLst>
+    <dgm:linClrLst meth="repeat">
+      <a:schemeClr val="accent1"/>
+    </dgm:linClrLst>
+    <dgm:effectClrLst/>
+    <dgm:txLinClrLst/>
+    <dgm:txFillClrLst meth="repeat">
+      <a:schemeClr val="dk1"/>
+    </dgm:txFillClrLst>
+    <dgm:txEffectClrLst/>
+  </dgm:styleLbl>
+  <dgm:styleLbl name="bgAcc1">
+    <dgm:fillClrLst meth="repeat">
+      <a:schemeClr val="lt1">
+        <a:alpha val="90000"/>
+      </a:schemeClr>
+    </dgm:fillClrLst>
+    <dgm:linClrLst meth="repeat">
+      <a:schemeClr val="accent1"/>
+    </dgm:linClrLst>
+    <dgm:effectClrLst/>
+    <dgm:txLinClrLst/>
+    <dgm:txFillClrLst meth="repeat">
+      <a:schemeClr val="dk1"/>
+    </dgm:txFillClrLst>
+    <dgm:txEffectClrLst/>
+  </dgm:styleLbl>
+  <dgm:styleLbl name="solidFgAcc1">
+    <dgm:fillClrLst meth="repeat">
+      <a:schemeClr val="lt1"/>
+    </dgm:fillClrLst>
+    <dgm:linClrLst meth="repeat">
+      <a:schemeClr val="accent1"/>
+    </dgm:linClrLst>
+    <dgm:effectClrLst/>
+    <dgm:txLinClrLst/>
+    <dgm:txFillClrLst meth="repeat">
+      <a:schemeClr val="dk1"/>
+    </dgm:txFillClrLst>
+    <dgm:txEffectClrLst/>
+  </dgm:styleLbl>
+  <dgm:styleLbl name="solidAlignAcc1">
+    <dgm:fillClrLst meth="repeat">
+      <a:schemeClr val="lt1"/>
+    </dgm:fillClrLst>
+    <dgm:linClrLst meth="repeat">
+      <a:schemeClr val="accent1"/>
+    </dgm:linClrLst>
+    <dgm:effectClrLst/>
+    <dgm:txLinClrLst/>
+    <dgm:txFillClrLst meth="repeat">
+      <a:schemeClr val="dk1"/>
+    </dgm:txFillClrLst>
+    <dgm:txEffectClrLst/>
+  </dgm:styleLbl>
+  <dgm:styleLbl name="solidBgAcc1">
+    <dgm:fillClrLst meth="repeat">
+      <a:schemeClr val="lt1"/>
+    </dgm:fillClrLst>
+    <dgm:linClrLst meth="repeat">
+      <a:schemeClr val="accent1"/>
+    </dgm:linClrLst>
+    <dgm:effectClrLst/>
+    <dgm:txLinClrLst/>
+    <dgm:txFillClrLst meth="repeat">
+      <a:schemeClr val="dk1"/>
+    </dgm:txFillClrLst>
+    <dgm:txEffectClrLst/>
+  </dgm:styleLbl>
+  <dgm:styleLbl name="fgAccFollowNode1">
+    <dgm:fillClrLst meth="repeat">
+      <a:schemeClr val="accent1">
+        <a:alpha val="90000"/>
+        <a:tint val="40000"/>
+      </a:schemeClr>
+    </dgm:fillClrLst>
+    <dgm:linClrLst meth="repeat">
+      <a:schemeClr val="accent1">
+        <a:alpha val="90000"/>
+        <a:tint val="40000"/>
+      </a:schemeClr>
+    </dgm:linClrLst>
+    <dgm:effectClrLst/>
+    <dgm:txLinClrLst/>
+    <dgm:txFillClrLst meth="repeat">
+      <a:schemeClr val="dk1"/>
+    </dgm:txFillClrLst>
+    <dgm:txEffectClrLst/>
+  </dgm:styleLbl>
+  <dgm:styleLbl name="alignAccFollowNode1">
+    <dgm:fillClrLst meth="repeat">
+      <a:schemeClr val="accent1">
+        <a:alpha val="90000"/>
+        <a:tint val="40000"/>
+      </a:schemeClr>
+    </dgm:fillClrLst>
+    <dgm:linClrLst meth="repeat">
+      <a:schemeClr val="accent1">
+        <a:alpha val="90000"/>
+        <a:tint val="40000"/>
+      </a:schemeClr>
+    </dgm:linClrLst>
+    <dgm:effectClrLst/>
+    <dgm:txLinClrLst/>
+    <dgm:txFillClrLst meth="repeat">
+      <a:schemeClr val="dk1"/>
+    </dgm:txFillClrLst>
+    <dgm:txEffectClrLst/>
+  </dgm:styleLbl>
+  <dgm:styleLbl name="bgAccFollowNode1">
+    <dgm:fillClrLst meth="repeat">
+      <a:schemeClr val="accent1">
+        <a:alpha val="90000"/>
+        <a:tint val="40000"/>
+      </a:schemeClr>
+    </dgm:fillClrLst>
+    <dgm:linClrLst meth="repeat">
+      <a:schemeClr val="accent1">
+        <a:alpha val="90000"/>
+        <a:tint val="40000"/>
+      </a:schemeClr>
+    </dgm:linClrLst>
+    <dgm:effectClrLst/>
+    <dgm:txLinClrLst/>
+    <dgm:txFillClrLst meth="repeat">
+      <a:schemeClr val="dk1"/>
+    </dgm:txFillClrLst>
+    <dgm:txEffectClrLst/>
+  </dgm:styleLbl>
+  <dgm:styleLbl name="fgAcc0">
+    <dgm:fillClrLst meth="repeat">
+      <a:schemeClr val="lt1">
+        <a:alpha val="90000"/>
+      </a:schemeClr>
+    </dgm:fillClrLst>
+    <dgm:linClrLst meth="repeat">
+      <a:schemeClr val="accent1"/>
+    </dgm:linClrLst>
+    <dgm:effectClrLst/>
+    <dgm:txLinClrLst/>
+    <dgm:txFillClrLst meth="repeat">
+      <a:schemeClr val="dk1"/>
+    </dgm:txFillClrLst>
+    <dgm:txEffectClrLst/>
+  </dgm:styleLbl>
+  <dgm:styleLbl name="fgAcc2">
+    <dgm:fillClrLst meth="repeat">
+      <a:schemeClr val="lt1">
+        <a:alpha val="90000"/>
+      </a:schemeClr>
+    </dgm:fillClrLst>
+    <dgm:linClrLst meth="repeat">
+      <a:schemeClr val="accent1"/>
+    </dgm:linClrLst>
+    <dgm:effectClrLst/>
+    <dgm:txLinClrLst/>
+    <dgm:txFillClrLst meth="repeat">
+      <a:schemeClr val="dk1"/>
+    </dgm:txFillClrLst>
+    <dgm:txEffectClrLst/>
+  </dgm:styleLbl>
+  <dgm:styleLbl name="fgAcc3">
+    <dgm:fillClrLst meth="repeat">
+      <a:schemeClr val="lt1">
+        <a:alpha val="90000"/>
+      </a:schemeClr>
+    </dgm:fillClrLst>
+    <dgm:linClrLst meth="repeat">
+      <a:schemeClr val="accent1"/>
+    </dgm:linClrLst>
+    <dgm:effectClrLst/>
+    <dgm:txLinClrLst/>
+    <dgm:txFillClrLst meth="repeat">
+      <a:schemeClr val="dk1"/>
+    </dgm:txFillClrLst>
+    <dgm:txEffectClrLst/>
+  </dgm:styleLbl>
+  <dgm:styleLbl name="fgAcc4">
+    <dgm:fillClrLst meth="repeat">
+      <a:schemeClr val="lt1">
+        <a:alpha val="90000"/>
+      </a:schemeClr>
+    </dgm:fillClrLst>
+    <dgm:linClrLst meth="repeat">
+      <a:schemeClr val="accent1"/>
+    </dgm:linClrLst>
+    <dgm:effectClrLst/>
+    <dgm:txLinClrLst/>
+    <dgm:txFillClrLst meth="repeat">
+      <a:schemeClr val="dk1"/>
+    </dgm:txFillClrLst>
+    <dgm:txEffectClrLst/>
+  </dgm:styleLbl>
+  <dgm:styleLbl name="bgShp">
+    <dgm:fillClrLst meth="repeat">
+      <a:schemeClr val="accent1">
+        <a:tint val="40000"/>
+      </a:schemeClr>
+    </dgm:fillClrLst>
+    <dgm:linClrLst meth="repeat">
+      <a:schemeClr val="accent1"/>
+    </dgm:linClrLst>
+    <dgm:effectClrLst/>
+    <dgm:txLinClrLst/>
+    <dgm:txFillClrLst meth="repeat">
+      <a:schemeClr val="dk1"/>
+    </dgm:txFillClrLst>
+    <dgm:txEffectClrLst/>
+  </dgm:styleLbl>
+  <dgm:styleLbl name="dkBgShp">
+    <dgm:fillClrLst meth="repeat">
+      <a:schemeClr val="accent1">
+        <a:shade val="80000"/>
+      </a:schemeClr>
+    </dgm:fillClrLst>
+    <dgm:linClrLst meth="repeat">
+      <a:schemeClr val="accent1"/>
+    </dgm:linClrLst>
+    <dgm:effectClrLst/>
+    <dgm:txLinClrLst/>
+    <dgm:txFillClrLst meth="repeat">
+      <a:schemeClr val="lt1"/>
+    </dgm:txFillClrLst>
+    <dgm:txEffectClrLst/>
+  </dgm:styleLbl>
+  <dgm:styleLbl name="trBgShp">
+    <dgm:fillClrLst meth="repeat">
+      <a:schemeClr val="accent1">
+        <a:tint val="50000"/>
+        <a:alpha val="40000"/>
+      </a:schemeClr>
+    </dgm:fillClrLst>
+    <dgm:linClrLst meth="repeat">
+      <a:schemeClr val="accent1"/>
+    </dgm:linClrLst>
+    <dgm:effectClrLst/>
+    <dgm:txLinClrLst/>
+    <dgm:txFillClrLst meth="repeat">
+      <a:schemeClr val="lt1"/>
+    </dgm:txFillClrLst>
+    <dgm:txEffectClrLst/>
+  </dgm:styleLbl>
+  <dgm:styleLbl name="fgShp">
+    <dgm:fillClrLst meth="repeat">
+      <a:schemeClr val="accent1">
+        <a:tint val="60000"/>
+      </a:schemeClr>
+    </dgm:fillClrLst>
+    <dgm:linClrLst meth="repeat">
+      <a:schemeClr val="lt1"/>
+    </dgm:linClrLst>
+    <dgm:effectClrLst/>
+    <dgm:txLinClrLst/>
+    <dgm:txFillClrLst meth="repeat">
+      <a:schemeClr val="dk1"/>
+    </dgm:txFillClrLst>
+    <dgm:txEffectClrLst/>
+  </dgm:styleLbl>
+  <dgm:styleLbl name="revTx">
+    <dgm:fillClrLst meth="repeat">
+      <a:schemeClr val="lt1">
+        <a:alpha val="0"/>
+      </a:schemeClr>
+    </dgm:fillClrLst>
+    <dgm:linClrLst meth="repeat">
+      <a:schemeClr val="dk1">
+        <a:alpha val="0"/>
+      </a:schemeClr>
+    </dgm:linClrLst>
+    <dgm:effectClrLst/>
+    <dgm:txLinClrLst/>
+    <dgm:txFillClrLst meth="repeat">
+      <a:schemeClr val="tx1"/>
+    </dgm:txFillClrLst>
+    <dgm:txEffectClrLst/>
+  </dgm:styleLbl>
+</dgm:colorsDef>
+</file>
+
+<file path=ppt/diagrams/data1.xml><?xml version="1.0" encoding="utf-8"?>
+<dgm:dataModel xmlns:dgm="http://schemas.openxmlformats.org/drawingml/2006/diagram" xmlns:a="http://schemas.openxmlformats.org/drawingml/2006/main">
+  <dgm:ptLst>
+    <dgm:pt modelId="{F7FBE71C-5A67-4247-8F0A-BD95651217B4}" type="doc">
+      <dgm:prSet loTypeId="urn:diagrams.loki3.com/BracketList" loCatId="list" qsTypeId="urn:microsoft.com/office/officeart/2005/8/quickstyle/simple1" qsCatId="simple" csTypeId="urn:microsoft.com/office/officeart/2005/8/colors/accent1_2" csCatId="accent1" phldr="1"/>
+      <dgm:spPr/>
+      <dgm:t>
+        <a:bodyPr/>
+        <a:lstStyle/>
+        <a:p>
+          <a:endParaRPr lang="en-US"/>
+        </a:p>
+      </dgm:t>
+    </dgm:pt>
+    <dgm:pt modelId="{66C7E231-C365-433D-9CD6-4F9B879ECF31}">
+      <dgm:prSet phldrT="[Text]"/>
+      <dgm:spPr/>
+      <dgm:t>
+        <a:bodyPr/>
+        <a:lstStyle/>
+        <a:p>
+          <a:r>
+            <a:rPr lang="en-US" dirty="0"/>
+            <a:t>2.1 – Visualization using Python</a:t>
+          </a:r>
+        </a:p>
+      </dgm:t>
+    </dgm:pt>
+    <dgm:pt modelId="{F5041A81-E928-4E22-BF3F-527D0CFCDA99}" type="parTrans" cxnId="{E2F15620-745C-48A3-9E80-5FA4C2CD21AF}">
+      <dgm:prSet/>
+      <dgm:spPr/>
+      <dgm:t>
+        <a:bodyPr/>
+        <a:lstStyle/>
+        <a:p>
+          <a:endParaRPr lang="en-US"/>
+        </a:p>
+      </dgm:t>
+    </dgm:pt>
+    <dgm:pt modelId="{463F4406-73C9-4C43-B81D-36A65CB68E3A}" type="sibTrans" cxnId="{E2F15620-745C-48A3-9E80-5FA4C2CD21AF}">
+      <dgm:prSet/>
+      <dgm:spPr/>
+      <dgm:t>
+        <a:bodyPr/>
+        <a:lstStyle/>
+        <a:p>
+          <a:endParaRPr lang="en-US"/>
+        </a:p>
+      </dgm:t>
+    </dgm:pt>
+    <dgm:pt modelId="{3C094EB0-AE8D-4397-823A-B7F4CEAE12F7}">
+      <dgm:prSet phldrT="[Text]"/>
+      <dgm:spPr/>
+      <dgm:t>
+        <a:bodyPr/>
+        <a:lstStyle/>
+        <a:p>
+          <a:r>
+            <a:rPr lang="en-US" dirty="0"/>
+            <a:t>2.2 – Exploratory Data Analysis</a:t>
+          </a:r>
+        </a:p>
+      </dgm:t>
+    </dgm:pt>
+    <dgm:pt modelId="{1900D19D-8576-4560-80A9-0BA05043069D}" type="parTrans" cxnId="{B7AFD636-60E4-4333-9233-6F770BF66F36}">
+      <dgm:prSet/>
+      <dgm:spPr/>
+      <dgm:t>
+        <a:bodyPr/>
+        <a:lstStyle/>
+        <a:p>
+          <a:endParaRPr lang="en-US"/>
+        </a:p>
+      </dgm:t>
+    </dgm:pt>
+    <dgm:pt modelId="{DC5C6AD2-C83E-45CE-857A-4128791C9F6D}" type="sibTrans" cxnId="{B7AFD636-60E4-4333-9233-6F770BF66F36}">
+      <dgm:prSet/>
+      <dgm:spPr/>
+      <dgm:t>
+        <a:bodyPr/>
+        <a:lstStyle/>
+        <a:p>
+          <a:endParaRPr lang="en-US"/>
+        </a:p>
+      </dgm:t>
+    </dgm:pt>
+    <dgm:pt modelId="{7EF92B1C-CC07-42E3-BC0B-93F3D45B9BDD}">
+      <dgm:prSet phldrT="[Text]"/>
+      <dgm:spPr/>
+      <dgm:t>
+        <a:bodyPr/>
+        <a:lstStyle/>
+        <a:p>
+          <a:r>
+            <a:rPr lang="en-US" dirty="0"/>
+            <a:t>Cleaned the data to account for missing values and outliers</a:t>
+          </a:r>
+        </a:p>
+      </dgm:t>
+    </dgm:pt>
+    <dgm:pt modelId="{761D6BF1-FC5C-4F29-A4BA-A7155E4F8FE5}" type="parTrans" cxnId="{DE2936D1-D86A-4B90-9A4D-C023966EEE64}">
+      <dgm:prSet/>
+      <dgm:spPr/>
+      <dgm:t>
+        <a:bodyPr/>
+        <a:lstStyle/>
+        <a:p>
+          <a:endParaRPr lang="en-US"/>
+        </a:p>
+      </dgm:t>
+    </dgm:pt>
+    <dgm:pt modelId="{53680E99-5030-40FA-A43B-163B1BF1509E}" type="sibTrans" cxnId="{DE2936D1-D86A-4B90-9A4D-C023966EEE64}">
+      <dgm:prSet/>
+      <dgm:spPr/>
+      <dgm:t>
+        <a:bodyPr/>
+        <a:lstStyle/>
+        <a:p>
+          <a:endParaRPr lang="en-US"/>
+        </a:p>
+      </dgm:t>
+    </dgm:pt>
+    <dgm:pt modelId="{A9EFAA97-C34C-4A8D-BD60-6A97B319755C}">
+      <dgm:prSet phldrT="[Text]"/>
+      <dgm:spPr/>
+      <dgm:t>
+        <a:bodyPr/>
+        <a:lstStyle/>
+        <a:p>
+          <a:r>
+            <a:rPr lang="en-US" dirty="0"/>
+            <a:t>Used matplotlib/seaborn libraries to build visualization on data using python</a:t>
+          </a:r>
+        </a:p>
+      </dgm:t>
+    </dgm:pt>
+    <dgm:pt modelId="{83565AC1-2811-41F6-BD90-610768660845}" type="parTrans" cxnId="{0329A313-FAA0-4473-B36D-AE4778DADEFF}">
+      <dgm:prSet/>
+      <dgm:spPr/>
+      <dgm:t>
+        <a:bodyPr/>
+        <a:lstStyle/>
+        <a:p>
+          <a:endParaRPr lang="en-US"/>
+        </a:p>
+      </dgm:t>
+    </dgm:pt>
+    <dgm:pt modelId="{96EBFC81-1AA5-4F24-88C5-B0DE3A63E5C2}" type="sibTrans" cxnId="{0329A313-FAA0-4473-B36D-AE4778DADEFF}">
+      <dgm:prSet/>
+      <dgm:spPr/>
+      <dgm:t>
+        <a:bodyPr/>
+        <a:lstStyle/>
+        <a:p>
+          <a:endParaRPr lang="en-US"/>
+        </a:p>
+      </dgm:t>
+    </dgm:pt>
+    <dgm:pt modelId="{A1F422BA-4D8E-48E0-8941-FCEE2BDEDA46}">
+      <dgm:prSet phldrT="[Text]"/>
+      <dgm:spPr/>
+      <dgm:t>
+        <a:bodyPr/>
+        <a:lstStyle/>
+        <a:p>
+          <a:r>
+            <a:rPr lang="en-US" dirty="0"/>
+            <a:t>Built different charts types like Heatmap, Scatterplot, </a:t>
+          </a:r>
+          <a:r>
+            <a:rPr lang="en-US" dirty="0" err="1"/>
+            <a:t>barplots</a:t>
+          </a:r>
+          <a:r>
+            <a:rPr lang="en-US" dirty="0"/>
+            <a:t>, </a:t>
+          </a:r>
+          <a:r>
+            <a:rPr lang="en-US" dirty="0" err="1"/>
+            <a:t>countplot</a:t>
+          </a:r>
+          <a:endParaRPr lang="en-US" dirty="0"/>
+        </a:p>
+      </dgm:t>
+    </dgm:pt>
+    <dgm:pt modelId="{BBE7F1B2-317A-4A38-B2F7-0037A75979BC}" type="parTrans" cxnId="{F0615DE9-46CC-4464-95F8-59ADCE5DE829}">
+      <dgm:prSet/>
+      <dgm:spPr/>
+      <dgm:t>
+        <a:bodyPr/>
+        <a:lstStyle/>
+        <a:p>
+          <a:endParaRPr lang="en-US"/>
+        </a:p>
+      </dgm:t>
+    </dgm:pt>
+    <dgm:pt modelId="{4B39C049-B47C-4353-A68B-AE62E924FBF9}" type="sibTrans" cxnId="{F0615DE9-46CC-4464-95F8-59ADCE5DE829}">
+      <dgm:prSet/>
+      <dgm:spPr/>
+      <dgm:t>
+        <a:bodyPr/>
+        <a:lstStyle/>
+        <a:p>
+          <a:endParaRPr lang="en-US"/>
+        </a:p>
+      </dgm:t>
+    </dgm:pt>
+    <dgm:pt modelId="{172EB6A0-226E-42CE-9A4C-25A371E2F4BF}">
+      <dgm:prSet phldrT="[Text]"/>
+      <dgm:spPr/>
+      <dgm:t>
+        <a:bodyPr/>
+        <a:lstStyle/>
+        <a:p>
+          <a:r>
+            <a:rPr lang="en-US" dirty="0"/>
+            <a:t>Conducted univariate and bivariate analysis using </a:t>
+          </a:r>
+          <a:r>
+            <a:rPr lang="en-US" dirty="0" err="1"/>
+            <a:t>barplot</a:t>
+          </a:r>
+          <a:r>
+            <a:rPr lang="en-US" dirty="0"/>
+            <a:t> and </a:t>
+          </a:r>
+          <a:r>
+            <a:rPr lang="en-US" dirty="0" err="1"/>
+            <a:t>pairplot</a:t>
+          </a:r>
+          <a:r>
+            <a:rPr lang="en-US" dirty="0"/>
+            <a:t> functions</a:t>
+          </a:r>
+        </a:p>
+      </dgm:t>
+    </dgm:pt>
+    <dgm:pt modelId="{106AA8A0-4366-4C13-AAD4-D29ED5FD77F5}" type="parTrans" cxnId="{F1EF4D42-B65D-423C-8330-B3795D3B3C39}">
+      <dgm:prSet/>
+      <dgm:spPr/>
+      <dgm:t>
+        <a:bodyPr/>
+        <a:lstStyle/>
+        <a:p>
+          <a:endParaRPr lang="en-US"/>
+        </a:p>
+      </dgm:t>
+    </dgm:pt>
+    <dgm:pt modelId="{5BF71A3B-A584-4748-A1E3-8FB8EDDF1231}" type="sibTrans" cxnId="{F1EF4D42-B65D-423C-8330-B3795D3B3C39}">
+      <dgm:prSet/>
+      <dgm:spPr/>
+      <dgm:t>
+        <a:bodyPr/>
+        <a:lstStyle/>
+        <a:p>
+          <a:endParaRPr lang="en-US"/>
+        </a:p>
+      </dgm:t>
+    </dgm:pt>
+    <dgm:pt modelId="{E98D77B5-CFA0-4180-8A94-5835C46FCF5B}">
+      <dgm:prSet phldrT="[Text]"/>
+      <dgm:spPr/>
+      <dgm:t>
+        <a:bodyPr/>
+        <a:lstStyle/>
+        <a:p>
+          <a:r>
+            <a:rPr lang="en-US" dirty="0"/>
+            <a:t>Scaled the data using Min Max Scaler</a:t>
+          </a:r>
+        </a:p>
+      </dgm:t>
+    </dgm:pt>
+    <dgm:pt modelId="{6FF9B532-B528-4DB1-ABFB-6D01F24FAA5F}" type="parTrans" cxnId="{E52E0141-6EFA-4B0A-BBAB-3712D69CCC40}">
+      <dgm:prSet/>
+      <dgm:spPr/>
+      <dgm:t>
+        <a:bodyPr/>
+        <a:lstStyle/>
+        <a:p>
+          <a:endParaRPr lang="en-US"/>
+        </a:p>
+      </dgm:t>
+    </dgm:pt>
+    <dgm:pt modelId="{887DCD28-903C-4CFE-B871-46A2109E6F29}" type="sibTrans" cxnId="{E52E0141-6EFA-4B0A-BBAB-3712D69CCC40}">
+      <dgm:prSet/>
+      <dgm:spPr/>
+      <dgm:t>
+        <a:bodyPr/>
+        <a:lstStyle/>
+        <a:p>
+          <a:endParaRPr lang="en-US"/>
+        </a:p>
+      </dgm:t>
+    </dgm:pt>
+    <dgm:pt modelId="{6EF04A6F-1770-47E4-B62B-84E584CD57C0}">
+      <dgm:prSet phldrT="[Text]"/>
+      <dgm:spPr/>
+      <dgm:t>
+        <a:bodyPr/>
+        <a:lstStyle/>
+        <a:p>
+          <a:r>
+            <a:rPr lang="en-US" dirty="0"/>
+            <a:t>Replaced the categorical variables with one hot encoded variables</a:t>
+          </a:r>
+        </a:p>
+      </dgm:t>
+    </dgm:pt>
+    <dgm:pt modelId="{79AE2600-BECA-465E-BA26-CDA21587DABF}" type="parTrans" cxnId="{22509D3A-FF04-4C42-9823-7E1FD7A527D9}">
+      <dgm:prSet/>
+      <dgm:spPr/>
+      <dgm:t>
+        <a:bodyPr/>
+        <a:lstStyle/>
+        <a:p>
+          <a:endParaRPr lang="en-US"/>
+        </a:p>
+      </dgm:t>
+    </dgm:pt>
+    <dgm:pt modelId="{96B0C94E-93FC-498D-8347-DDDC470073B7}" type="sibTrans" cxnId="{22509D3A-FF04-4C42-9823-7E1FD7A527D9}">
+      <dgm:prSet/>
+      <dgm:spPr/>
+      <dgm:t>
+        <a:bodyPr/>
+        <a:lstStyle/>
+        <a:p>
+          <a:endParaRPr lang="en-US"/>
+        </a:p>
+      </dgm:t>
+    </dgm:pt>
+    <dgm:pt modelId="{31A0EE7C-5DAB-4506-8389-4AFEB4B84F88}">
+      <dgm:prSet phldrT="[Text]"/>
+      <dgm:spPr/>
+      <dgm:t>
+        <a:bodyPr/>
+        <a:lstStyle/>
+        <a:p>
+          <a:r>
+            <a:rPr lang="en-US" dirty="0"/>
+            <a:t>2.3 – Power BI</a:t>
+          </a:r>
+        </a:p>
+      </dgm:t>
+    </dgm:pt>
+    <dgm:pt modelId="{819E7F58-1375-48D9-BD4C-735A0E3177A0}" type="parTrans" cxnId="{FE7957C3-BF0E-4483-A4B4-37A6ADB744EF}">
+      <dgm:prSet/>
+      <dgm:spPr/>
+      <dgm:t>
+        <a:bodyPr/>
+        <a:lstStyle/>
+        <a:p>
+          <a:endParaRPr lang="en-US"/>
+        </a:p>
+      </dgm:t>
+    </dgm:pt>
+    <dgm:pt modelId="{D07AE387-D444-4650-B02E-E1F1316280F9}" type="sibTrans" cxnId="{FE7957C3-BF0E-4483-A4B4-37A6ADB744EF}">
+      <dgm:prSet/>
+      <dgm:spPr/>
+      <dgm:t>
+        <a:bodyPr/>
+        <a:lstStyle/>
+        <a:p>
+          <a:endParaRPr lang="en-US"/>
+        </a:p>
+      </dgm:t>
+    </dgm:pt>
+    <dgm:pt modelId="{372CBB16-6916-45D4-9D59-E3BE91FCC1E6}">
+      <dgm:prSet phldrT="[Text]"/>
+      <dgm:spPr/>
+      <dgm:t>
+        <a:bodyPr/>
+        <a:lstStyle/>
+        <a:p>
+          <a:r>
+            <a:rPr lang="en-US" dirty="0"/>
+            <a:t>Created Power BI report to view how Selling Prices differs with different features, like state, region and city.</a:t>
+          </a:r>
+        </a:p>
+      </dgm:t>
+    </dgm:pt>
+    <dgm:pt modelId="{65DE0222-8D72-4BE4-9A10-C1C3FD7B0C83}" type="parTrans" cxnId="{85BA33C8-5C4E-411C-B6B6-3BB31E33A197}">
+      <dgm:prSet/>
+      <dgm:spPr/>
+      <dgm:t>
+        <a:bodyPr/>
+        <a:lstStyle/>
+        <a:p>
+          <a:endParaRPr lang="en-US"/>
+        </a:p>
+      </dgm:t>
+    </dgm:pt>
+    <dgm:pt modelId="{4F7C6551-43FA-4A4E-B0EE-F631B0FA211D}" type="sibTrans" cxnId="{85BA33C8-5C4E-411C-B6B6-3BB31E33A197}">
+      <dgm:prSet/>
+      <dgm:spPr/>
+      <dgm:t>
+        <a:bodyPr/>
+        <a:lstStyle/>
+        <a:p>
+          <a:endParaRPr lang="en-US"/>
+        </a:p>
+      </dgm:t>
+    </dgm:pt>
+    <dgm:pt modelId="{C36D3990-4B43-4633-8805-A5A2624993DD}">
+      <dgm:prSet phldrT="[Text]"/>
+      <dgm:spPr/>
+      <dgm:t>
+        <a:bodyPr/>
+        <a:lstStyle/>
+        <a:p>
+          <a:r>
+            <a:rPr lang="en-US" dirty="0"/>
+            <a:t>Examined relation between different variables like fuel type, mileage and km driven.</a:t>
+          </a:r>
+        </a:p>
+      </dgm:t>
+    </dgm:pt>
+    <dgm:pt modelId="{2466705B-8919-4BDA-A32A-66356C18360C}" type="parTrans" cxnId="{5407646F-F988-416F-ACF1-EDAC682E4798}">
+      <dgm:prSet/>
+      <dgm:spPr/>
+      <dgm:t>
+        <a:bodyPr/>
+        <a:lstStyle/>
+        <a:p>
+          <a:endParaRPr lang="en-US"/>
+        </a:p>
+      </dgm:t>
+    </dgm:pt>
+    <dgm:pt modelId="{F2361FCB-47F8-47CB-89B0-07E3E35A82ED}" type="sibTrans" cxnId="{5407646F-F988-416F-ACF1-EDAC682E4798}">
+      <dgm:prSet/>
+      <dgm:spPr/>
+      <dgm:t>
+        <a:bodyPr/>
+        <a:lstStyle/>
+        <a:p>
+          <a:endParaRPr lang="en-US"/>
+        </a:p>
+      </dgm:t>
+    </dgm:pt>
+    <dgm:pt modelId="{AF4C162F-B631-4A9A-8C22-7A312556F4A7}">
+      <dgm:prSet phldrT="[Text]"/>
+      <dgm:spPr/>
+      <dgm:t>
+        <a:bodyPr/>
+        <a:lstStyle/>
+        <a:p>
+          <a:r>
+            <a:rPr lang="en-US" dirty="0"/>
+            <a:t>2.4 – Model Building</a:t>
+          </a:r>
+        </a:p>
+      </dgm:t>
+    </dgm:pt>
+    <dgm:pt modelId="{7E7F83AE-6550-42EF-8AF6-90323954EFFD}" type="parTrans" cxnId="{28BEB2B2-E5A9-487C-8795-86F39BBE8D0C}">
+      <dgm:prSet/>
+      <dgm:spPr/>
+      <dgm:t>
+        <a:bodyPr/>
+        <a:lstStyle/>
+        <a:p>
+          <a:endParaRPr lang="en-US"/>
+        </a:p>
+      </dgm:t>
+    </dgm:pt>
+    <dgm:pt modelId="{3B15549E-754F-488E-AA5D-88C3E4FEEB7C}" type="sibTrans" cxnId="{28BEB2B2-E5A9-487C-8795-86F39BBE8D0C}">
+      <dgm:prSet/>
+      <dgm:spPr/>
+      <dgm:t>
+        <a:bodyPr/>
+        <a:lstStyle/>
+        <a:p>
+          <a:endParaRPr lang="en-US"/>
+        </a:p>
+      </dgm:t>
+    </dgm:pt>
+    <dgm:pt modelId="{FF93475D-A049-4D59-A5C1-ED3B68882E94}">
+      <dgm:prSet phldrT="[Text]"/>
+      <dgm:spPr/>
+      <dgm:t>
+        <a:bodyPr/>
+        <a:lstStyle/>
+        <a:p>
+          <a:r>
+            <a:rPr lang="en-US" dirty="0"/>
+            <a:t>Created a train test split (80:20)</a:t>
+          </a:r>
+        </a:p>
+      </dgm:t>
+    </dgm:pt>
+    <dgm:pt modelId="{2915AFF4-7E44-4364-ADF5-86345499D8A9}" type="parTrans" cxnId="{57C71428-F3CB-4DD2-AEBF-40720F30D14C}">
+      <dgm:prSet/>
+      <dgm:spPr/>
+      <dgm:t>
+        <a:bodyPr/>
+        <a:lstStyle/>
+        <a:p>
+          <a:endParaRPr lang="en-US"/>
+        </a:p>
+      </dgm:t>
+    </dgm:pt>
+    <dgm:pt modelId="{3A1B009D-D1BC-4D89-8A49-87EC962C8CF4}" type="sibTrans" cxnId="{57C71428-F3CB-4DD2-AEBF-40720F30D14C}">
+      <dgm:prSet/>
+      <dgm:spPr/>
+      <dgm:t>
+        <a:bodyPr/>
+        <a:lstStyle/>
+        <a:p>
+          <a:endParaRPr lang="en-US"/>
+        </a:p>
+      </dgm:t>
+    </dgm:pt>
+    <dgm:pt modelId="{5FA3E080-AEA9-44F9-BA43-1B9F27BD82F1}">
+      <dgm:prSet phldrT="[Text]"/>
+      <dgm:spPr/>
+      <dgm:t>
+        <a:bodyPr/>
+        <a:lstStyle/>
+        <a:p>
+          <a:r>
+            <a:rPr lang="en-US" dirty="0"/>
+            <a:t>Used </a:t>
+          </a:r>
+          <a:r>
+            <a:rPr lang="en-US" dirty="0" err="1"/>
+            <a:t>GridSearchCV</a:t>
+          </a:r>
+          <a:r>
+            <a:rPr lang="en-US" dirty="0"/>
+            <a:t> to find best parameters for Linear Regression, </a:t>
+          </a:r>
+          <a:r>
+            <a:rPr lang="en-US" dirty="0" err="1"/>
+            <a:t>DecisionTreeRegression</a:t>
+          </a:r>
+          <a:r>
+            <a:rPr lang="en-US" dirty="0"/>
+            <a:t> and </a:t>
+          </a:r>
+          <a:r>
+            <a:rPr lang="en-US" dirty="0" err="1"/>
+            <a:t>RandomForestRegressor</a:t>
+          </a:r>
+          <a:endParaRPr lang="en-US" dirty="0"/>
+        </a:p>
+      </dgm:t>
+    </dgm:pt>
+    <dgm:pt modelId="{9C8AC010-423D-4AFE-9C6E-FF3988D5D7D9}" type="parTrans" cxnId="{F346627A-1F21-4162-A01D-959BEC34E446}">
+      <dgm:prSet/>
+      <dgm:spPr/>
+      <dgm:t>
+        <a:bodyPr/>
+        <a:lstStyle/>
+        <a:p>
+          <a:endParaRPr lang="en-US"/>
+        </a:p>
+      </dgm:t>
+    </dgm:pt>
+    <dgm:pt modelId="{24F22877-53C7-46D8-BD35-3D947201D975}" type="sibTrans" cxnId="{F346627A-1F21-4162-A01D-959BEC34E446}">
+      <dgm:prSet/>
+      <dgm:spPr/>
+      <dgm:t>
+        <a:bodyPr/>
+        <a:lstStyle/>
+        <a:p>
+          <a:endParaRPr lang="en-US"/>
+        </a:p>
+      </dgm:t>
+    </dgm:pt>
+    <dgm:pt modelId="{D8DC0B41-7209-427F-B22D-396502AE8C0A}">
+      <dgm:prSet phldrT="[Text]"/>
+      <dgm:spPr/>
+      <dgm:t>
+        <a:bodyPr/>
+        <a:lstStyle/>
+        <a:p>
+          <a:r>
+            <a:rPr lang="en-US" dirty="0" err="1"/>
+            <a:t>RandomForestRegressor</a:t>
+          </a:r>
+          <a:r>
+            <a:rPr lang="en-US" dirty="0"/>
+            <a:t> performed the best and had </a:t>
+          </a:r>
+          <a:r>
+            <a:rPr lang="en-US" dirty="0" err="1"/>
+            <a:t>accurace</a:t>
+          </a:r>
+          <a:r>
+            <a:rPr lang="en-US" dirty="0"/>
+            <a:t> </a:t>
+          </a:r>
+          <a:r>
+            <a:rPr lang="en-US" dirty="0" err="1"/>
+            <a:t>soce</a:t>
+          </a:r>
+          <a:r>
+            <a:rPr lang="en-US" dirty="0"/>
+            <a:t> of 0.975</a:t>
+          </a:r>
+        </a:p>
+      </dgm:t>
+    </dgm:pt>
+    <dgm:pt modelId="{A04DC131-70FD-45BB-B59A-71DE0591EE3D}" type="parTrans" cxnId="{BB85D580-BA82-4D1F-9606-A287E01E7B1F}">
+      <dgm:prSet/>
+      <dgm:spPr/>
+      <dgm:t>
+        <a:bodyPr/>
+        <a:lstStyle/>
+        <a:p>
+          <a:endParaRPr lang="en-US"/>
+        </a:p>
+      </dgm:t>
+    </dgm:pt>
+    <dgm:pt modelId="{C3A0057C-B80F-4250-8D42-442E31FDFB16}" type="sibTrans" cxnId="{BB85D580-BA82-4D1F-9606-A287E01E7B1F}">
+      <dgm:prSet/>
+      <dgm:spPr/>
+      <dgm:t>
+        <a:bodyPr/>
+        <a:lstStyle/>
+        <a:p>
+          <a:endParaRPr lang="en-US"/>
+        </a:p>
+      </dgm:t>
+    </dgm:pt>
+    <dgm:pt modelId="{BDF8FCDC-945C-4683-B074-BB73BA4150E1}" type="pres">
+      <dgm:prSet presAssocID="{F7FBE71C-5A67-4247-8F0A-BD95651217B4}" presName="Name0" presStyleCnt="0">
+        <dgm:presLayoutVars>
+          <dgm:dir/>
+          <dgm:animLvl val="lvl"/>
+          <dgm:resizeHandles val="exact"/>
+        </dgm:presLayoutVars>
+      </dgm:prSet>
+      <dgm:spPr/>
+    </dgm:pt>
+    <dgm:pt modelId="{E660595C-97DE-405D-B0CD-0C190D80A715}" type="pres">
+      <dgm:prSet presAssocID="{66C7E231-C365-433D-9CD6-4F9B879ECF31}" presName="linNode" presStyleCnt="0"/>
+      <dgm:spPr/>
+    </dgm:pt>
+    <dgm:pt modelId="{B40B7D03-09CE-4EB3-9EF2-B1DBCB05B720}" type="pres">
+      <dgm:prSet presAssocID="{66C7E231-C365-433D-9CD6-4F9B879ECF31}" presName="parTx" presStyleLbl="revTx" presStyleIdx="0" presStyleCnt="4">
+        <dgm:presLayoutVars>
+          <dgm:chMax val="1"/>
+          <dgm:bulletEnabled val="1"/>
+        </dgm:presLayoutVars>
+      </dgm:prSet>
+      <dgm:spPr/>
+    </dgm:pt>
+    <dgm:pt modelId="{33B2C2AD-AE3E-4F89-B9E2-7316F9F39041}" type="pres">
+      <dgm:prSet presAssocID="{66C7E231-C365-433D-9CD6-4F9B879ECF31}" presName="bracket" presStyleLbl="parChTrans1D1" presStyleIdx="0" presStyleCnt="4"/>
+      <dgm:spPr/>
+    </dgm:pt>
+    <dgm:pt modelId="{72A6AC88-50E4-46C3-A338-06A3CF681AC1}" type="pres">
+      <dgm:prSet presAssocID="{66C7E231-C365-433D-9CD6-4F9B879ECF31}" presName="spH" presStyleCnt="0"/>
+      <dgm:spPr/>
+    </dgm:pt>
+    <dgm:pt modelId="{328335BC-667E-400A-B00C-58182B5B5642}" type="pres">
+      <dgm:prSet presAssocID="{66C7E231-C365-433D-9CD6-4F9B879ECF31}" presName="desTx" presStyleLbl="node1" presStyleIdx="0" presStyleCnt="4">
+        <dgm:presLayoutVars>
+          <dgm:bulletEnabled val="1"/>
+        </dgm:presLayoutVars>
+      </dgm:prSet>
+      <dgm:spPr/>
+    </dgm:pt>
+    <dgm:pt modelId="{15AE3EB1-00CB-48EC-83C9-AC146BC0133D}" type="pres">
+      <dgm:prSet presAssocID="{463F4406-73C9-4C43-B81D-36A65CB68E3A}" presName="spV" presStyleCnt="0"/>
+      <dgm:spPr/>
+    </dgm:pt>
+    <dgm:pt modelId="{663382C4-313A-413E-A12D-30679269ABC5}" type="pres">
+      <dgm:prSet presAssocID="{3C094EB0-AE8D-4397-823A-B7F4CEAE12F7}" presName="linNode" presStyleCnt="0"/>
+      <dgm:spPr/>
+    </dgm:pt>
+    <dgm:pt modelId="{FB42EC52-BC9E-4A03-BE80-0A0DECE4464E}" type="pres">
+      <dgm:prSet presAssocID="{3C094EB0-AE8D-4397-823A-B7F4CEAE12F7}" presName="parTx" presStyleLbl="revTx" presStyleIdx="1" presStyleCnt="4">
+        <dgm:presLayoutVars>
+          <dgm:chMax val="1"/>
+          <dgm:bulletEnabled val="1"/>
+        </dgm:presLayoutVars>
+      </dgm:prSet>
+      <dgm:spPr/>
+    </dgm:pt>
+    <dgm:pt modelId="{F78DB161-2ECD-46D8-A4F6-C866899CE3D5}" type="pres">
+      <dgm:prSet presAssocID="{3C094EB0-AE8D-4397-823A-B7F4CEAE12F7}" presName="bracket" presStyleLbl="parChTrans1D1" presStyleIdx="1" presStyleCnt="4"/>
+      <dgm:spPr/>
+    </dgm:pt>
+    <dgm:pt modelId="{47DB4921-EBC7-42AD-B82C-ABB7B728CBEB}" type="pres">
+      <dgm:prSet presAssocID="{3C094EB0-AE8D-4397-823A-B7F4CEAE12F7}" presName="spH" presStyleCnt="0"/>
+      <dgm:spPr/>
+    </dgm:pt>
+    <dgm:pt modelId="{4CCA9877-083C-45EF-88E5-258BAD9EDD86}" type="pres">
+      <dgm:prSet presAssocID="{3C094EB0-AE8D-4397-823A-B7F4CEAE12F7}" presName="desTx" presStyleLbl="node1" presStyleIdx="1" presStyleCnt="4">
+        <dgm:presLayoutVars>
+          <dgm:bulletEnabled val="1"/>
+        </dgm:presLayoutVars>
+      </dgm:prSet>
+      <dgm:spPr/>
+    </dgm:pt>
+    <dgm:pt modelId="{6EA7896D-7579-4EA6-AFCC-E69687128546}" type="pres">
+      <dgm:prSet presAssocID="{DC5C6AD2-C83E-45CE-857A-4128791C9F6D}" presName="spV" presStyleCnt="0"/>
+      <dgm:spPr/>
+    </dgm:pt>
+    <dgm:pt modelId="{9813536F-725B-4517-BE25-B9FB91F6C0F1}" type="pres">
+      <dgm:prSet presAssocID="{31A0EE7C-5DAB-4506-8389-4AFEB4B84F88}" presName="linNode" presStyleCnt="0"/>
+      <dgm:spPr/>
+    </dgm:pt>
+    <dgm:pt modelId="{BC45C4CB-D1BC-43DB-B568-8EFB9CB3B3C7}" type="pres">
+      <dgm:prSet presAssocID="{31A0EE7C-5DAB-4506-8389-4AFEB4B84F88}" presName="parTx" presStyleLbl="revTx" presStyleIdx="2" presStyleCnt="4">
+        <dgm:presLayoutVars>
+          <dgm:chMax val="1"/>
+          <dgm:bulletEnabled val="1"/>
+        </dgm:presLayoutVars>
+      </dgm:prSet>
+      <dgm:spPr/>
+    </dgm:pt>
+    <dgm:pt modelId="{C4989F1C-2126-4679-935E-49B00BDC7446}" type="pres">
+      <dgm:prSet presAssocID="{31A0EE7C-5DAB-4506-8389-4AFEB4B84F88}" presName="bracket" presStyleLbl="parChTrans1D1" presStyleIdx="2" presStyleCnt="4"/>
+      <dgm:spPr/>
+    </dgm:pt>
+    <dgm:pt modelId="{9C2DC888-6C80-4793-B8EF-282371891903}" type="pres">
+      <dgm:prSet presAssocID="{31A0EE7C-5DAB-4506-8389-4AFEB4B84F88}" presName="spH" presStyleCnt="0"/>
+      <dgm:spPr/>
+    </dgm:pt>
+    <dgm:pt modelId="{0FD0E736-0D60-4A01-B589-290A182ED804}" type="pres">
+      <dgm:prSet presAssocID="{31A0EE7C-5DAB-4506-8389-4AFEB4B84F88}" presName="desTx" presStyleLbl="node1" presStyleIdx="2" presStyleCnt="4">
+        <dgm:presLayoutVars>
+          <dgm:bulletEnabled val="1"/>
+        </dgm:presLayoutVars>
+      </dgm:prSet>
+      <dgm:spPr/>
+    </dgm:pt>
+    <dgm:pt modelId="{85A06418-0CB9-4732-BABF-B8E721D66A0E}" type="pres">
+      <dgm:prSet presAssocID="{D07AE387-D444-4650-B02E-E1F1316280F9}" presName="spV" presStyleCnt="0"/>
+      <dgm:spPr/>
+    </dgm:pt>
+    <dgm:pt modelId="{6711F2EF-FDA5-4184-BE92-D056FA67E933}" type="pres">
+      <dgm:prSet presAssocID="{AF4C162F-B631-4A9A-8C22-7A312556F4A7}" presName="linNode" presStyleCnt="0"/>
+      <dgm:spPr/>
+    </dgm:pt>
+    <dgm:pt modelId="{A0A1C39F-124C-42EB-BD0E-3CBA4206B28D}" type="pres">
+      <dgm:prSet presAssocID="{AF4C162F-B631-4A9A-8C22-7A312556F4A7}" presName="parTx" presStyleLbl="revTx" presStyleIdx="3" presStyleCnt="4">
+        <dgm:presLayoutVars>
+          <dgm:chMax val="1"/>
+          <dgm:bulletEnabled val="1"/>
+        </dgm:presLayoutVars>
+      </dgm:prSet>
+      <dgm:spPr/>
+    </dgm:pt>
+    <dgm:pt modelId="{0B08F40F-7DC3-4488-9A09-3DF0EDB361E5}" type="pres">
+      <dgm:prSet presAssocID="{AF4C162F-B631-4A9A-8C22-7A312556F4A7}" presName="bracket" presStyleLbl="parChTrans1D1" presStyleIdx="3" presStyleCnt="4"/>
+      <dgm:spPr/>
+    </dgm:pt>
+    <dgm:pt modelId="{557AEE64-37F0-482D-8906-24727477441C}" type="pres">
+      <dgm:prSet presAssocID="{AF4C162F-B631-4A9A-8C22-7A312556F4A7}" presName="spH" presStyleCnt="0"/>
+      <dgm:spPr/>
+    </dgm:pt>
+    <dgm:pt modelId="{A0FF53E8-A226-42FC-BE42-A65239E9CCDA}" type="pres">
+      <dgm:prSet presAssocID="{AF4C162F-B631-4A9A-8C22-7A312556F4A7}" presName="desTx" presStyleLbl="node1" presStyleIdx="3" presStyleCnt="4">
+        <dgm:presLayoutVars>
+          <dgm:bulletEnabled val="1"/>
+        </dgm:presLayoutVars>
+      </dgm:prSet>
+      <dgm:spPr/>
+    </dgm:pt>
+  </dgm:ptLst>
+  <dgm:cxnLst>
+    <dgm:cxn modelId="{F6DB9F11-6A4D-4C39-86D1-A9F06DE45B52}" type="presOf" srcId="{172EB6A0-226E-42CE-9A4C-25A371E2F4BF}" destId="{4CCA9877-083C-45EF-88E5-258BAD9EDD86}" srcOrd="0" destOrd="0" presId="urn:diagrams.loki3.com/BracketList"/>
+    <dgm:cxn modelId="{0329A313-FAA0-4473-B36D-AE4778DADEFF}" srcId="{66C7E231-C365-433D-9CD6-4F9B879ECF31}" destId="{A9EFAA97-C34C-4A8D-BD60-6A97B319755C}" srcOrd="0" destOrd="0" parTransId="{83565AC1-2811-41F6-BD90-610768660845}" sibTransId="{96EBFC81-1AA5-4F24-88C5-B0DE3A63E5C2}"/>
+    <dgm:cxn modelId="{A1E9E313-BCF8-41ED-8563-954866FD868D}" type="presOf" srcId="{F7FBE71C-5A67-4247-8F0A-BD95651217B4}" destId="{BDF8FCDC-945C-4683-B074-BB73BA4150E1}" srcOrd="0" destOrd="0" presId="urn:diagrams.loki3.com/BracketList"/>
+    <dgm:cxn modelId="{E2F15620-745C-48A3-9E80-5FA4C2CD21AF}" srcId="{F7FBE71C-5A67-4247-8F0A-BD95651217B4}" destId="{66C7E231-C365-433D-9CD6-4F9B879ECF31}" srcOrd="0" destOrd="0" parTransId="{F5041A81-E928-4E22-BF3F-527D0CFCDA99}" sibTransId="{463F4406-73C9-4C43-B81D-36A65CB68E3A}"/>
+    <dgm:cxn modelId="{57C71428-F3CB-4DD2-AEBF-40720F30D14C}" srcId="{AF4C162F-B631-4A9A-8C22-7A312556F4A7}" destId="{FF93475D-A049-4D59-A5C1-ED3B68882E94}" srcOrd="0" destOrd="0" parTransId="{2915AFF4-7E44-4364-ADF5-86345499D8A9}" sibTransId="{3A1B009D-D1BC-4D89-8A49-87EC962C8CF4}"/>
+    <dgm:cxn modelId="{92CB3732-9599-485B-BE2F-3401868C341E}" type="presOf" srcId="{D8DC0B41-7209-427F-B22D-396502AE8C0A}" destId="{A0FF53E8-A226-42FC-BE42-A65239E9CCDA}" srcOrd="0" destOrd="2" presId="urn:diagrams.loki3.com/BracketList"/>
+    <dgm:cxn modelId="{280EE032-8146-4A72-A89A-2266E60D2424}" type="presOf" srcId="{6EF04A6F-1770-47E4-B62B-84E584CD57C0}" destId="{4CCA9877-083C-45EF-88E5-258BAD9EDD86}" srcOrd="0" destOrd="3" presId="urn:diagrams.loki3.com/BracketList"/>
+    <dgm:cxn modelId="{B7AFD636-60E4-4333-9233-6F770BF66F36}" srcId="{F7FBE71C-5A67-4247-8F0A-BD95651217B4}" destId="{3C094EB0-AE8D-4397-823A-B7F4CEAE12F7}" srcOrd="1" destOrd="0" parTransId="{1900D19D-8576-4560-80A9-0BA05043069D}" sibTransId="{DC5C6AD2-C83E-45CE-857A-4128791C9F6D}"/>
+    <dgm:cxn modelId="{22509D3A-FF04-4C42-9823-7E1FD7A527D9}" srcId="{3C094EB0-AE8D-4397-823A-B7F4CEAE12F7}" destId="{6EF04A6F-1770-47E4-B62B-84E584CD57C0}" srcOrd="3" destOrd="0" parTransId="{79AE2600-BECA-465E-BA26-CDA21587DABF}" sibTransId="{96B0C94E-93FC-498D-8347-DDDC470073B7}"/>
+    <dgm:cxn modelId="{E52E0141-6EFA-4B0A-BBAB-3712D69CCC40}" srcId="{3C094EB0-AE8D-4397-823A-B7F4CEAE12F7}" destId="{E98D77B5-CFA0-4180-8A94-5835C46FCF5B}" srcOrd="2" destOrd="0" parTransId="{6FF9B532-B528-4DB1-ABFB-6D01F24FAA5F}" sibTransId="{887DCD28-903C-4CFE-B871-46A2109E6F29}"/>
+    <dgm:cxn modelId="{F1EF4D42-B65D-423C-8330-B3795D3B3C39}" srcId="{3C094EB0-AE8D-4397-823A-B7F4CEAE12F7}" destId="{172EB6A0-226E-42CE-9A4C-25A371E2F4BF}" srcOrd="0" destOrd="0" parTransId="{106AA8A0-4366-4C13-AAD4-D29ED5FD77F5}" sibTransId="{5BF71A3B-A584-4748-A1E3-8FB8EDDF1231}"/>
+    <dgm:cxn modelId="{5407646F-F988-416F-ACF1-EDAC682E4798}" srcId="{31A0EE7C-5DAB-4506-8389-4AFEB4B84F88}" destId="{C36D3990-4B43-4633-8805-A5A2624993DD}" srcOrd="1" destOrd="0" parTransId="{2466705B-8919-4BDA-A32A-66356C18360C}" sibTransId="{F2361FCB-47F8-47CB-89B0-07E3E35A82ED}"/>
+    <dgm:cxn modelId="{C89BC872-9499-419D-B628-3E7602EDE6C9}" type="presOf" srcId="{31A0EE7C-5DAB-4506-8389-4AFEB4B84F88}" destId="{BC45C4CB-D1BC-43DB-B568-8EFB9CB3B3C7}" srcOrd="0" destOrd="0" presId="urn:diagrams.loki3.com/BracketList"/>
+    <dgm:cxn modelId="{A551D073-BB5A-4081-B505-FDC76562DD55}" type="presOf" srcId="{66C7E231-C365-433D-9CD6-4F9B879ECF31}" destId="{B40B7D03-09CE-4EB3-9EF2-B1DBCB05B720}" srcOrd="0" destOrd="0" presId="urn:diagrams.loki3.com/BracketList"/>
+    <dgm:cxn modelId="{A6F09E58-550A-4772-A57E-B23447F94D69}" type="presOf" srcId="{3C094EB0-AE8D-4397-823A-B7F4CEAE12F7}" destId="{FB42EC52-BC9E-4A03-BE80-0A0DECE4464E}" srcOrd="0" destOrd="0" presId="urn:diagrams.loki3.com/BracketList"/>
+    <dgm:cxn modelId="{F346627A-1F21-4162-A01D-959BEC34E446}" srcId="{AF4C162F-B631-4A9A-8C22-7A312556F4A7}" destId="{5FA3E080-AEA9-44F9-BA43-1B9F27BD82F1}" srcOrd="1" destOrd="0" parTransId="{9C8AC010-423D-4AFE-9C6E-FF3988D5D7D9}" sibTransId="{24F22877-53C7-46D8-BD35-3D947201D975}"/>
+    <dgm:cxn modelId="{F1CC8E7B-B836-4532-9460-31126259B6BC}" type="presOf" srcId="{5FA3E080-AEA9-44F9-BA43-1B9F27BD82F1}" destId="{A0FF53E8-A226-42FC-BE42-A65239E9CCDA}" srcOrd="0" destOrd="1" presId="urn:diagrams.loki3.com/BracketList"/>
+    <dgm:cxn modelId="{BB85D580-BA82-4D1F-9606-A287E01E7B1F}" srcId="{AF4C162F-B631-4A9A-8C22-7A312556F4A7}" destId="{D8DC0B41-7209-427F-B22D-396502AE8C0A}" srcOrd="2" destOrd="0" parTransId="{A04DC131-70FD-45BB-B59A-71DE0591EE3D}" sibTransId="{C3A0057C-B80F-4250-8D42-442E31FDFB16}"/>
+    <dgm:cxn modelId="{3C580281-003E-497F-BBEC-758B63552C99}" type="presOf" srcId="{372CBB16-6916-45D4-9D59-E3BE91FCC1E6}" destId="{0FD0E736-0D60-4A01-B589-290A182ED804}" srcOrd="0" destOrd="0" presId="urn:diagrams.loki3.com/BracketList"/>
+    <dgm:cxn modelId="{DB781F99-0DC1-4E04-ADD8-BB19319DB856}" type="presOf" srcId="{A1F422BA-4D8E-48E0-8941-FCEE2BDEDA46}" destId="{328335BC-667E-400A-B00C-58182B5B5642}" srcOrd="0" destOrd="1" presId="urn:diagrams.loki3.com/BracketList"/>
+    <dgm:cxn modelId="{4E5EDEA1-C7C6-4EA2-A557-AA34E1DA5CEE}" type="presOf" srcId="{A9EFAA97-C34C-4A8D-BD60-6A97B319755C}" destId="{328335BC-667E-400A-B00C-58182B5B5642}" srcOrd="0" destOrd="0" presId="urn:diagrams.loki3.com/BracketList"/>
+    <dgm:cxn modelId="{32E0FCA8-0743-4F6B-9EFF-C3FF82C38CFB}" type="presOf" srcId="{E98D77B5-CFA0-4180-8A94-5835C46FCF5B}" destId="{4CCA9877-083C-45EF-88E5-258BAD9EDD86}" srcOrd="0" destOrd="2" presId="urn:diagrams.loki3.com/BracketList"/>
+    <dgm:cxn modelId="{28BEB2B2-E5A9-487C-8795-86F39BBE8D0C}" srcId="{F7FBE71C-5A67-4247-8F0A-BD95651217B4}" destId="{AF4C162F-B631-4A9A-8C22-7A312556F4A7}" srcOrd="3" destOrd="0" parTransId="{7E7F83AE-6550-42EF-8AF6-90323954EFFD}" sibTransId="{3B15549E-754F-488E-AA5D-88C3E4FEEB7C}"/>
+    <dgm:cxn modelId="{FE7957C3-BF0E-4483-A4B4-37A6ADB744EF}" srcId="{F7FBE71C-5A67-4247-8F0A-BD95651217B4}" destId="{31A0EE7C-5DAB-4506-8389-4AFEB4B84F88}" srcOrd="2" destOrd="0" parTransId="{819E7F58-1375-48D9-BD4C-735A0E3177A0}" sibTransId="{D07AE387-D444-4650-B02E-E1F1316280F9}"/>
+    <dgm:cxn modelId="{85BA33C8-5C4E-411C-B6B6-3BB31E33A197}" srcId="{31A0EE7C-5DAB-4506-8389-4AFEB4B84F88}" destId="{372CBB16-6916-45D4-9D59-E3BE91FCC1E6}" srcOrd="0" destOrd="0" parTransId="{65DE0222-8D72-4BE4-9A10-C1C3FD7B0C83}" sibTransId="{4F7C6551-43FA-4A4E-B0EE-F631B0FA211D}"/>
+    <dgm:cxn modelId="{DE2936D1-D86A-4B90-9A4D-C023966EEE64}" srcId="{3C094EB0-AE8D-4397-823A-B7F4CEAE12F7}" destId="{7EF92B1C-CC07-42E3-BC0B-93F3D45B9BDD}" srcOrd="1" destOrd="0" parTransId="{761D6BF1-FC5C-4F29-A4BA-A7155E4F8FE5}" sibTransId="{53680E99-5030-40FA-A43B-163B1BF1509E}"/>
+    <dgm:cxn modelId="{1CF898D7-84FF-46B8-8F77-912C476F98EC}" type="presOf" srcId="{FF93475D-A049-4D59-A5C1-ED3B68882E94}" destId="{A0FF53E8-A226-42FC-BE42-A65239E9CCDA}" srcOrd="0" destOrd="0" presId="urn:diagrams.loki3.com/BracketList"/>
+    <dgm:cxn modelId="{5EC375DD-AA9E-4E51-B621-DE52EEBEA86F}" type="presOf" srcId="{C36D3990-4B43-4633-8805-A5A2624993DD}" destId="{0FD0E736-0D60-4A01-B589-290A182ED804}" srcOrd="0" destOrd="1" presId="urn:diagrams.loki3.com/BracketList"/>
+    <dgm:cxn modelId="{808E19E6-CC18-41BD-83B0-8900E001593F}" type="presOf" srcId="{7EF92B1C-CC07-42E3-BC0B-93F3D45B9BDD}" destId="{4CCA9877-083C-45EF-88E5-258BAD9EDD86}" srcOrd="0" destOrd="1" presId="urn:diagrams.loki3.com/BracketList"/>
+    <dgm:cxn modelId="{F0615DE9-46CC-4464-95F8-59ADCE5DE829}" srcId="{66C7E231-C365-433D-9CD6-4F9B879ECF31}" destId="{A1F422BA-4D8E-48E0-8941-FCEE2BDEDA46}" srcOrd="1" destOrd="0" parTransId="{BBE7F1B2-317A-4A38-B2F7-0037A75979BC}" sibTransId="{4B39C049-B47C-4353-A68B-AE62E924FBF9}"/>
+    <dgm:cxn modelId="{326EA9F6-02A2-4D00-932E-E388DDC109C1}" type="presOf" srcId="{AF4C162F-B631-4A9A-8C22-7A312556F4A7}" destId="{A0A1C39F-124C-42EB-BD0E-3CBA4206B28D}" srcOrd="0" destOrd="0" presId="urn:diagrams.loki3.com/BracketList"/>
+    <dgm:cxn modelId="{8265E569-3F2B-47A9-B2F4-966263C50C35}" type="presParOf" srcId="{BDF8FCDC-945C-4683-B074-BB73BA4150E1}" destId="{E660595C-97DE-405D-B0CD-0C190D80A715}" srcOrd="0" destOrd="0" presId="urn:diagrams.loki3.com/BracketList"/>
+    <dgm:cxn modelId="{6AE22CC9-EFC1-4E9F-A805-760E0ABD317F}" type="presParOf" srcId="{E660595C-97DE-405D-B0CD-0C190D80A715}" destId="{B40B7D03-09CE-4EB3-9EF2-B1DBCB05B720}" srcOrd="0" destOrd="0" presId="urn:diagrams.loki3.com/BracketList"/>
+    <dgm:cxn modelId="{3BCFD96E-1C90-4A25-9CFE-6BE7D37B3B47}" type="presParOf" srcId="{E660595C-97DE-405D-B0CD-0C190D80A715}" destId="{33B2C2AD-AE3E-4F89-B9E2-7316F9F39041}" srcOrd="1" destOrd="0" presId="urn:diagrams.loki3.com/BracketList"/>
+    <dgm:cxn modelId="{CF8B2A58-DF34-465F-9865-4B3E82BC9CDD}" type="presParOf" srcId="{E660595C-97DE-405D-B0CD-0C190D80A715}" destId="{72A6AC88-50E4-46C3-A338-06A3CF681AC1}" srcOrd="2" destOrd="0" presId="urn:diagrams.loki3.com/BracketList"/>
+    <dgm:cxn modelId="{EC3A668C-AEC6-4AF8-972D-F3925F685B41}" type="presParOf" srcId="{E660595C-97DE-405D-B0CD-0C190D80A715}" destId="{328335BC-667E-400A-B00C-58182B5B5642}" srcOrd="3" destOrd="0" presId="urn:diagrams.loki3.com/BracketList"/>
+    <dgm:cxn modelId="{8C619123-C5E3-45AD-AB0B-68617B2EA60A}" type="presParOf" srcId="{BDF8FCDC-945C-4683-B074-BB73BA4150E1}" destId="{15AE3EB1-00CB-48EC-83C9-AC146BC0133D}" srcOrd="1" destOrd="0" presId="urn:diagrams.loki3.com/BracketList"/>
+    <dgm:cxn modelId="{AEF2B819-E913-46EE-A4DB-6F5154AB9C13}" type="presParOf" srcId="{BDF8FCDC-945C-4683-B074-BB73BA4150E1}" destId="{663382C4-313A-413E-A12D-30679269ABC5}" srcOrd="2" destOrd="0" presId="urn:diagrams.loki3.com/BracketList"/>
+    <dgm:cxn modelId="{268752E5-11F4-4220-871B-E1A7981C4503}" type="presParOf" srcId="{663382C4-313A-413E-A12D-30679269ABC5}" destId="{FB42EC52-BC9E-4A03-BE80-0A0DECE4464E}" srcOrd="0" destOrd="0" presId="urn:diagrams.loki3.com/BracketList"/>
+    <dgm:cxn modelId="{8644E222-534E-49D5-9509-7B70708E0B17}" type="presParOf" srcId="{663382C4-313A-413E-A12D-30679269ABC5}" destId="{F78DB161-2ECD-46D8-A4F6-C866899CE3D5}" srcOrd="1" destOrd="0" presId="urn:diagrams.loki3.com/BracketList"/>
+    <dgm:cxn modelId="{275893E8-E6F8-4401-AFFD-70638CB4981A}" type="presParOf" srcId="{663382C4-313A-413E-A12D-30679269ABC5}" destId="{47DB4921-EBC7-42AD-B82C-ABB7B728CBEB}" srcOrd="2" destOrd="0" presId="urn:diagrams.loki3.com/BracketList"/>
+    <dgm:cxn modelId="{D139BB2E-D107-4064-8FA2-EEBAA57907DB}" type="presParOf" srcId="{663382C4-313A-413E-A12D-30679269ABC5}" destId="{4CCA9877-083C-45EF-88E5-258BAD9EDD86}" srcOrd="3" destOrd="0" presId="urn:diagrams.loki3.com/BracketList"/>
+    <dgm:cxn modelId="{257E2417-AC84-408C-AAFE-84A868D93F5F}" type="presParOf" srcId="{BDF8FCDC-945C-4683-B074-BB73BA4150E1}" destId="{6EA7896D-7579-4EA6-AFCC-E69687128546}" srcOrd="3" destOrd="0" presId="urn:diagrams.loki3.com/BracketList"/>
+    <dgm:cxn modelId="{02AA2D0F-2A11-4BF2-9465-0B7ADED42F6B}" type="presParOf" srcId="{BDF8FCDC-945C-4683-B074-BB73BA4150E1}" destId="{9813536F-725B-4517-BE25-B9FB91F6C0F1}" srcOrd="4" destOrd="0" presId="urn:diagrams.loki3.com/BracketList"/>
+    <dgm:cxn modelId="{B90D26B6-E117-4E14-B336-DB16903F8D3F}" type="presParOf" srcId="{9813536F-725B-4517-BE25-B9FB91F6C0F1}" destId="{BC45C4CB-D1BC-43DB-B568-8EFB9CB3B3C7}" srcOrd="0" destOrd="0" presId="urn:diagrams.loki3.com/BracketList"/>
+    <dgm:cxn modelId="{29D73CBA-5289-42E7-8E4B-D7C6D2E47B42}" type="presParOf" srcId="{9813536F-725B-4517-BE25-B9FB91F6C0F1}" destId="{C4989F1C-2126-4679-935E-49B00BDC7446}" srcOrd="1" destOrd="0" presId="urn:diagrams.loki3.com/BracketList"/>
+    <dgm:cxn modelId="{26B6A9B3-A10E-44CF-AFFB-F3816DF04D49}" type="presParOf" srcId="{9813536F-725B-4517-BE25-B9FB91F6C0F1}" destId="{9C2DC888-6C80-4793-B8EF-282371891903}" srcOrd="2" destOrd="0" presId="urn:diagrams.loki3.com/BracketList"/>
+    <dgm:cxn modelId="{07162D8C-7C24-410D-8E1A-C88CECA9AEF5}" type="presParOf" srcId="{9813536F-725B-4517-BE25-B9FB91F6C0F1}" destId="{0FD0E736-0D60-4A01-B589-290A182ED804}" srcOrd="3" destOrd="0" presId="urn:diagrams.loki3.com/BracketList"/>
+    <dgm:cxn modelId="{4924E60A-C6F4-404E-B7B2-3FB4E0E86F3F}" type="presParOf" srcId="{BDF8FCDC-945C-4683-B074-BB73BA4150E1}" destId="{85A06418-0CB9-4732-BABF-B8E721D66A0E}" srcOrd="5" destOrd="0" presId="urn:diagrams.loki3.com/BracketList"/>
+    <dgm:cxn modelId="{949323FF-4880-4A3F-9ECD-91CBB5E153D9}" type="presParOf" srcId="{BDF8FCDC-945C-4683-B074-BB73BA4150E1}" destId="{6711F2EF-FDA5-4184-BE92-D056FA67E933}" srcOrd="6" destOrd="0" presId="urn:diagrams.loki3.com/BracketList"/>
+    <dgm:cxn modelId="{D3C74130-79D7-4BFF-A1B7-D3D3D057552D}" type="presParOf" srcId="{6711F2EF-FDA5-4184-BE92-D056FA67E933}" destId="{A0A1C39F-124C-42EB-BD0E-3CBA4206B28D}" srcOrd="0" destOrd="0" presId="urn:diagrams.loki3.com/BracketList"/>
+    <dgm:cxn modelId="{AB1BF94D-B08D-4DC8-A059-BBB6232A9FD2}" type="presParOf" srcId="{6711F2EF-FDA5-4184-BE92-D056FA67E933}" destId="{0B08F40F-7DC3-4488-9A09-3DF0EDB361E5}" srcOrd="1" destOrd="0" presId="urn:diagrams.loki3.com/BracketList"/>
+    <dgm:cxn modelId="{4DB07B90-57F7-4136-8FE7-A2F80DD26DB2}" type="presParOf" srcId="{6711F2EF-FDA5-4184-BE92-D056FA67E933}" destId="{557AEE64-37F0-482D-8906-24727477441C}" srcOrd="2" destOrd="0" presId="urn:diagrams.loki3.com/BracketList"/>
+    <dgm:cxn modelId="{1D01B113-E7BD-4460-934E-CFCE8DB9B4C3}" type="presParOf" srcId="{6711F2EF-FDA5-4184-BE92-D056FA67E933}" destId="{A0FF53E8-A226-42FC-BE42-A65239E9CCDA}" srcOrd="3" destOrd="0" presId="urn:diagrams.loki3.com/BracketList"/>
+  </dgm:cxnLst>
+  <dgm:bg/>
+  <dgm:whole/>
+  <dgm:extLst>
+    <a:ext uri="http://schemas.microsoft.com/office/drawing/2008/diagram">
+      <dsp:dataModelExt xmlns:dsp="http://schemas.microsoft.com/office/drawing/2008/diagram" relId="rId6" minVer="http://schemas.openxmlformats.org/drawingml/2006/diagram"/>
+    </a:ext>
+  </dgm:extLst>
+</dgm:dataModel>
+</file>
+
+<file path=ppt/diagrams/drawing1.xml><?xml version="1.0" encoding="utf-8"?>
+<dsp:drawing xmlns:dgm="http://schemas.openxmlformats.org/drawingml/2006/diagram" xmlns:dsp="http://schemas.microsoft.com/office/drawing/2008/diagram" xmlns:a="http://schemas.openxmlformats.org/drawingml/2006/main">
+  <dsp:spTree>
+    <dsp:nvGrpSpPr>
+      <dsp:cNvPr id="0" name=""/>
+      <dsp:cNvGrpSpPr/>
+    </dsp:nvGrpSpPr>
+    <dsp:grpSpPr/>
+    <dsp:sp modelId="{B40B7D03-09CE-4EB3-9EF2-B1DBCB05B720}">
+      <dsp:nvSpPr>
+        <dsp:cNvPr id="0" name=""/>
+        <dsp:cNvSpPr/>
+      </dsp:nvSpPr>
+      <dsp:spPr>
+        <a:xfrm>
+          <a:off x="5463" y="315720"/>
+          <a:ext cx="2794443" cy="601425"/>
+        </a:xfrm>
+        <a:prstGeom prst="rect">
+          <a:avLst/>
+        </a:prstGeom>
+        <a:noFill/>
+        <a:ln>
+          <a:noFill/>
+        </a:ln>
+        <a:effectLst/>
+      </dsp:spPr>
+      <dsp:style>
+        <a:lnRef idx="0">
+          <a:scrgbClr r="0" g="0" b="0"/>
+        </a:lnRef>
+        <a:fillRef idx="0">
+          <a:scrgbClr r="0" g="0" b="0"/>
+        </a:fillRef>
+        <a:effectRef idx="0">
+          <a:scrgbClr r="0" g="0" b="0"/>
+        </a:effectRef>
+        <a:fontRef idx="minor"/>
+      </dsp:style>
+      <dsp:txBody>
+        <a:bodyPr spcFirstLastPara="0" vert="horz" wrap="square" lIns="128016" tIns="45720" rIns="128016" bIns="45720" numCol="1" spcCol="1270" anchor="ctr" anchorCtr="0">
+          <a:noAutofit/>
+        </a:bodyPr>
+        <a:lstStyle/>
+        <a:p>
+          <a:pPr marL="0" lvl="0" indent="0" algn="r" defTabSz="800100">
+            <a:lnSpc>
+              <a:spcPct val="90000"/>
+            </a:lnSpc>
+            <a:spcBef>
+              <a:spcPct val="0"/>
+            </a:spcBef>
+            <a:spcAft>
+              <a:spcPct val="35000"/>
+            </a:spcAft>
+            <a:buNone/>
+          </a:pPr>
+          <a:r>
+            <a:rPr lang="en-US" sz="1800" kern="1200" dirty="0"/>
+            <a:t>2.1 – Visualization using Python</a:t>
+          </a:r>
+        </a:p>
+      </dsp:txBody>
+      <dsp:txXfrm>
+        <a:off x="5463" y="315720"/>
+        <a:ext cx="2794443" cy="601425"/>
+      </dsp:txXfrm>
+    </dsp:sp>
+    <dsp:sp modelId="{33B2C2AD-AE3E-4F89-B9E2-7316F9F39041}">
+      <dsp:nvSpPr>
+        <dsp:cNvPr id="0" name=""/>
+        <dsp:cNvSpPr/>
+      </dsp:nvSpPr>
+      <dsp:spPr>
+        <a:xfrm>
+          <a:off x="2799906" y="268733"/>
+          <a:ext cx="558888" cy="695397"/>
+        </a:xfrm>
+        <a:prstGeom prst="leftBrace">
+          <a:avLst>
+            <a:gd name="adj1" fmla="val 35000"/>
+            <a:gd name="adj2" fmla="val 50000"/>
+          </a:avLst>
+        </a:prstGeom>
+        <a:noFill/>
+        <a:ln w="25400" cap="flat" cmpd="sng" algn="ctr">
+          <a:solidFill>
+            <a:schemeClr val="accent1">
+              <a:shade val="60000"/>
+              <a:hueOff val="0"/>
+              <a:satOff val="0"/>
+              <a:lumOff val="0"/>
+              <a:alphaOff val="0"/>
+            </a:schemeClr>
+          </a:solidFill>
+          <a:prstDash val="solid"/>
+        </a:ln>
+        <a:effectLst/>
+      </dsp:spPr>
+      <dsp:style>
+        <a:lnRef idx="2">
+          <a:scrgbClr r="0" g="0" b="0"/>
+        </a:lnRef>
+        <a:fillRef idx="0">
+          <a:scrgbClr r="0" g="0" b="0"/>
+        </a:fillRef>
+        <a:effectRef idx="0">
+          <a:scrgbClr r="0" g="0" b="0"/>
+        </a:effectRef>
+        <a:fontRef idx="minor"/>
+      </dsp:style>
+    </dsp:sp>
+    <dsp:sp modelId="{328335BC-667E-400A-B00C-58182B5B5642}">
+      <dsp:nvSpPr>
+        <dsp:cNvPr id="0" name=""/>
+        <dsp:cNvSpPr/>
+      </dsp:nvSpPr>
+      <dsp:spPr>
+        <a:xfrm>
+          <a:off x="3582350" y="268733"/>
+          <a:ext cx="7600886" cy="695397"/>
+        </a:xfrm>
+        <a:prstGeom prst="rect">
+          <a:avLst/>
+        </a:prstGeom>
+        <a:solidFill>
+          <a:schemeClr val="accent1">
+            <a:hueOff val="0"/>
+            <a:satOff val="0"/>
+            <a:lumOff val="0"/>
+            <a:alphaOff val="0"/>
+          </a:schemeClr>
+        </a:solidFill>
+        <a:ln w="25400" cap="flat" cmpd="sng" algn="ctr">
+          <a:solidFill>
+            <a:schemeClr val="lt1">
+              <a:hueOff val="0"/>
+              <a:satOff val="0"/>
+              <a:lumOff val="0"/>
+              <a:alphaOff val="0"/>
+            </a:schemeClr>
+          </a:solidFill>
+          <a:prstDash val="solid"/>
+        </a:ln>
+        <a:effectLst/>
+      </dsp:spPr>
+      <dsp:style>
+        <a:lnRef idx="2">
+          <a:scrgbClr r="0" g="0" b="0"/>
+        </a:lnRef>
+        <a:fillRef idx="1">
+          <a:scrgbClr r="0" g="0" b="0"/>
+        </a:fillRef>
+        <a:effectRef idx="0">
+          <a:scrgbClr r="0" g="0" b="0"/>
+        </a:effectRef>
+        <a:fontRef idx="minor">
+          <a:schemeClr val="lt1"/>
+        </a:fontRef>
+      </dsp:style>
+      <dsp:txBody>
+        <a:bodyPr spcFirstLastPara="0" vert="horz" wrap="square" lIns="68580" tIns="68580" rIns="68580" bIns="68580" numCol="1" spcCol="1270" anchor="ctr" anchorCtr="0">
+          <a:noAutofit/>
+        </a:bodyPr>
+        <a:lstStyle/>
+        <a:p>
+          <a:pPr marL="171450" lvl="1" indent="-171450" algn="l" defTabSz="800100">
+            <a:lnSpc>
+              <a:spcPct val="90000"/>
+            </a:lnSpc>
+            <a:spcBef>
+              <a:spcPct val="0"/>
+            </a:spcBef>
+            <a:spcAft>
+              <a:spcPct val="15000"/>
+            </a:spcAft>
+            <a:buChar char="•"/>
+          </a:pPr>
+          <a:r>
+            <a:rPr lang="en-US" sz="1800" kern="1200" dirty="0"/>
+            <a:t>Used matplotlib/seaborn libraries to build visualization on data using python</a:t>
+          </a:r>
+        </a:p>
+        <a:p>
+          <a:pPr marL="171450" lvl="1" indent="-171450" algn="l" defTabSz="800100">
+            <a:lnSpc>
+              <a:spcPct val="90000"/>
+            </a:lnSpc>
+            <a:spcBef>
+              <a:spcPct val="0"/>
+            </a:spcBef>
+            <a:spcAft>
+              <a:spcPct val="15000"/>
+            </a:spcAft>
+            <a:buChar char="•"/>
+          </a:pPr>
+          <a:r>
+            <a:rPr lang="en-US" sz="1800" kern="1200" dirty="0"/>
+            <a:t>Built different charts types like Heatmap, Scatterplot, </a:t>
+          </a:r>
+          <a:r>
+            <a:rPr lang="en-US" sz="1800" kern="1200" dirty="0" err="1"/>
+            <a:t>barplots</a:t>
+          </a:r>
+          <a:r>
+            <a:rPr lang="en-US" sz="1800" kern="1200" dirty="0"/>
+            <a:t>, </a:t>
+          </a:r>
+          <a:r>
+            <a:rPr lang="en-US" sz="1800" kern="1200" dirty="0" err="1"/>
+            <a:t>countplot</a:t>
+          </a:r>
+          <a:endParaRPr lang="en-US" sz="1800" kern="1200" dirty="0"/>
+        </a:p>
+      </dsp:txBody>
+      <dsp:txXfrm>
+        <a:off x="3582350" y="268733"/>
+        <a:ext cx="7600886" cy="695397"/>
+      </dsp:txXfrm>
+    </dsp:sp>
+    <dsp:sp modelId="{FB42EC52-BC9E-4A03-BE80-0A0DECE4464E}">
+      <dsp:nvSpPr>
+        <dsp:cNvPr id="0" name=""/>
+        <dsp:cNvSpPr/>
+      </dsp:nvSpPr>
+      <dsp:spPr>
+        <a:xfrm>
+          <a:off x="5463" y="1498794"/>
+          <a:ext cx="2794443" cy="601425"/>
+        </a:xfrm>
+        <a:prstGeom prst="rect">
+          <a:avLst/>
+        </a:prstGeom>
+        <a:noFill/>
+        <a:ln>
+          <a:noFill/>
+        </a:ln>
+        <a:effectLst/>
+      </dsp:spPr>
+      <dsp:style>
+        <a:lnRef idx="0">
+          <a:scrgbClr r="0" g="0" b="0"/>
+        </a:lnRef>
+        <a:fillRef idx="0">
+          <a:scrgbClr r="0" g="0" b="0"/>
+        </a:fillRef>
+        <a:effectRef idx="0">
+          <a:scrgbClr r="0" g="0" b="0"/>
+        </a:effectRef>
+        <a:fontRef idx="minor"/>
+      </dsp:style>
+      <dsp:txBody>
+        <a:bodyPr spcFirstLastPara="0" vert="horz" wrap="square" lIns="128016" tIns="45720" rIns="128016" bIns="45720" numCol="1" spcCol="1270" anchor="ctr" anchorCtr="0">
+          <a:noAutofit/>
+        </a:bodyPr>
+        <a:lstStyle/>
+        <a:p>
+          <a:pPr marL="0" lvl="0" indent="0" algn="r" defTabSz="800100">
+            <a:lnSpc>
+              <a:spcPct val="90000"/>
+            </a:lnSpc>
+            <a:spcBef>
+              <a:spcPct val="0"/>
+            </a:spcBef>
+            <a:spcAft>
+              <a:spcPct val="35000"/>
+            </a:spcAft>
+            <a:buNone/>
+          </a:pPr>
+          <a:r>
+            <a:rPr lang="en-US" sz="1800" kern="1200" dirty="0"/>
+            <a:t>2.2 – Exploratory Data Analysis</a:t>
+          </a:r>
+        </a:p>
+      </dsp:txBody>
+      <dsp:txXfrm>
+        <a:off x="5463" y="1498794"/>
+        <a:ext cx="2794443" cy="601425"/>
+      </dsp:txXfrm>
+    </dsp:sp>
+    <dsp:sp modelId="{F78DB161-2ECD-46D8-A4F6-C866899CE3D5}">
+      <dsp:nvSpPr>
+        <dsp:cNvPr id="0" name=""/>
+        <dsp:cNvSpPr/>
+      </dsp:nvSpPr>
+      <dsp:spPr>
+        <a:xfrm>
+          <a:off x="2799906" y="1028931"/>
+          <a:ext cx="558888" cy="1541151"/>
+        </a:xfrm>
+        <a:prstGeom prst="leftBrace">
+          <a:avLst>
+            <a:gd name="adj1" fmla="val 35000"/>
+            <a:gd name="adj2" fmla="val 50000"/>
+          </a:avLst>
+        </a:prstGeom>
+        <a:noFill/>
+        <a:ln w="25400" cap="flat" cmpd="sng" algn="ctr">
+          <a:solidFill>
+            <a:schemeClr val="accent1">
+              <a:shade val="60000"/>
+              <a:hueOff val="0"/>
+              <a:satOff val="0"/>
+              <a:lumOff val="0"/>
+              <a:alphaOff val="0"/>
+            </a:schemeClr>
+          </a:solidFill>
+          <a:prstDash val="solid"/>
+        </a:ln>
+        <a:effectLst/>
+      </dsp:spPr>
+      <dsp:style>
+        <a:lnRef idx="2">
+          <a:scrgbClr r="0" g="0" b="0"/>
+        </a:lnRef>
+        <a:fillRef idx="0">
+          <a:scrgbClr r="0" g="0" b="0"/>
+        </a:fillRef>
+        <a:effectRef idx="0">
+          <a:scrgbClr r="0" g="0" b="0"/>
+        </a:effectRef>
+        <a:fontRef idx="minor"/>
+      </dsp:style>
+    </dsp:sp>
+    <dsp:sp modelId="{4CCA9877-083C-45EF-88E5-258BAD9EDD86}">
+      <dsp:nvSpPr>
+        <dsp:cNvPr id="0" name=""/>
+        <dsp:cNvSpPr/>
+      </dsp:nvSpPr>
+      <dsp:spPr>
+        <a:xfrm>
+          <a:off x="3582350" y="1028931"/>
+          <a:ext cx="7600886" cy="1541151"/>
+        </a:xfrm>
+        <a:prstGeom prst="rect">
+          <a:avLst/>
+        </a:prstGeom>
+        <a:solidFill>
+          <a:schemeClr val="accent1">
+            <a:hueOff val="0"/>
+            <a:satOff val="0"/>
+            <a:lumOff val="0"/>
+            <a:alphaOff val="0"/>
+          </a:schemeClr>
+        </a:solidFill>
+        <a:ln w="25400" cap="flat" cmpd="sng" algn="ctr">
+          <a:solidFill>
+            <a:schemeClr val="lt1">
+              <a:hueOff val="0"/>
+              <a:satOff val="0"/>
+              <a:lumOff val="0"/>
+              <a:alphaOff val="0"/>
+            </a:schemeClr>
+          </a:solidFill>
+          <a:prstDash val="solid"/>
+        </a:ln>
+        <a:effectLst/>
+      </dsp:spPr>
+      <dsp:style>
+        <a:lnRef idx="2">
+          <a:scrgbClr r="0" g="0" b="0"/>
+        </a:lnRef>
+        <a:fillRef idx="1">
+          <a:scrgbClr r="0" g="0" b="0"/>
+        </a:fillRef>
+        <a:effectRef idx="0">
+          <a:scrgbClr r="0" g="0" b="0"/>
+        </a:effectRef>
+        <a:fontRef idx="minor">
+          <a:schemeClr val="lt1"/>
+        </a:fontRef>
+      </dsp:style>
+      <dsp:txBody>
+        <a:bodyPr spcFirstLastPara="0" vert="horz" wrap="square" lIns="68580" tIns="68580" rIns="68580" bIns="68580" numCol="1" spcCol="1270" anchor="ctr" anchorCtr="0">
+          <a:noAutofit/>
+        </a:bodyPr>
+        <a:lstStyle/>
+        <a:p>
+          <a:pPr marL="171450" lvl="1" indent="-171450" algn="l" defTabSz="800100">
+            <a:lnSpc>
+              <a:spcPct val="90000"/>
+            </a:lnSpc>
+            <a:spcBef>
+              <a:spcPct val="0"/>
+            </a:spcBef>
+            <a:spcAft>
+              <a:spcPct val="15000"/>
+            </a:spcAft>
+            <a:buChar char="•"/>
+          </a:pPr>
+          <a:r>
+            <a:rPr lang="en-US" sz="1800" kern="1200" dirty="0"/>
+            <a:t>Conducted univariate and bivariate analysis using </a:t>
+          </a:r>
+          <a:r>
+            <a:rPr lang="en-US" sz="1800" kern="1200" dirty="0" err="1"/>
+            <a:t>barplot</a:t>
+          </a:r>
+          <a:r>
+            <a:rPr lang="en-US" sz="1800" kern="1200" dirty="0"/>
+            <a:t> and </a:t>
+          </a:r>
+          <a:r>
+            <a:rPr lang="en-US" sz="1800" kern="1200" dirty="0" err="1"/>
+            <a:t>pairplot</a:t>
+          </a:r>
+          <a:r>
+            <a:rPr lang="en-US" sz="1800" kern="1200" dirty="0"/>
+            <a:t> functions</a:t>
+          </a:r>
+        </a:p>
+        <a:p>
+          <a:pPr marL="171450" lvl="1" indent="-171450" algn="l" defTabSz="800100">
+            <a:lnSpc>
+              <a:spcPct val="90000"/>
+            </a:lnSpc>
+            <a:spcBef>
+              <a:spcPct val="0"/>
+            </a:spcBef>
+            <a:spcAft>
+              <a:spcPct val="15000"/>
+            </a:spcAft>
+            <a:buChar char="•"/>
+          </a:pPr>
+          <a:r>
+            <a:rPr lang="en-US" sz="1800" kern="1200" dirty="0"/>
+            <a:t>Cleaned the data to account for missing values and outliers</a:t>
+          </a:r>
+        </a:p>
+        <a:p>
+          <a:pPr marL="171450" lvl="1" indent="-171450" algn="l" defTabSz="800100">
+            <a:lnSpc>
+              <a:spcPct val="90000"/>
+            </a:lnSpc>
+            <a:spcBef>
+              <a:spcPct val="0"/>
+            </a:spcBef>
+            <a:spcAft>
+              <a:spcPct val="15000"/>
+            </a:spcAft>
+            <a:buChar char="•"/>
+          </a:pPr>
+          <a:r>
+            <a:rPr lang="en-US" sz="1800" kern="1200" dirty="0"/>
+            <a:t>Scaled the data using Min Max Scaler</a:t>
+          </a:r>
+        </a:p>
+        <a:p>
+          <a:pPr marL="171450" lvl="1" indent="-171450" algn="l" defTabSz="800100">
+            <a:lnSpc>
+              <a:spcPct val="90000"/>
+            </a:lnSpc>
+            <a:spcBef>
+              <a:spcPct val="0"/>
+            </a:spcBef>
+            <a:spcAft>
+              <a:spcPct val="15000"/>
+            </a:spcAft>
+            <a:buChar char="•"/>
+          </a:pPr>
+          <a:r>
+            <a:rPr lang="en-US" sz="1800" kern="1200" dirty="0"/>
+            <a:t>Replaced the categorical variables with one hot encoded variables</a:t>
+          </a:r>
+        </a:p>
+      </dsp:txBody>
+      <dsp:txXfrm>
+        <a:off x="3582350" y="1028931"/>
+        <a:ext cx="7600886" cy="1541151"/>
+      </dsp:txXfrm>
+    </dsp:sp>
+    <dsp:sp modelId="{BC45C4CB-D1BC-43DB-B568-8EFB9CB3B3C7}">
+      <dsp:nvSpPr>
+        <dsp:cNvPr id="0" name=""/>
+        <dsp:cNvSpPr/>
+      </dsp:nvSpPr>
+      <dsp:spPr>
+        <a:xfrm>
+          <a:off x="5463" y="3058108"/>
+          <a:ext cx="2794443" cy="356400"/>
+        </a:xfrm>
+        <a:prstGeom prst="rect">
+          <a:avLst/>
+        </a:prstGeom>
+        <a:noFill/>
+        <a:ln>
+          <a:noFill/>
+        </a:ln>
+        <a:effectLst/>
+      </dsp:spPr>
+      <dsp:style>
+        <a:lnRef idx="0">
+          <a:scrgbClr r="0" g="0" b="0"/>
+        </a:lnRef>
+        <a:fillRef idx="0">
+          <a:scrgbClr r="0" g="0" b="0"/>
+        </a:fillRef>
+        <a:effectRef idx="0">
+          <a:scrgbClr r="0" g="0" b="0"/>
+        </a:effectRef>
+        <a:fontRef idx="minor"/>
+      </dsp:style>
+      <dsp:txBody>
+        <a:bodyPr spcFirstLastPara="0" vert="horz" wrap="square" lIns="128016" tIns="45720" rIns="128016" bIns="45720" numCol="1" spcCol="1270" anchor="ctr" anchorCtr="0">
+          <a:noAutofit/>
+        </a:bodyPr>
+        <a:lstStyle/>
+        <a:p>
+          <a:pPr marL="0" lvl="0" indent="0" algn="r" defTabSz="800100">
+            <a:lnSpc>
+              <a:spcPct val="90000"/>
+            </a:lnSpc>
+            <a:spcBef>
+              <a:spcPct val="0"/>
+            </a:spcBef>
+            <a:spcAft>
+              <a:spcPct val="35000"/>
+            </a:spcAft>
+            <a:buNone/>
+          </a:pPr>
+          <a:r>
+            <a:rPr lang="en-US" sz="1800" kern="1200" dirty="0"/>
+            <a:t>2.3 – Power BI</a:t>
+          </a:r>
+        </a:p>
+      </dsp:txBody>
+      <dsp:txXfrm>
+        <a:off x="5463" y="3058108"/>
+        <a:ext cx="2794443" cy="356400"/>
+      </dsp:txXfrm>
+    </dsp:sp>
+    <dsp:sp modelId="{C4989F1C-2126-4679-935E-49B00BDC7446}">
+      <dsp:nvSpPr>
+        <dsp:cNvPr id="0" name=""/>
+        <dsp:cNvSpPr/>
+      </dsp:nvSpPr>
+      <dsp:spPr>
+        <a:xfrm>
+          <a:off x="2799906" y="2634883"/>
+          <a:ext cx="558888" cy="1202850"/>
+        </a:xfrm>
+        <a:prstGeom prst="leftBrace">
+          <a:avLst>
+            <a:gd name="adj1" fmla="val 35000"/>
+            <a:gd name="adj2" fmla="val 50000"/>
+          </a:avLst>
+        </a:prstGeom>
+        <a:noFill/>
+        <a:ln w="25400" cap="flat" cmpd="sng" algn="ctr">
+          <a:solidFill>
+            <a:schemeClr val="accent1">
+              <a:shade val="60000"/>
+              <a:hueOff val="0"/>
+              <a:satOff val="0"/>
+              <a:lumOff val="0"/>
+              <a:alphaOff val="0"/>
+            </a:schemeClr>
+          </a:solidFill>
+          <a:prstDash val="solid"/>
+        </a:ln>
+        <a:effectLst/>
+      </dsp:spPr>
+      <dsp:style>
+        <a:lnRef idx="2">
+          <a:scrgbClr r="0" g="0" b="0"/>
+        </a:lnRef>
+        <a:fillRef idx="0">
+          <a:scrgbClr r="0" g="0" b="0"/>
+        </a:fillRef>
+        <a:effectRef idx="0">
+          <a:scrgbClr r="0" g="0" b="0"/>
+        </a:effectRef>
+        <a:fontRef idx="minor"/>
+      </dsp:style>
+    </dsp:sp>
+    <dsp:sp modelId="{0FD0E736-0D60-4A01-B589-290A182ED804}">
+      <dsp:nvSpPr>
+        <dsp:cNvPr id="0" name=""/>
+        <dsp:cNvSpPr/>
+      </dsp:nvSpPr>
+      <dsp:spPr>
+        <a:xfrm>
+          <a:off x="3582350" y="2634883"/>
+          <a:ext cx="7600886" cy="1202850"/>
+        </a:xfrm>
+        <a:prstGeom prst="rect">
+          <a:avLst/>
+        </a:prstGeom>
+        <a:solidFill>
+          <a:schemeClr val="accent1">
+            <a:hueOff val="0"/>
+            <a:satOff val="0"/>
+            <a:lumOff val="0"/>
+            <a:alphaOff val="0"/>
+          </a:schemeClr>
+        </a:solidFill>
+        <a:ln w="25400" cap="flat" cmpd="sng" algn="ctr">
+          <a:solidFill>
+            <a:schemeClr val="lt1">
+              <a:hueOff val="0"/>
+              <a:satOff val="0"/>
+              <a:lumOff val="0"/>
+              <a:alphaOff val="0"/>
+            </a:schemeClr>
+          </a:solidFill>
+          <a:prstDash val="solid"/>
+        </a:ln>
+        <a:effectLst/>
+      </dsp:spPr>
+      <dsp:style>
+        <a:lnRef idx="2">
+          <a:scrgbClr r="0" g="0" b="0"/>
+        </a:lnRef>
+        <a:fillRef idx="1">
+          <a:scrgbClr r="0" g="0" b="0"/>
+        </a:fillRef>
+        <a:effectRef idx="0">
+          <a:scrgbClr r="0" g="0" b="0"/>
+        </a:effectRef>
+        <a:fontRef idx="minor">
+          <a:schemeClr val="lt1"/>
+        </a:fontRef>
+      </dsp:style>
+      <dsp:txBody>
+        <a:bodyPr spcFirstLastPara="0" vert="horz" wrap="square" lIns="68580" tIns="68580" rIns="68580" bIns="68580" numCol="1" spcCol="1270" anchor="ctr" anchorCtr="0">
+          <a:noAutofit/>
+        </a:bodyPr>
+        <a:lstStyle/>
+        <a:p>
+          <a:pPr marL="171450" lvl="1" indent="-171450" algn="l" defTabSz="800100">
+            <a:lnSpc>
+              <a:spcPct val="90000"/>
+            </a:lnSpc>
+            <a:spcBef>
+              <a:spcPct val="0"/>
+            </a:spcBef>
+            <a:spcAft>
+              <a:spcPct val="15000"/>
+            </a:spcAft>
+            <a:buChar char="•"/>
+          </a:pPr>
+          <a:r>
+            <a:rPr lang="en-US" sz="1800" kern="1200" dirty="0"/>
+            <a:t>Created Power BI report to view how Selling Prices differs with different features, like state, region and city.</a:t>
+          </a:r>
+        </a:p>
+        <a:p>
+          <a:pPr marL="171450" lvl="1" indent="-171450" algn="l" defTabSz="800100">
+            <a:lnSpc>
+              <a:spcPct val="90000"/>
+            </a:lnSpc>
+            <a:spcBef>
+              <a:spcPct val="0"/>
+            </a:spcBef>
+            <a:spcAft>
+              <a:spcPct val="15000"/>
+            </a:spcAft>
+            <a:buChar char="•"/>
+          </a:pPr>
+          <a:r>
+            <a:rPr lang="en-US" sz="1800" kern="1200" dirty="0"/>
+            <a:t>Examined relation between different variables like fuel type, mileage and km driven.</a:t>
+          </a:r>
+        </a:p>
+      </dsp:txBody>
+      <dsp:txXfrm>
+        <a:off x="3582350" y="2634883"/>
+        <a:ext cx="7600886" cy="1202850"/>
+      </dsp:txXfrm>
+    </dsp:sp>
+    <dsp:sp modelId="{A0A1C39F-124C-42EB-BD0E-3CBA4206B28D}">
+      <dsp:nvSpPr>
+        <dsp:cNvPr id="0" name=""/>
+        <dsp:cNvSpPr/>
+      </dsp:nvSpPr>
+      <dsp:spPr>
+        <a:xfrm>
+          <a:off x="5463" y="4348033"/>
+          <a:ext cx="2794443" cy="356400"/>
+        </a:xfrm>
+        <a:prstGeom prst="rect">
+          <a:avLst/>
+        </a:prstGeom>
+        <a:noFill/>
+        <a:ln>
+          <a:noFill/>
+        </a:ln>
+        <a:effectLst/>
+      </dsp:spPr>
+      <dsp:style>
+        <a:lnRef idx="0">
+          <a:scrgbClr r="0" g="0" b="0"/>
+        </a:lnRef>
+        <a:fillRef idx="0">
+          <a:scrgbClr r="0" g="0" b="0"/>
+        </a:fillRef>
+        <a:effectRef idx="0">
+          <a:scrgbClr r="0" g="0" b="0"/>
+        </a:effectRef>
+        <a:fontRef idx="minor"/>
+      </dsp:style>
+      <dsp:txBody>
+        <a:bodyPr spcFirstLastPara="0" vert="horz" wrap="square" lIns="128016" tIns="45720" rIns="128016" bIns="45720" numCol="1" spcCol="1270" anchor="ctr" anchorCtr="0">
+          <a:noAutofit/>
+        </a:bodyPr>
+        <a:lstStyle/>
+        <a:p>
+          <a:pPr marL="0" lvl="0" indent="0" algn="r" defTabSz="800100">
+            <a:lnSpc>
+              <a:spcPct val="90000"/>
+            </a:lnSpc>
+            <a:spcBef>
+              <a:spcPct val="0"/>
+            </a:spcBef>
+            <a:spcAft>
+              <a:spcPct val="35000"/>
+            </a:spcAft>
+            <a:buNone/>
+          </a:pPr>
+          <a:r>
+            <a:rPr lang="en-US" sz="1800" kern="1200" dirty="0"/>
+            <a:t>2.4 – Model Building</a:t>
+          </a:r>
+        </a:p>
+      </dsp:txBody>
+      <dsp:txXfrm>
+        <a:off x="5463" y="4348033"/>
+        <a:ext cx="2794443" cy="356400"/>
+      </dsp:txXfrm>
+    </dsp:sp>
+    <dsp:sp modelId="{0B08F40F-7DC3-4488-9A09-3DF0EDB361E5}">
+      <dsp:nvSpPr>
+        <dsp:cNvPr id="0" name=""/>
+        <dsp:cNvSpPr/>
+      </dsp:nvSpPr>
+      <dsp:spPr>
+        <a:xfrm>
+          <a:off x="2799906" y="3902533"/>
+          <a:ext cx="558888" cy="1247400"/>
+        </a:xfrm>
+        <a:prstGeom prst="leftBrace">
+          <a:avLst>
+            <a:gd name="adj1" fmla="val 35000"/>
+            <a:gd name="adj2" fmla="val 50000"/>
+          </a:avLst>
+        </a:prstGeom>
+        <a:noFill/>
+        <a:ln w="25400" cap="flat" cmpd="sng" algn="ctr">
+          <a:solidFill>
+            <a:schemeClr val="accent1">
+              <a:shade val="60000"/>
+              <a:hueOff val="0"/>
+              <a:satOff val="0"/>
+              <a:lumOff val="0"/>
+              <a:alphaOff val="0"/>
+            </a:schemeClr>
+          </a:solidFill>
+          <a:prstDash val="solid"/>
+        </a:ln>
+        <a:effectLst/>
+      </dsp:spPr>
+      <dsp:style>
+        <a:lnRef idx="2">
+          <a:scrgbClr r="0" g="0" b="0"/>
+        </a:lnRef>
+        <a:fillRef idx="0">
+          <a:scrgbClr r="0" g="0" b="0"/>
+        </a:fillRef>
+        <a:effectRef idx="0">
+          <a:scrgbClr r="0" g="0" b="0"/>
+        </a:effectRef>
+        <a:fontRef idx="minor"/>
+      </dsp:style>
+    </dsp:sp>
+    <dsp:sp modelId="{A0FF53E8-A226-42FC-BE42-A65239E9CCDA}">
+      <dsp:nvSpPr>
+        <dsp:cNvPr id="0" name=""/>
+        <dsp:cNvSpPr/>
+      </dsp:nvSpPr>
+      <dsp:spPr>
+        <a:xfrm>
+          <a:off x="3582350" y="3902533"/>
+          <a:ext cx="7600886" cy="1247400"/>
+        </a:xfrm>
+        <a:prstGeom prst="rect">
+          <a:avLst/>
+        </a:prstGeom>
+        <a:solidFill>
+          <a:schemeClr val="accent1">
+            <a:hueOff val="0"/>
+            <a:satOff val="0"/>
+            <a:lumOff val="0"/>
+            <a:alphaOff val="0"/>
+          </a:schemeClr>
+        </a:solidFill>
+        <a:ln w="25400" cap="flat" cmpd="sng" algn="ctr">
+          <a:solidFill>
+            <a:schemeClr val="lt1">
+              <a:hueOff val="0"/>
+              <a:satOff val="0"/>
+              <a:lumOff val="0"/>
+              <a:alphaOff val="0"/>
+            </a:schemeClr>
+          </a:solidFill>
+          <a:prstDash val="solid"/>
+        </a:ln>
+        <a:effectLst/>
+      </dsp:spPr>
+      <dsp:style>
+        <a:lnRef idx="2">
+          <a:scrgbClr r="0" g="0" b="0"/>
+        </a:lnRef>
+        <a:fillRef idx="1">
+          <a:scrgbClr r="0" g="0" b="0"/>
+        </a:fillRef>
+        <a:effectRef idx="0">
+          <a:scrgbClr r="0" g="0" b="0"/>
+        </a:effectRef>
+        <a:fontRef idx="minor">
+          <a:schemeClr val="lt1"/>
+        </a:fontRef>
+      </dsp:style>
+      <dsp:txBody>
+        <a:bodyPr spcFirstLastPara="0" vert="horz" wrap="square" lIns="68580" tIns="68580" rIns="68580" bIns="68580" numCol="1" spcCol="1270" anchor="ctr" anchorCtr="0">
+          <a:noAutofit/>
+        </a:bodyPr>
+        <a:lstStyle/>
+        <a:p>
+          <a:pPr marL="171450" lvl="1" indent="-171450" algn="l" defTabSz="800100">
+            <a:lnSpc>
+              <a:spcPct val="90000"/>
+            </a:lnSpc>
+            <a:spcBef>
+              <a:spcPct val="0"/>
+            </a:spcBef>
+            <a:spcAft>
+              <a:spcPct val="15000"/>
+            </a:spcAft>
+            <a:buChar char="•"/>
+          </a:pPr>
+          <a:r>
+            <a:rPr lang="en-US" sz="1800" kern="1200" dirty="0"/>
+            <a:t>Created a train test split (80:20)</a:t>
+          </a:r>
+        </a:p>
+        <a:p>
+          <a:pPr marL="171450" lvl="1" indent="-171450" algn="l" defTabSz="800100">
+            <a:lnSpc>
+              <a:spcPct val="90000"/>
+            </a:lnSpc>
+            <a:spcBef>
+              <a:spcPct val="0"/>
+            </a:spcBef>
+            <a:spcAft>
+              <a:spcPct val="15000"/>
+            </a:spcAft>
+            <a:buChar char="•"/>
+          </a:pPr>
+          <a:r>
+            <a:rPr lang="en-US" sz="1800" kern="1200" dirty="0"/>
+            <a:t>Used </a:t>
+          </a:r>
+          <a:r>
+            <a:rPr lang="en-US" sz="1800" kern="1200" dirty="0" err="1"/>
+            <a:t>GridSearchCV</a:t>
+          </a:r>
+          <a:r>
+            <a:rPr lang="en-US" sz="1800" kern="1200" dirty="0"/>
+            <a:t> to find best parameters for Linear Regression, </a:t>
+          </a:r>
+          <a:r>
+            <a:rPr lang="en-US" sz="1800" kern="1200" dirty="0" err="1"/>
+            <a:t>DecisionTreeRegression</a:t>
+          </a:r>
+          <a:r>
+            <a:rPr lang="en-US" sz="1800" kern="1200" dirty="0"/>
+            <a:t> and </a:t>
+          </a:r>
+          <a:r>
+            <a:rPr lang="en-US" sz="1800" kern="1200" dirty="0" err="1"/>
+            <a:t>RandomForestRegressor</a:t>
+          </a:r>
+          <a:endParaRPr lang="en-US" sz="1800" kern="1200" dirty="0"/>
+        </a:p>
+        <a:p>
+          <a:pPr marL="171450" lvl="1" indent="-171450" algn="l" defTabSz="800100">
+            <a:lnSpc>
+              <a:spcPct val="90000"/>
+            </a:lnSpc>
+            <a:spcBef>
+              <a:spcPct val="0"/>
+            </a:spcBef>
+            <a:spcAft>
+              <a:spcPct val="15000"/>
+            </a:spcAft>
+            <a:buChar char="•"/>
+          </a:pPr>
+          <a:r>
+            <a:rPr lang="en-US" sz="1800" kern="1200" dirty="0" err="1"/>
+            <a:t>RandomForestRegressor</a:t>
+          </a:r>
+          <a:r>
+            <a:rPr lang="en-US" sz="1800" kern="1200" dirty="0"/>
+            <a:t> performed the best and had </a:t>
+          </a:r>
+          <a:r>
+            <a:rPr lang="en-US" sz="1800" kern="1200" dirty="0" err="1"/>
+            <a:t>accurace</a:t>
+          </a:r>
+          <a:r>
+            <a:rPr lang="en-US" sz="1800" kern="1200" dirty="0"/>
+            <a:t> </a:t>
+          </a:r>
+          <a:r>
+            <a:rPr lang="en-US" sz="1800" kern="1200" dirty="0" err="1"/>
+            <a:t>soce</a:t>
+          </a:r>
+          <a:r>
+            <a:rPr lang="en-US" sz="1800" kern="1200" dirty="0"/>
+            <a:t> of 0.975</a:t>
+          </a:r>
+        </a:p>
+      </dsp:txBody>
+      <dsp:txXfrm>
+        <a:off x="3582350" y="3902533"/>
+        <a:ext cx="7600886" cy="1247400"/>
+      </dsp:txXfrm>
+    </dsp:sp>
+  </dsp:spTree>
+</dsp:drawing>
+</file>
+
+<file path=ppt/diagrams/layout1.xml><?xml version="1.0" encoding="utf-8"?>
+<dgm:layoutDef xmlns:dgm="http://schemas.openxmlformats.org/drawingml/2006/diagram" xmlns:a="http://schemas.openxmlformats.org/drawingml/2006/main" uniqueId="urn:diagrams.loki3.com/BracketList">
+  <dgm:title val="Vertical Bracket List"/>
+  <dgm:desc val="Use to show grouped blocks of information.  Works well with large amounts of Level 2 text."/>
+  <dgm:catLst>
+    <dgm:cat type="list" pri="4110"/>
+    <dgm:cat type="officeonline" pri="3000"/>
+  </dgm:catLst>
+  <dgm:sampData>
+    <dgm:dataModel>
+      <dgm:ptLst>
+        <dgm:pt modelId="0" type="doc"/>
+        <dgm:pt modelId="1">
+          <dgm:prSet phldr="1"/>
+        </dgm:pt>
+        <dgm:pt modelId="11">
+          <dgm:prSet phldr="1"/>
+        </dgm:pt>
+        <dgm:pt modelId="2">
+          <dgm:prSet phldr="1"/>
+        </dgm:pt>
+        <dgm:pt modelId="21">
+          <dgm:prSet phldr="1"/>
+        </dgm:pt>
+      </dgm:ptLst>
+      <dgm:cxnLst>
+        <dgm:cxn modelId="3" srcId="0" destId="1" srcOrd="0" destOrd="0"/>
+        <dgm:cxn modelId="4" srcId="1" destId="11" srcOrd="0" destOrd="0"/>
+        <dgm:cxn modelId="5" srcId="0" destId="2" srcOrd="0" destOrd="0"/>
+        <dgm:cxn modelId="6" srcId="2" destId="21" srcOrd="0" destOrd="0"/>
+      </dgm:cxnLst>
+      <dgm:bg/>
+      <dgm:whole/>
+    </dgm:dataModel>
+  </dgm:sampData>
+  <dgm:styleData useDef="1">
+    <dgm:dataModel>
+      <dgm:ptLst/>
+      <dgm:bg/>
+      <dgm:whole/>
+    </dgm:dataModel>
+  </dgm:styleData>
+  <dgm:clrData useDef="1">
+    <dgm:dataModel>
+      <dgm:ptLst/>
+      <dgm:bg/>
+      <dgm:whole/>
+    </dgm:dataModel>
+  </dgm:clrData>
+  <dgm:layoutNode name="Name0">
+    <dgm:varLst>
+      <dgm:dir/>
+      <dgm:animLvl val="lvl"/>
+      <dgm:resizeHandles val="exact"/>
+    </dgm:varLst>
+    <dgm:choose name="Name1">
+      <dgm:if name="Name2" func="var" arg="dir" op="equ" val="norm">
+        <dgm:alg type="lin">
+          <dgm:param type="linDir" val="fromT"/>
+          <dgm:param type="nodeHorzAlign" val="l"/>
+        </dgm:alg>
+      </dgm:if>
+      <dgm:else name="Name3">
+        <dgm:alg type="lin">
+          <dgm:param type="linDir" val="fromT"/>
+          <dgm:param type="nodeHorzAlign" val="r"/>
+        </dgm:alg>
+      </dgm:else>
+    </dgm:choose>
+    <dgm:shape xmlns:r="http://schemas.openxmlformats.org/officeDocument/2006/relationships" r:blip="">
+      <dgm:adjLst/>
+    </dgm:shape>
+    <dgm:presOf/>
+    <dgm:constrLst>
+      <dgm:constr type="h" for="ch" forName="linNode" refType="h"/>
+      <dgm:constr type="w" for="ch" forName="linNode" refType="w"/>
+      <dgm:constr type="h" for="ch" forName="spV" refType="primFontSz" refFor="des" refForName="parTx" fact="0.1"/>
+      <dgm:constr type="primFontSz" for="des" forName="parTx" val="65"/>
+      <dgm:constr type="primFontSz" for="des" forName="desTx" refType="primFontSz" refFor="des" refForName="parTx"/>
+      <dgm:constr type="h" for="des" forName="parTx" refType="primFontSz" refFor="des" refForName="parTx" fact="0.55"/>
+      <dgm:constr type="h" for="des" forName="bracket" refType="primFontSz" refFor="des" refForName="parTx" fact="0.55"/>
+      <dgm:constr type="h" for="des" forName="desTx" refType="primFontSz" refFor="des" refForName="parTx" fact="0.55"/>
+    </dgm:constrLst>
+    <dgm:ruleLst>
+      <dgm:rule type="primFontSz" for="des" forName="parTx" val="5" fact="NaN" max="NaN"/>
+    </dgm:ruleLst>
+    <dgm:forEach name="Name4" axis="ch" ptType="node">
+      <dgm:layoutNode name="linNode">
+        <dgm:choose name="Name5">
+          <dgm:if name="Name6" func="var" arg="dir" op="equ" val="norm">
+            <dgm:alg type="lin">
+              <dgm:param type="linDir" val="fromL"/>
+            </dgm:alg>
+          </dgm:if>
+          <dgm:else name="Name7">
+            <dgm:alg type="lin">
+              <dgm:param type="linDir" val="fromR"/>
+            </dgm:alg>
+          </dgm:else>
+        </dgm:choose>
+        <dgm:shape xmlns:r="http://schemas.openxmlformats.org/officeDocument/2006/relationships" r:blip="">
+          <dgm:adjLst/>
+        </dgm:shape>
+        <dgm:presOf/>
+        <dgm:constrLst>
+          <dgm:constr type="w" for="ch" forName="parTx" refType="w" fact="0.25"/>
+          <dgm:constr type="w" for="ch" forName="bracket" refType="w" fact="0.05"/>
+          <dgm:constr type="w" for="ch" forName="spH" refType="w" fact="0.02"/>
+          <dgm:constr type="w" for="ch" forName="desTx" refType="w" fact="0.68"/>
+          <dgm:constr type="h" for="ch" forName="bracket" refType="h" refFor="ch" refForName="desTx" op="gte"/>
+          <dgm:constr type="h" for="ch" forName="bracket" refType="h" refFor="ch" refForName="parTx" op="gte"/>
+          <dgm:constr type="h" for="ch" forName="desTx" refType="h" refFor="ch" refForName="parTx" op="gte"/>
+        </dgm:constrLst>
+        <dgm:ruleLst/>
+        <dgm:layoutNode name="parTx" styleLbl="revTx">
+          <dgm:varLst>
+            <dgm:chMax val="1"/>
+            <dgm:bulletEnabled val="1"/>
+          </dgm:varLst>
+          <dgm:choose name="Name8">
+            <dgm:if name="Name9" func="var" arg="dir" op="equ" val="norm">
+              <dgm:alg type="tx">
+                <dgm:param type="parTxLTRAlign" val="r"/>
+              </dgm:alg>
+            </dgm:if>
+            <dgm:else name="Name10">
+              <dgm:alg type="tx">
+                <dgm:param type="parTxLTRAlign" val="l"/>
+              </dgm:alg>
+            </dgm:else>
+          </dgm:choose>
+          <dgm:shape xmlns:r="http://schemas.openxmlformats.org/officeDocument/2006/relationships" type="rect" r:blip="">
+            <dgm:adjLst/>
+          </dgm:shape>
+          <dgm:presOf axis="self" ptType="node"/>
+          <dgm:constrLst>
+            <dgm:constr type="tMarg" refType="primFontSz" fact="0.2"/>
+            <dgm:constr type="bMarg" refType="primFontSz" fact="0.2"/>
+          </dgm:constrLst>
+          <dgm:ruleLst>
+            <dgm:rule type="h" val="INF" fact="NaN" max="NaN"/>
+          </dgm:ruleLst>
+        </dgm:layoutNode>
+        <dgm:layoutNode name="bracket" styleLbl="parChTrans1D1">
+          <dgm:alg type="sp"/>
+          <dgm:choose name="Name11">
+            <dgm:if name="Name12" func="var" arg="dir" op="equ" val="norm">
+              <dgm:shape xmlns:r="http://schemas.openxmlformats.org/officeDocument/2006/relationships" type="leftBrace" r:blip="">
+                <dgm:adjLst>
+                  <dgm:adj idx="1" val="0.35"/>
+                </dgm:adjLst>
+              </dgm:shape>
+            </dgm:if>
+            <dgm:else name="Name13">
+              <dgm:shape xmlns:r="http://schemas.openxmlformats.org/officeDocument/2006/relationships" rot="180" type="leftBrace" r:blip="">
+                <dgm:adjLst>
+                  <dgm:adj idx="1" val="0.35"/>
+                </dgm:adjLst>
+              </dgm:shape>
+            </dgm:else>
+          </dgm:choose>
+          <dgm:presOf/>
+        </dgm:layoutNode>
+        <dgm:layoutNode name="spH">
+          <dgm:alg type="sp"/>
+        </dgm:layoutNode>
+        <dgm:choose name="Name14">
+          <dgm:if name="Name15" axis="ch" ptType="node" func="cnt" op="gte" val="1">
+            <dgm:layoutNode name="desTx" styleLbl="node1">
+              <dgm:varLst>
+                <dgm:bulletEnabled val="1"/>
+              </dgm:varLst>
+              <dgm:alg type="tx">
+                <dgm:param type="stBulletLvl" val="1"/>
+                <dgm:param type="txAnchorVertCh" val="mid"/>
+              </dgm:alg>
+              <dgm:shape xmlns:r="http://schemas.openxmlformats.org/officeDocument/2006/relationships" type="rect" r:blip="">
+                <dgm:adjLst/>
+              </dgm:shape>
+              <dgm:presOf axis="des" ptType="node"/>
+              <dgm:constrLst>
+                <dgm:constr type="secFontSz" refType="primFontSz"/>
+                <dgm:constr type="tMarg" refType="primFontSz" fact="0.3"/>
+                <dgm:constr type="bMarg" refType="primFontSz" fact="0.3"/>
+                <dgm:constr type="lMarg" refType="primFontSz" fact="0.3"/>
+                <dgm:constr type="rMarg" refType="primFontSz" fact="0.3"/>
+              </dgm:constrLst>
+              <dgm:ruleLst>
+                <dgm:rule type="h" val="INF" fact="NaN" max="NaN"/>
+              </dgm:ruleLst>
+            </dgm:layoutNode>
+          </dgm:if>
+          <dgm:else name="Name16"/>
+        </dgm:choose>
+      </dgm:layoutNode>
+      <dgm:forEach name="Name17" axis="followSib" ptType="sibTrans" cnt="1">
+        <dgm:layoutNode name="spV">
+          <dgm:alg type="sp"/>
+        </dgm:layoutNode>
+      </dgm:forEach>
+    </dgm:forEach>
+  </dgm:layoutNode>
+</dgm:layoutDef>
+</file>
+
+<file path=ppt/diagrams/quickStyle1.xml><?xml version="1.0" encoding="utf-8"?>
+<dgm:styleDef xmlns:dgm="http://schemas.openxmlformats.org/drawingml/2006/diagram" xmlns:a="http://schemas.openxmlformats.org/drawingml/2006/main" uniqueId="urn:microsoft.com/office/officeart/2005/8/quickstyle/simple1">
+  <dgm:title val=""/>
+  <dgm:desc val=""/>
+  <dgm:catLst>
+    <dgm:cat type="simple" pri="10100"/>
+  </dgm:catLst>
+  <dgm:scene3d>
+    <a:camera prst="orthographicFront"/>
+    <a:lightRig rig="threePt" dir="t"/>
+  </dgm:scene3d>
+  <dgm:styleLbl name="node0">
+    <dgm:scene3d>
+      <a:camera prst="orthographicFront"/>
+      <a:lightRig rig="threePt" dir="t"/>
+    </dgm:scene3d>
+    <dgm:sp3d/>
+    <dgm:txPr/>
+    <dgm:style>
+      <a:lnRef idx="2">
+        <a:scrgbClr r="0" g="0" b="0"/>
+      </a:lnRef>
+      <a:fillRef idx="1">
+        <a:scrgbClr r="0" g="0" b="0"/>
+      </a:fillRef>
+      <a:effectRef idx="0">
+        <a:scrgbClr r="0" g="0" b="0"/>
+      </a:effectRef>
+      <a:fontRef idx="minor">
+        <a:schemeClr val="lt1"/>
+      </a:fontRef>
+    </dgm:style>
+  </dgm:styleLbl>
+  <dgm:styleLbl name="lnNode1">
+    <dgm:scene3d>
+      <a:camera prst="orthographicFront"/>
+      <a:lightRig rig="threePt" dir="t"/>
+    </dgm:scene3d>
+    <dgm:sp3d/>
+    <dgm:txPr/>
+    <dgm:style>
+      <a:lnRef idx="2">
+        <a:scrgbClr r="0" g="0" b="0"/>
+      </a:lnRef>
+      <a:fillRef idx="1">
+        <a:scrgbClr r="0" g="0" b="0"/>
+      </a:fillRef>
+      <a:effectRef idx="0">
+        <a:scrgbClr r="0" g="0" b="0"/>
+      </a:effectRef>
+      <a:fontRef idx="minor">
+        <a:schemeClr val="lt1"/>
+      </a:fontRef>
+    </dgm:style>
+  </dgm:styleLbl>
+  <dgm:styleLbl name="vennNode1">
+    <dgm:scene3d>
+      <a:camera prst="orthographicFront"/>
+      <a:lightRig rig="threePt" dir="t"/>
+    </dgm:scene3d>
+    <dgm:sp3d/>
+    <dgm:txPr/>
+    <dgm:style>
+      <a:lnRef idx="2">
+        <a:scrgbClr r="0" g="0" b="0"/>
+      </a:lnRef>
+      <a:fillRef idx="1">
+        <a:scrgbClr r="0" g="0" b="0"/>
+      </a:fillRef>
+      <a:effectRef idx="0">
+        <a:scrgbClr r="0" g="0" b="0"/>
+      </a:effectRef>
+      <a:fontRef idx="minor">
+        <a:schemeClr val="tx1"/>
+      </a:fontRef>
+    </dgm:style>
+  </dgm:styleLbl>
+  <dgm:styleLbl name="alignNode1">
+    <dgm:scene3d>
+      <a:camera prst="orthographicFront"/>
+      <a:lightRig rig="threePt" dir="t"/>
+    </dgm:scene3d>
+    <dgm:sp3d/>
+    <dgm:txPr/>
+    <dgm:style>
+      <a:lnRef idx="2">
+        <a:scrgbClr r="0" g="0" b="0"/>
+      </a:lnRef>
+      <a:fillRef idx="1">
+        <a:scrgbClr r="0" g="0" b="0"/>
+      </a:fillRef>
+      <a:effectRef idx="0">
+        <a:scrgbClr r="0" g="0" b="0"/>
+      </a:effectRef>
+      <a:fontRef idx="minor">
+        <a:schemeClr val="lt1"/>
+      </a:fontRef>
+    </dgm:style>
+  </dgm:styleLbl>
+  <dgm:styleLbl name="node1">
+    <dgm:scene3d>
+      <a:camera prst="orthographicFront"/>
+      <a:lightRig rig="threePt" dir="t"/>
+    </dgm:scene3d>
+    <dgm:sp3d/>
+    <dgm:txPr/>
+    <dgm:style>
+      <a:lnRef idx="2">
+        <a:scrgbClr r="0" g="0" b="0"/>
+      </a:lnRef>
+      <a:fillRef idx="1">
+        <a:scrgbClr r="0" g="0" b="0"/>
+      </a:fillRef>
+      <a:effectRef idx="0">
+        <a:scrgbClr r="0" g="0" b="0"/>
+      </a:effectRef>
+      <a:fontRef idx="minor">
+        <a:schemeClr val="lt1"/>
+      </a:fontRef>
+    </dgm:style>
+  </dgm:styleLbl>
+  <dgm:styleLbl name="node2">
+    <dgm:scene3d>
+      <a:camera prst="orthographicFront"/>
+      <a:lightRig rig="threePt" dir="t"/>
+    </dgm:scene3d>
+    <dgm:sp3d/>
+    <dgm:txPr/>
+    <dgm:style>
+      <a:lnRef idx="2">
+        <a:scrgbClr r="0" g="0" b="0"/>
+      </a:lnRef>
+      <a:fillRef idx="1">
+        <a:scrgbClr r="0" g="0" b="0"/>
+      </a:fillRef>
+      <a:effectRef idx="0">
+        <a:scrgbClr r="0" g="0" b="0"/>
+      </a:effectRef>
+      <a:fontRef idx="minor">
+        <a:schemeClr val="lt1"/>
+      </a:fontRef>
+    </dgm:style>
+  </dgm:styleLbl>
+  <dgm:styleLbl name="node3">
+    <dgm:scene3d>
+      <a:camera prst="orthographicFront"/>
+      <a:lightRig rig="threePt" dir="t"/>
+    </dgm:scene3d>
+    <dgm:sp3d/>
+    <dgm:txPr/>
+    <dgm:style>
+      <a:lnRef idx="2">
+        <a:scrgbClr r="0" g="0" b="0"/>
+      </a:lnRef>
+      <a:fillRef idx="1">
+        <a:scrgbClr r="0" g="0" b="0"/>
+      </a:fillRef>
+      <a:effectRef idx="0">
+        <a:scrgbClr r="0" g="0" b="0"/>
+      </a:effectRef>
+      <a:fontRef idx="minor">
+        <a:schemeClr val="lt1"/>
+      </a:fontRef>
+    </dgm:style>
+  </dgm:styleLbl>
+  <dgm:styleLbl name="node4">
+    <dgm:scene3d>
+      <a:camera prst="orthographicFront"/>
+      <a:lightRig rig="threePt" dir="t"/>
+    </dgm:scene3d>
+    <dgm:sp3d/>
+    <dgm:txPr/>
+    <dgm:style>
+      <a:lnRef idx="2">
+        <a:scrgbClr r="0" g="0" b="0"/>
+      </a:lnRef>
+      <a:fillRef idx="1">
+        <a:scrgbClr r="0" g="0" b="0"/>
+      </a:fillRef>
+      <a:effectRef idx="0">
+        <a:scrgbClr r="0" g="0" b="0"/>
+      </a:effectRef>
+      <a:fontRef idx="minor">
+        <a:schemeClr val="lt1"/>
+      </a:fontRef>
+    </dgm:style>
+  </dgm:styleLbl>
+  <dgm:styleLbl name="fgImgPlace1">
+    <dgm:scene3d>
+      <a:camera prst="orthographicFront"/>
+      <a:lightRig rig="threePt" dir="t"/>
+    </dgm:scene3d>
+    <dgm:sp3d/>
+    <dgm:txPr/>
+    <dgm:style>
+      <a:lnRef idx="2">
+        <a:scrgbClr r="0" g="0" b="0"/>
+      </a:lnRef>
+      <a:fillRef idx="1">
+        <a:scrgbClr r="0" g="0" b="0"/>
+      </a:fillRef>
+      <a:effectRef idx="0">
+        <a:scrgbClr r="0" g="0" b="0"/>
+      </a:effectRef>
+      <a:fontRef idx="minor"/>
+    </dgm:style>
+  </dgm:styleLbl>
+  <dgm:styleLbl name="alignImgPlace1">
+    <dgm:scene3d>
+      <a:camera prst="orthographicFront"/>
+      <a:lightRig rig="threePt" dir="t"/>
+    </dgm:scene3d>
+    <dgm:sp3d/>
+    <dgm:txPr/>
+    <dgm:style>
+      <a:lnRef idx="2">
+        <a:scrgbClr r="0" g="0" b="0"/>
+      </a:lnRef>
+      <a:fillRef idx="1">
+        <a:scrgbClr r="0" g="0" b="0"/>
+      </a:fillRef>
+      <a:effectRef idx="0">
+        <a:scrgbClr r="0" g="0" b="0"/>
+      </a:effectRef>
+      <a:fontRef idx="minor"/>
+    </dgm:style>
+  </dgm:styleLbl>
+  <dgm:styleLbl name="bgImgPlace1">
+    <dgm:scene3d>
+      <a:camera prst="orthographicFront"/>
+      <a:lightRig rig="threePt" dir="t"/>
+    </dgm:scene3d>
+    <dgm:sp3d/>
+    <dgm:txPr/>
+    <dgm:style>
+      <a:lnRef idx="2">
+        <a:scrgbClr r="0" g="0" b="0"/>
+      </a:lnRef>
+      <a:fillRef idx="1">
+        <a:scrgbClr r="0" g="0" b="0"/>
+      </a:fillRef>
+      <a:effectRef idx="0">
+        <a:scrgbClr r="0" g="0" b="0"/>
+      </a:effectRef>
+      <a:fontRef idx="minor"/>
+    </dgm:style>
+  </dgm:styleLbl>
+  <dgm:styleLbl name="sibTrans2D1">
+    <dgm:scene3d>
+      <a:camera prst="orthographicFront"/>
+      <a:lightRig rig="threePt" dir="t"/>
+    </dgm:scene3d>
+    <dgm:sp3d/>
+    <dgm:txPr/>
+    <dgm:style>
+      <a:lnRef idx="0">
+        <a:scrgbClr r="0" g="0" b="0"/>
+      </a:lnRef>
+      <a:fillRef idx="1">
+        <a:scrgbClr r="0" g="0" b="0"/>
+      </a:fillRef>
+      <a:effectRef idx="0">
+        <a:scrgbClr r="0" g="0" b="0"/>
+      </a:effectRef>
+      <a:fontRef idx="minor">
+        <a:schemeClr val="lt1"/>
+      </a:fontRef>
+    </dgm:style>
+  </dgm:styleLbl>
+  <dgm:styleLbl name="fgSibTrans2D1">
+    <dgm:scene3d>
+      <a:camera prst="orthographicFront"/>
+      <a:lightRig rig="threePt" dir="t"/>
+    </dgm:scene3d>
+    <dgm:sp3d/>
+    <dgm:txPr/>
+    <dgm:style>
+      <a:lnRef idx="0">
+        <a:scrgbClr r="0" g="0" b="0"/>
+      </a:lnRef>
+      <a:fillRef idx="1">
+        <a:scrgbClr r="0" g="0" b="0"/>
+      </a:fillRef>
+      <a:effectRef idx="0">
+        <a:scrgbClr r="0" g="0" b="0"/>
+      </a:effectRef>
+      <a:fontRef idx="minor">
+        <a:schemeClr val="lt1"/>
+      </a:fontRef>
+    </dgm:style>
+  </dgm:styleLbl>
+  <dgm:styleLbl name="bgSibTrans2D1">
+    <dgm:scene3d>
+      <a:camera prst="orthographicFront"/>
+      <a:lightRig rig="threePt" dir="t"/>
+    </dgm:scene3d>
+    <dgm:sp3d/>
+    <dgm:txPr/>
+    <dgm:style>
+      <a:lnRef idx="0">
+        <a:scrgbClr r="0" g="0" b="0"/>
+      </a:lnRef>
+      <a:fillRef idx="1">
+        <a:scrgbClr r="0" g="0" b="0"/>
+      </a:fillRef>
+      <a:effectRef idx="0">
+        <a:scrgbClr r="0" g="0" b="0"/>
+      </a:effectRef>
+      <a:fontRef idx="minor">
+        <a:schemeClr val="lt1"/>
+      </a:fontRef>
+    </dgm:style>
+  </dgm:styleLbl>
+  <dgm:styleLbl name="sibTrans1D1">
+    <dgm:scene3d>
+      <a:camera prst="orthographicFront"/>
+      <a:lightRig rig="threePt" dir="t"/>
+    </dgm:scene3d>
+    <dgm:sp3d/>
+    <dgm:txPr/>
+    <dgm:style>
+      <a:lnRef idx="1">
+        <a:scrgbClr r="0" g="0" b="0"/>
+      </a:lnRef>
+      <a:fillRef idx="0">
+        <a:scrgbClr r="0" g="0" b="0"/>
+      </a:fillRef>
+      <a:effectRef idx="0">
+        <a:scrgbClr r="0" g="0" b="0"/>
+      </a:effectRef>
+      <a:fontRef idx="minor"/>
+    </dgm:style>
+  </dgm:styleLbl>
+  <dgm:styleLbl name="callout">
+    <dgm:scene3d>
+      <a:camera prst="orthographicFront"/>
+      <a:lightRig rig="threePt" dir="t"/>
+    </dgm:scene3d>
+    <dgm:sp3d/>
+    <dgm:txPr/>
+    <dgm:style>
+      <a:lnRef idx="2">
+        <a:scrgbClr r="0" g="0" b="0"/>
+      </a:lnRef>
+      <a:fillRef idx="1">
+        <a:scrgbClr r="0" g="0" b="0"/>
+      </a:fillRef>
+      <a:effectRef idx="0">
+        <a:scrgbClr r="0" g="0" b="0"/>
+      </a:effectRef>
+      <a:fontRef idx="minor"/>
+    </dgm:style>
+  </dgm:styleLbl>
+  <dgm:styleLbl name="asst0">
+    <dgm:scene3d>
+      <a:camera prst="orthographicFront"/>
+      <a:lightRig rig="threePt" dir="t"/>
+    </dgm:scene3d>
+    <dgm:sp3d/>
+    <dgm:txPr/>
+    <dgm:style>
+      <a:lnRef idx="2">
+        <a:scrgbClr r="0" g="0" b="0"/>
+      </a:lnRef>
+      <a:fillRef idx="1">
+        <a:scrgbClr r="0" g="0" b="0"/>
+      </a:fillRef>
+      <a:effectRef idx="0">
+        <a:scrgbClr r="0" g="0" b="0"/>
+      </a:effectRef>
+      <a:fontRef idx="minor">
+        <a:schemeClr val="lt1"/>
+      </a:fontRef>
+    </dgm:style>
+  </dgm:styleLbl>
+  <dgm:styleLbl name="asst1">
+    <dgm:scene3d>
+      <a:camera prst="orthographicFront"/>
+      <a:lightRig rig="threePt" dir="t"/>
+    </dgm:scene3d>
+    <dgm:sp3d/>
+    <dgm:txPr/>
+    <dgm:style>
+      <a:lnRef idx="2">
+        <a:scrgbClr r="0" g="0" b="0"/>
+      </a:lnRef>
+      <a:fillRef idx="1">
+        <a:scrgbClr r="0" g="0" b="0"/>
+      </a:fillRef>
+      <a:effectRef idx="0">
+        <a:scrgbClr r="0" g="0" b="0"/>
+      </a:effectRef>
+      <a:fontRef idx="minor">
+        <a:schemeClr val="lt1"/>
+      </a:fontRef>
+    </dgm:style>
+  </dgm:styleLbl>
+  <dgm:styleLbl name="asst2">
+    <dgm:scene3d>
+      <a:camera prst="orthographicFront"/>
+      <a:lightRig rig="threePt" dir="t"/>
+    </dgm:scene3d>
+    <dgm:sp3d/>
+    <dgm:txPr/>
+    <dgm:style>
+      <a:lnRef idx="2">
+        <a:scrgbClr r="0" g="0" b="0"/>
+      </a:lnRef>
+      <a:fillRef idx="1">
+        <a:scrgbClr r="0" g="0" b="0"/>
+      </a:fillRef>
+      <a:effectRef idx="0">
+        <a:scrgbClr r="0" g="0" b="0"/>
+      </a:effectRef>
+      <a:fontRef idx="minor">
+        <a:schemeClr val="lt1"/>
+      </a:fontRef>
+    </dgm:style>
+  </dgm:styleLbl>
+  <dgm:styleLbl name="asst3">
+    <dgm:scene3d>
+      <a:camera prst="orthographicFront"/>
+      <a:lightRig rig="threePt" dir="t"/>
+    </dgm:scene3d>
+    <dgm:sp3d/>
+    <dgm:txPr/>
+    <dgm:style>
+      <a:lnRef idx="2">
+        <a:scrgbClr r="0" g="0" b="0"/>
+      </a:lnRef>
+      <a:fillRef idx="1">
+        <a:scrgbClr r="0" g="0" b="0"/>
+      </a:fillRef>
+      <a:effectRef idx="0">
+        <a:scrgbClr r="0" g="0" b="0"/>
+      </a:effectRef>
+      <a:fontRef idx="minor">
+        <a:schemeClr val="lt1"/>
+      </a:fontRef>
+    </dgm:style>
+  </dgm:styleLbl>
+  <dgm:styleLbl name="asst4">
+    <dgm:scene3d>
+      <a:camera prst="orthographicFront"/>
+      <a:lightRig rig="threePt" dir="t"/>
+    </dgm:scene3d>
+    <dgm:sp3d/>
+    <dgm:txPr/>
+    <dgm:style>
+      <a:lnRef idx="2">
+        <a:scrgbClr r="0" g="0" b="0"/>
+      </a:lnRef>
+      <a:fillRef idx="1">
+        <a:scrgbClr r="0" g="0" b="0"/>
+      </a:fillRef>
+      <a:effectRef idx="0">
+        <a:scrgbClr r="0" g="0" b="0"/>
+      </a:effectRef>
+      <a:fontRef idx="minor">
+        <a:schemeClr val="lt1"/>
+      </a:fontRef>
+    </dgm:style>
+  </dgm:styleLbl>
+  <dgm:styleLbl name="parChTrans2D1">
+    <dgm:scene3d>
+      <a:camera prst="orthographicFront"/>
+      <a:lightRig rig="threePt" dir="t"/>
+    </dgm:scene3d>
+    <dgm:sp3d/>
+    <dgm:txPr/>
+    <dgm:style>
+      <a:lnRef idx="2">
+        <a:scrgbClr r="0" g="0" b="0"/>
+      </a:lnRef>
+      <a:fillRef idx="1">
+        <a:scrgbClr r="0" g="0" b="0"/>
+      </a:fillRef>
+      <a:effectRef idx="0">
+        <a:scrgbClr r="0" g="0" b="0"/>
+      </a:effectRef>
+      <a:fontRef idx="minor">
+        <a:schemeClr val="lt1"/>
+      </a:fontRef>
+    </dgm:style>
+  </dgm:styleLbl>
+  <dgm:styleLbl name="parChTrans2D2">
+    <dgm:scene3d>
+      <a:camera prst="orthographicFront"/>
+      <a:lightRig rig="threePt" dir="t"/>
+    </dgm:scene3d>
+    <dgm:sp3d/>
+    <dgm:txPr/>
+    <dgm:style>
+      <a:lnRef idx="2">
+        <a:scrgbClr r="0" g="0" b="0"/>
+      </a:lnRef>
+      <a:fillRef idx="1">
+        <a:scrgbClr r="0" g="0" b="0"/>
+      </a:fillRef>
+      <a:effectRef idx="0">
+        <a:scrgbClr r="0" g="0" b="0"/>
+      </a:effectRef>
+      <a:fontRef idx="minor">
+        <a:schemeClr val="lt1"/>
+      </a:fontRef>
+    </dgm:style>
+  </dgm:styleLbl>
+  <dgm:styleLbl name="parChTrans2D3">
+    <dgm:scene3d>
+      <a:camera prst="orthographicFront"/>
+      <a:lightRig rig="threePt" dir="t"/>
+    </dgm:scene3d>
+    <dgm:sp3d/>
+    <dgm:txPr/>
+    <dgm:style>
+      <a:lnRef idx="2">
+        <a:scrgbClr r="0" g="0" b="0"/>
+      </a:lnRef>
+      <a:fillRef idx="1">
+        <a:scrgbClr r="0" g="0" b="0"/>
+      </a:fillRef>
+      <a:effectRef idx="0">
+        <a:scrgbClr r="0" g="0" b="0"/>
+      </a:effectRef>
+      <a:fontRef idx="minor">
+        <a:schemeClr val="lt1"/>
+      </a:fontRef>
+    </dgm:style>
+  </dgm:styleLbl>
+  <dgm:styleLbl name="parChTrans2D4">
+    <dgm:scene3d>
+      <a:camera prst="orthographicFront"/>
+      <a:lightRig rig="threePt" dir="t"/>
+    </dgm:scene3d>
+    <dgm:sp3d/>
+    <dgm:txPr/>
+    <dgm:style>
+      <a:lnRef idx="2">
+        <a:scrgbClr r="0" g="0" b="0"/>
+      </a:lnRef>
+      <a:fillRef idx="1">
+        <a:scrgbClr r="0" g="0" b="0"/>
+      </a:fillRef>
+      <a:effectRef idx="0">
+        <a:scrgbClr r="0" g="0" b="0"/>
+      </a:effectRef>
+      <a:fontRef idx="minor">
+        <a:schemeClr val="lt1"/>
+      </a:fontRef>
+    </dgm:style>
+  </dgm:styleLbl>
+  <dgm:styleLbl name="parChTrans1D1">
+    <dgm:scene3d>
+      <a:camera prst="orthographicFront"/>
+      <a:lightRig rig="threePt" dir="t"/>
+    </dgm:scene3d>
+    <dgm:sp3d/>
+    <dgm:txPr/>
+    <dgm:style>
+      <a:lnRef idx="2">
+        <a:scrgbClr r="0" g="0" b="0"/>
+      </a:lnRef>
+      <a:fillRef idx="0">
+        <a:scrgbClr r="0" g="0" b="0"/>
+      </a:fillRef>
+      <a:effectRef idx="0">
+        <a:scrgbClr r="0" g="0" b="0"/>
+      </a:effectRef>
+      <a:fontRef idx="minor"/>
+    </dgm:style>
+  </dgm:styleLbl>
+  <dgm:styleLbl name="parChTrans1D2">
+    <dgm:scene3d>
+      <a:camera prst="orthographicFront"/>
+      <a:lightRig rig="threePt" dir="t"/>
+    </dgm:scene3d>
+    <dgm:sp3d/>
+    <dgm:txPr/>
+    <dgm:style>
+      <a:lnRef idx="2">
+        <a:scrgbClr r="0" g="0" b="0"/>
+      </a:lnRef>
+      <a:fillRef idx="0">
+        <a:scrgbClr r="0" g="0" b="0"/>
+      </a:fillRef>
+      <a:effectRef idx="0">
+        <a:scrgbClr r="0" g="0" b="0"/>
+      </a:effectRef>
+      <a:fontRef idx="minor"/>
+    </dgm:style>
+  </dgm:styleLbl>
+  <dgm:styleLbl name="parChTrans1D3">
+    <dgm:scene3d>
+      <a:camera prst="orthographicFront"/>
+      <a:lightRig rig="threePt" dir="t"/>
+    </dgm:scene3d>
+    <dgm:sp3d/>
+    <dgm:txPr/>
+    <dgm:style>
+      <a:lnRef idx="2">
+        <a:scrgbClr r="0" g="0" b="0"/>
+      </a:lnRef>
+      <a:fillRef idx="0">
+        <a:scrgbClr r="0" g="0" b="0"/>
+      </a:fillRef>
+      <a:effectRef idx="0">
+        <a:scrgbClr r="0" g="0" b="0"/>
+      </a:effectRef>
+      <a:fontRef idx="minor"/>
+    </dgm:style>
+  </dgm:styleLbl>
+  <dgm:styleLbl name="parChTrans1D4">
+    <dgm:scene3d>
+      <a:camera prst="orthographicFront"/>
+      <a:lightRig rig="threePt" dir="t"/>
+    </dgm:scene3d>
+    <dgm:sp3d/>
+    <dgm:txPr/>
+    <dgm:style>
+      <a:lnRef idx="2">
+        <a:scrgbClr r="0" g="0" b="0"/>
+      </a:lnRef>
+      <a:fillRef idx="0">
+        <a:scrgbClr r="0" g="0" b="0"/>
+      </a:fillRef>
+      <a:effectRef idx="0">
+        <a:scrgbClr r="0" g="0" b="0"/>
+      </a:effectRef>
+      <a:fontRef idx="minor"/>
+    </dgm:style>
+  </dgm:styleLbl>
+  <dgm:styleLbl name="fgAcc1">
+    <dgm:scene3d>
+      <a:camera prst="orthographicFront"/>
+      <a:lightRig rig="threePt" dir="t"/>
+    </dgm:scene3d>
+    <dgm:sp3d/>
+    <dgm:txPr/>
+    <dgm:style>
+      <a:lnRef idx="2">
+        <a:scrgbClr r="0" g="0" b="0"/>
+      </a:lnRef>
+      <a:fillRef idx="1">
+        <a:scrgbClr r="0" g="0" b="0"/>
+      </a:fillRef>
+      <a:effectRef idx="0">
+        <a:scrgbClr r="0" g="0" b="0"/>
+      </a:effectRef>
+      <a:fontRef idx="minor"/>
+    </dgm:style>
+  </dgm:styleLbl>
+  <dgm:styleLbl name="conFgAcc1">
+    <dgm:scene3d>
+      <a:camera prst="orthographicFront"/>
+      <a:lightRig rig="threePt" dir="t"/>
+    </dgm:scene3d>
+    <dgm:sp3d/>
+    <dgm:txPr/>
+    <dgm:style>
+      <a:lnRef idx="2">
+        <a:scrgbClr r="0" g="0" b="0"/>
+      </a:lnRef>
+      <a:fillRef idx="1">
+        <a:scrgbClr r="0" g="0" b="0"/>
+      </a:fillRef>
+      <a:effectRef idx="0">
+        <a:scrgbClr r="0" g="0" b="0"/>
+      </a:effectRef>
+      <a:fontRef idx="minor"/>
+    </dgm:style>
+  </dgm:styleLbl>
+  <dgm:styleLbl name="alignAcc1">
+    <dgm:scene3d>
+      <a:camera prst="orthographicFront"/>
+      <a:lightRig rig="threePt" dir="t"/>
+    </dgm:scene3d>
+    <dgm:sp3d/>
+    <dgm:txPr/>
+    <dgm:style>
+      <a:lnRef idx="2">
+        <a:scrgbClr r="0" g="0" b="0"/>
+      </a:lnRef>
+      <a:fillRef idx="1">
+        <a:scrgbClr r="0" g="0" b="0"/>
+      </a:fillRef>
+      <a:effectRef idx="0">
+        <a:scrgbClr r="0" g="0" b="0"/>
+      </a:effectRef>
+      <a:fontRef idx="minor"/>
+    </dgm:style>
+  </dgm:styleLbl>
+  <dgm:styleLbl name="trAlignAcc1">
+    <dgm:scene3d>
+      <a:camera prst="orthographicFront"/>
+      <a:lightRig rig="threePt" dir="t"/>
+    </dgm:scene3d>
+    <dgm:sp3d/>
+    <dgm:txPr/>
+    <dgm:style>
+      <a:lnRef idx="1">
+        <a:scrgbClr r="0" g="0" b="0"/>
+      </a:lnRef>
+      <a:fillRef idx="1">
+        <a:scrgbClr r="0" g="0" b="0"/>
+      </a:fillRef>
+      <a:effectRef idx="0">
+        <a:scrgbClr r="0" g="0" b="0"/>
+      </a:effectRef>
+      <a:fontRef idx="minor"/>
+    </dgm:style>
+  </dgm:styleLbl>
+  <dgm:styleLbl name="bgAcc1">
+    <dgm:scene3d>
+      <a:camera prst="orthographicFront"/>
+      <a:lightRig rig="threePt" dir="t"/>
+    </dgm:scene3d>
+    <dgm:sp3d/>
+    <dgm:txPr/>
+    <dgm:style>
+      <a:lnRef idx="2">
+        <a:scrgbClr r="0" g="0" b="0"/>
+      </a:lnRef>
+      <a:fillRef idx="1">
+        <a:scrgbClr r="0" g="0" b="0"/>
+      </a:fillRef>
+      <a:effectRef idx="0">
+        <a:scrgbClr r="0" g="0" b="0"/>
+      </a:effectRef>
+      <a:fontRef idx="minor"/>
+    </dgm:style>
+  </dgm:styleLbl>
+  <dgm:styleLbl name="solidFgAcc1">
+    <dgm:scene3d>
+      <a:camera prst="orthographicFront"/>
+      <a:lightRig rig="threePt" dir="t"/>
+    </dgm:scene3d>
+    <dgm:sp3d/>
+    <dgm:txPr/>
+    <dgm:style>
+      <a:lnRef idx="2">
+        <a:scrgbClr r="0" g="0" b="0"/>
+      </a:lnRef>
+      <a:fillRef idx="1">
+        <a:scrgbClr r="0" g="0" b="0"/>
+      </a:fillRef>
+      <a:effectRef idx="0">
+        <a:scrgbClr r="0" g="0" b="0"/>
+      </a:effectRef>
+      <a:fontRef idx="minor"/>
+    </dgm:style>
+  </dgm:styleLbl>
+  <dgm:styleLbl name="solidAlignAcc1">
+    <dgm:scene3d>
+      <a:camera prst="orthographicFront"/>
+      <a:lightRig rig="threePt" dir="t"/>
+    </dgm:scene3d>
+    <dgm:sp3d/>
+    <dgm:txPr/>
+    <dgm:style>
+      <a:lnRef idx="2">
+        <a:scrgbClr r="0" g="0" b="0"/>
+      </a:lnRef>
+      <a:fillRef idx="1">
+        <a:scrgbClr r="0" g="0" b="0"/>
+      </a:fillRef>
+      <a:effectRef idx="0">
+        <a:scrgbClr r="0" g="0" b="0"/>
+      </a:effectRef>
+      <a:fontRef idx="minor"/>
+    </dgm:style>
+  </dgm:styleLbl>
+  <dgm:styleLbl name="solidBgAcc1">
+    <dgm:scene3d>
+      <a:camera prst="orthographicFront"/>
+      <a:lightRig rig="threePt" dir="t"/>
+    </dgm:scene3d>
+    <dgm:sp3d/>
+    <dgm:txPr/>
+    <dgm:style>
+      <a:lnRef idx="2">
+        <a:scrgbClr r="0" g="0" b="0"/>
+      </a:lnRef>
+      <a:fillRef idx="1">
+        <a:scrgbClr r="0" g="0" b="0"/>
+      </a:fillRef>
+      <a:effectRef idx="0">
+        <a:scrgbClr r="0" g="0" b="0"/>
+      </a:effectRef>
+      <a:fontRef idx="minor"/>
+    </dgm:style>
+  </dgm:styleLbl>
+  <dgm:styleLbl name="fgAccFollowNode1">
+    <dgm:scene3d>
+      <a:camera prst="orthographicFront"/>
+      <a:lightRig rig="threePt" dir="t"/>
+    </dgm:scene3d>
+    <dgm:sp3d/>
+    <dgm:txPr/>
+    <dgm:style>
+      <a:lnRef idx="2">
+        <a:scrgbClr r="0" g="0" b="0"/>
+      </a:lnRef>
+      <a:fillRef idx="1">
+        <a:scrgbClr r="0" g="0" b="0"/>
+      </a:fillRef>
+      <a:effectRef idx="0">
+        <a:scrgbClr r="0" g="0" b="0"/>
+      </a:effectRef>
+      <a:fontRef idx="minor"/>
+    </dgm:style>
+  </dgm:styleLbl>
+  <dgm:styleLbl name="alignAccFollowNode1">
+    <dgm:scene3d>
+      <a:camera prst="orthographicFront"/>
+      <a:lightRig rig="threePt" dir="t"/>
+    </dgm:scene3d>
+    <dgm:sp3d/>
+    <dgm:txPr/>
+    <dgm:style>
+      <a:lnRef idx="2">
+        <a:scrgbClr r="0" g="0" b="0"/>
+      </a:lnRef>
+      <a:fillRef idx="1">
+        <a:scrgbClr r="0" g="0" b="0"/>
+      </a:fillRef>
+      <a:effectRef idx="0">
+        <a:scrgbClr r="0" g="0" b="0"/>
+      </a:effectRef>
+      <a:fontRef idx="minor"/>
+    </dgm:style>
+  </dgm:styleLbl>
+  <dgm:styleLbl name="bgAccFollowNode1">
+    <dgm:scene3d>
+      <a:camera prst="orthographicFront"/>
+      <a:lightRig rig="threePt" dir="t"/>
+    </dgm:scene3d>
+    <dgm:sp3d/>
+    <dgm:txPr/>
+    <dgm:style>
+      <a:lnRef idx="2">
+        <a:scrgbClr r="0" g="0" b="0"/>
+      </a:lnRef>
+      <a:fillRef idx="1">
+        <a:scrgbClr r="0" g="0" b="0"/>
+      </a:fillRef>
+      <a:effectRef idx="0">
+        <a:scrgbClr r="0" g="0" b="0"/>
+      </a:effectRef>
+      <a:fontRef idx="minor"/>
+    </dgm:style>
+  </dgm:styleLbl>
+  <dgm:styleLbl name="fgAcc0">
+    <dgm:scene3d>
+      <a:camera prst="orthographicFront"/>
+      <a:lightRig rig="threePt" dir="t"/>
+    </dgm:scene3d>
+    <dgm:sp3d/>
+    <dgm:txPr/>
+    <dgm:style>
+      <a:lnRef idx="2">
+        <a:scrgbClr r="0" g="0" b="0"/>
+      </a:lnRef>
+      <a:fillRef idx="1">
+        <a:scrgbClr r="0" g="0" b="0"/>
+      </a:fillRef>
+      <a:effectRef idx="0">
+        <a:scrgbClr r="0" g="0" b="0"/>
+      </a:effectRef>
+      <a:fontRef idx="minor"/>
+    </dgm:style>
+  </dgm:styleLbl>
+  <dgm:styleLbl name="fgAcc2">
+    <dgm:scene3d>
+      <a:camera prst="orthographicFront"/>
+      <a:lightRig rig="threePt" dir="t"/>
+    </dgm:scene3d>
+    <dgm:sp3d/>
+    <dgm:txPr/>
+    <dgm:style>
+      <a:lnRef idx="2">
+        <a:scrgbClr r="0" g="0" b="0"/>
+      </a:lnRef>
+      <a:fillRef idx="1">
+        <a:scrgbClr r="0" g="0" b="0"/>
+      </a:fillRef>
+      <a:effectRef idx="0">
+        <a:scrgbClr r="0" g="0" b="0"/>
+      </a:effectRef>
+      <a:fontRef idx="minor"/>
+    </dgm:style>
+  </dgm:styleLbl>
+  <dgm:styleLbl name="fgAcc3">
+    <dgm:scene3d>
+      <a:camera prst="orthographicFront"/>
+      <a:lightRig rig="threePt" dir="t"/>
+    </dgm:scene3d>
+    <dgm:sp3d/>
+    <dgm:txPr/>
+    <dgm:style>
+      <a:lnRef idx="2">
+        <a:scrgbClr r="0" g="0" b="0"/>
+      </a:lnRef>
+      <a:fillRef idx="1">
+        <a:scrgbClr r="0" g="0" b="0"/>
+      </a:fillRef>
+      <a:effectRef idx="0">
+        <a:scrgbClr r="0" g="0" b="0"/>
+      </a:effectRef>
+      <a:fontRef idx="minor"/>
+    </dgm:style>
+  </dgm:styleLbl>
+  <dgm:styleLbl name="fgAcc4">
+    <dgm:scene3d>
+      <a:camera prst="orthographicFront"/>
+      <a:lightRig rig="threePt" dir="t"/>
+    </dgm:scene3d>
+    <dgm:sp3d/>
+    <dgm:txPr/>
+    <dgm:style>
+      <a:lnRef idx="2">
+        <a:scrgbClr r="0" g="0" b="0"/>
+      </a:lnRef>
+      <a:fillRef idx="1">
+        <a:scrgbClr r="0" g="0" b="0"/>
+      </a:fillRef>
+      <a:effectRef idx="0">
+        <a:scrgbClr r="0" g="0" b="0"/>
+      </a:effectRef>
+      <a:fontRef idx="minor"/>
+    </dgm:style>
+  </dgm:styleLbl>
+  <dgm:styleLbl name="bgShp">
+    <dgm:scene3d>
+      <a:camera prst="orthographicFront"/>
+      <a:lightRig rig="threePt" dir="t"/>
+    </dgm:scene3d>
+    <dgm:sp3d/>
+    <dgm:txPr/>
+    <dgm:style>
+      <a:lnRef idx="0">
+        <a:scrgbClr r="0" g="0" b="0"/>
+      </a:lnRef>
+      <a:fillRef idx="1">
+        <a:scrgbClr r="0" g="0" b="0"/>
+      </a:fillRef>
+      <a:effectRef idx="0">
+        <a:scrgbClr r="0" g="0" b="0"/>
+      </a:effectRef>
+      <a:fontRef idx="minor"/>
+    </dgm:style>
+  </dgm:styleLbl>
+  <dgm:styleLbl name="dkBgShp">
+    <dgm:scene3d>
+      <a:camera prst="orthographicFront"/>
+      <a:lightRig rig="threePt" dir="t"/>
+    </dgm:scene3d>
+    <dgm:sp3d/>
+    <dgm:txPr/>
+    <dgm:style>
+      <a:lnRef idx="0">
+        <a:scrgbClr r="0" g="0" b="0"/>
+      </a:lnRef>
+      <a:fillRef idx="1">
+        <a:scrgbClr r="0" g="0" b="0"/>
+      </a:fillRef>
+      <a:effectRef idx="0">
+        <a:scrgbClr r="0" g="0" b="0"/>
+      </a:effectRef>
+      <a:fontRef idx="minor"/>
+    </dgm:style>
+  </dgm:styleLbl>
+  <dgm:styleLbl name="trBgShp">
+    <dgm:scene3d>
+      <a:camera prst="orthographicFront"/>
+      <a:lightRig rig="threePt" dir="t"/>
+    </dgm:scene3d>
+    <dgm:sp3d/>
+    <dgm:txPr/>
+    <dgm:style>
+      <a:lnRef idx="0">
+        <a:scrgbClr r="0" g="0" b="0"/>
+      </a:lnRef>
+      <a:fillRef idx="1">
+        <a:scrgbClr r="0" g="0" b="0"/>
+      </a:fillRef>
+      <a:effectRef idx="0">
+        <a:scrgbClr r="0" g="0" b="0"/>
+      </a:effectRef>
+      <a:fontRef idx="minor"/>
+    </dgm:style>
+  </dgm:styleLbl>
+  <dgm:styleLbl name="fgShp">
+    <dgm:scene3d>
+      <a:camera prst="orthographicFront"/>
+      <a:lightRig rig="threePt" dir="t"/>
+    </dgm:scene3d>
+    <dgm:sp3d/>
+    <dgm:txPr/>
+    <dgm:style>
+      <a:lnRef idx="2">
+        <a:scrgbClr r="0" g="0" b="0"/>
+      </a:lnRef>
+      <a:fillRef idx="1">
+        <a:scrgbClr r="0" g="0" b="0"/>
+      </a:fillRef>
+      <a:effectRef idx="0">
+        <a:scrgbClr r="0" g="0" b="0"/>
+      </a:effectRef>
+      <a:fontRef idx="minor"/>
+    </dgm:style>
+  </dgm:styleLbl>
+  <dgm:styleLbl name="revTx">
+    <dgm:scene3d>
+      <a:camera prst="orthographicFront"/>
+      <a:lightRig rig="threePt" dir="t"/>
+    </dgm:scene3d>
+    <dgm:sp3d/>
+    <dgm:txPr/>
+    <dgm:style>
+      <a:lnRef idx="0">
+        <a:scrgbClr r="0" g="0" b="0"/>
+      </a:lnRef>
+      <a:fillRef idx="0">
+        <a:scrgbClr r="0" g="0" b="0"/>
+      </a:fillRef>
+      <a:effectRef idx="0">
+        <a:scrgbClr r="0" g="0" b="0"/>
+      </a:effectRef>
+      <a:fontRef idx="minor"/>
+    </dgm:style>
+  </dgm:styleLbl>
+</dgm:styleDef>
 </file>
 
 <file path=ppt/handoutMasters/handoutMaster1.xml><?xml version="1.0" encoding="utf-8"?>
@@ -15303,7 +19051,7 @@
           <a:graphicData uri="http://schemas.openxmlformats.org/presentationml/2006/ole">
             <mc:AlternateContent xmlns:mc="http://schemas.openxmlformats.org/markup-compatibility/2006">
               <mc:Choice xmlns:v="urn:schemas-microsoft-com:vml" Requires="v">
-                <p:oleObj spid="_x0000_s1121" name="think-cell Slide" r:id="rId21" imgW="270" imgH="270" progId="TCLayout.ActiveDocument.1">
+                <p:oleObj spid="_x0000_s1026" name="think-cell Slide" r:id="rId21" imgW="270" imgH="270" progId="TCLayout.ActiveDocument.1">
                   <p:embed/>
                 </p:oleObj>
               </mc:Choice>
@@ -16178,307 +19926,6 @@
         </p:nvSpPr>
         <p:spPr>
           <a:xfrm>
-            <a:off x="217714" y="196333"/>
-            <a:ext cx="8164286" cy="584775"/>
-          </a:xfrm>
-          <a:prstGeom prst="rect">
-            <a:avLst/>
-          </a:prstGeom>
-          <a:noFill/>
-        </p:spPr>
-        <p:txBody>
-          <a:bodyPr wrap="square">
-            <a:spAutoFit/>
-          </a:bodyPr>
-          <a:lstStyle/>
-          <a:p>
-            <a:r>
-              <a:rPr lang="en-US" sz="3200" b="1" dirty="0"/>
-              <a:t>Task 2.2 (Exploratory Data Analysis) (Cont..)</a:t>
-            </a:r>
-            <a:endParaRPr lang="en-US" sz="3200" dirty="0"/>
-          </a:p>
-        </p:txBody>
-      </p:sp>
-      <p:sp>
-        <p:nvSpPr>
-          <p:cNvPr id="13" name="TextBox 12">
-            <a:extLst>
-              <a:ext uri="{FF2B5EF4-FFF2-40B4-BE49-F238E27FC236}">
-                <a16:creationId xmlns:a16="http://schemas.microsoft.com/office/drawing/2014/main" id="{10D30269-6253-4FA1-85AE-AFD6B4688007}"/>
-              </a:ext>
-            </a:extLst>
-          </p:cNvPr>
-          <p:cNvSpPr txBox="1"/>
-          <p:nvPr/>
-        </p:nvSpPr>
-        <p:spPr>
-          <a:xfrm>
-            <a:off x="304799" y="781107"/>
-            <a:ext cx="5701277" cy="1843582"/>
-          </a:xfrm>
-          <a:prstGeom prst="rect">
-            <a:avLst/>
-          </a:prstGeom>
-          <a:noFill/>
-        </p:spPr>
-        <p:txBody>
-          <a:bodyPr wrap="square">
-            <a:spAutoFit/>
-          </a:bodyPr>
-          <a:lstStyle/>
-          <a:p>
-            <a:pPr>
-              <a:lnSpc>
-                <a:spcPct val="90000"/>
-              </a:lnSpc>
-              <a:spcAft>
-                <a:spcPts val="600"/>
-              </a:spcAft>
-            </a:pPr>
-            <a:r>
-              <a:rPr lang="en-US" sz="1600" b="1" dirty="0">
-                <a:solidFill>
-                  <a:srgbClr val="575757"/>
-                </a:solidFill>
-                <a:cs typeface="Calibri Light" panose="020F0302020204030204" pitchFamily="34" charset="0"/>
-              </a:rPr>
-              <a:t>Q6.</a:t>
-            </a:r>
-            <a:r>
-              <a:rPr lang="en-US" sz="1600" dirty="0">
-                <a:solidFill>
-                  <a:srgbClr val="575757"/>
-                </a:solidFill>
-                <a:cs typeface="Calibri Light" panose="020F0302020204030204" pitchFamily="34" charset="0"/>
-              </a:rPr>
-              <a:t> </a:t>
-            </a:r>
-            <a:r>
-              <a:rPr lang="en-US" sz="1600" b="1" dirty="0">
-                <a:solidFill>
-                  <a:srgbClr val="575757"/>
-                </a:solidFill>
-                <a:cs typeface="Calibri Light" panose="020F0302020204030204" pitchFamily="34" charset="0"/>
-              </a:rPr>
-              <a:t>Feature Engineering</a:t>
-            </a:r>
-          </a:p>
-          <a:p>
-            <a:pPr algn="l">
-              <a:buFont typeface="+mj-lt"/>
-              <a:buAutoNum type="arabicPeriod"/>
-            </a:pPr>
-            <a:r>
-              <a:rPr lang="en-US" sz="1600" b="0" i="0" dirty="0">
-                <a:effectLst/>
-              </a:rPr>
-              <a:t>Selling Price, Seats are well explained by PC_1 and PC_7.</a:t>
-            </a:r>
-          </a:p>
-          <a:p>
-            <a:pPr algn="l">
-              <a:buFont typeface="+mj-lt"/>
-              <a:buAutoNum type="arabicPeriod"/>
-            </a:pPr>
-            <a:r>
-              <a:rPr lang="en-US" sz="1600" b="0" i="0" dirty="0">
-                <a:effectLst/>
-              </a:rPr>
-              <a:t>Km Driven is well explained by PC_2 and PC_4</a:t>
-            </a:r>
-          </a:p>
-          <a:p>
-            <a:pPr algn="l">
-              <a:buFont typeface="+mj-lt"/>
-              <a:buAutoNum type="arabicPeriod"/>
-            </a:pPr>
-            <a:r>
-              <a:rPr lang="en-US" sz="1600" b="0" i="0" dirty="0">
-                <a:effectLst/>
-              </a:rPr>
-              <a:t>Mileage is well explained by PC_6</a:t>
-            </a:r>
-          </a:p>
-          <a:p>
-            <a:pPr algn="l">
-              <a:buFont typeface="+mj-lt"/>
-              <a:buAutoNum type="arabicPeriod"/>
-            </a:pPr>
-            <a:r>
-              <a:rPr lang="en-US" sz="1600" b="0" i="0" dirty="0">
-                <a:effectLst/>
-              </a:rPr>
-              <a:t>Power is well explained by PC_1 and PC_3</a:t>
-            </a:r>
-          </a:p>
-          <a:p>
-            <a:pPr algn="l">
-              <a:buFont typeface="+mj-lt"/>
-              <a:buAutoNum type="arabicPeriod"/>
-            </a:pPr>
-            <a:r>
-              <a:rPr lang="en-US" sz="1600" b="0" i="0" dirty="0">
-                <a:effectLst/>
-              </a:rPr>
-              <a:t>Engine is well explained by PC_1 and PC_7</a:t>
-            </a:r>
-          </a:p>
-          <a:p>
-            <a:pPr>
-              <a:lnSpc>
-                <a:spcPct val="90000"/>
-              </a:lnSpc>
-              <a:spcAft>
-                <a:spcPts val="600"/>
-              </a:spcAft>
-            </a:pPr>
-            <a:endParaRPr lang="en-US" sz="1600" dirty="0">
-              <a:solidFill>
-                <a:srgbClr val="575757"/>
-              </a:solidFill>
-              <a:cs typeface="Calibri Light" panose="020F0302020204030204" pitchFamily="34" charset="0"/>
-            </a:endParaRPr>
-          </a:p>
-        </p:txBody>
-      </p:sp>
-      <p:pic>
-        <p:nvPicPr>
-          <p:cNvPr id="3" name="Picture 2">
-            <a:extLst>
-              <a:ext uri="{FF2B5EF4-FFF2-40B4-BE49-F238E27FC236}">
-                <a16:creationId xmlns:a16="http://schemas.microsoft.com/office/drawing/2014/main" id="{BE331E06-4435-456A-A5C5-1A7022FA2529}"/>
-              </a:ext>
-            </a:extLst>
-          </p:cNvPr>
-          <p:cNvPicPr>
-            <a:picLocks noChangeAspect="1"/>
-          </p:cNvPicPr>
-          <p:nvPr/>
-        </p:nvPicPr>
-        <p:blipFill>
-          <a:blip r:embed="rId2"/>
-          <a:stretch>
-            <a:fillRect/>
-          </a:stretch>
-        </p:blipFill>
-        <p:spPr>
-          <a:xfrm>
-            <a:off x="5910943" y="800359"/>
-            <a:ext cx="5529943" cy="2813698"/>
-          </a:xfrm>
-          <a:prstGeom prst="rect">
-            <a:avLst/>
-          </a:prstGeom>
-        </p:spPr>
-      </p:pic>
-      <p:pic>
-        <p:nvPicPr>
-          <p:cNvPr id="5" name="Picture 4">
-            <a:extLst>
-              <a:ext uri="{FF2B5EF4-FFF2-40B4-BE49-F238E27FC236}">
-                <a16:creationId xmlns:a16="http://schemas.microsoft.com/office/drawing/2014/main" id="{8631BEC9-C2F1-4DDF-9379-7D9CDAA854FB}"/>
-              </a:ext>
-            </a:extLst>
-          </p:cNvPr>
-          <p:cNvPicPr>
-            <a:picLocks noChangeAspect="1"/>
-          </p:cNvPicPr>
-          <p:nvPr/>
-        </p:nvPicPr>
-        <p:blipFill>
-          <a:blip r:embed="rId3"/>
-          <a:stretch>
-            <a:fillRect/>
-          </a:stretch>
-        </p:blipFill>
-        <p:spPr>
-          <a:xfrm>
-            <a:off x="5910943" y="3722914"/>
-            <a:ext cx="5606144" cy="2640209"/>
-          </a:xfrm>
-          <a:prstGeom prst="rect">
-            <a:avLst/>
-          </a:prstGeom>
-        </p:spPr>
-      </p:pic>
-      <p:pic>
-        <p:nvPicPr>
-          <p:cNvPr id="7" name="Picture 6">
-            <a:extLst>
-              <a:ext uri="{FF2B5EF4-FFF2-40B4-BE49-F238E27FC236}">
-                <a16:creationId xmlns:a16="http://schemas.microsoft.com/office/drawing/2014/main" id="{508D50F9-0C2F-4E49-A5EF-50F4068E6C5C}"/>
-              </a:ext>
-            </a:extLst>
-          </p:cNvPr>
-          <p:cNvPicPr>
-            <a:picLocks noChangeAspect="1"/>
-          </p:cNvPicPr>
-          <p:nvPr/>
-        </p:nvPicPr>
-        <p:blipFill>
-          <a:blip r:embed="rId4"/>
-          <a:stretch>
-            <a:fillRect/>
-          </a:stretch>
-        </p:blipFill>
-        <p:spPr>
-          <a:xfrm>
-            <a:off x="304799" y="2481942"/>
-            <a:ext cx="5410201" cy="3881181"/>
-          </a:xfrm>
-          <a:prstGeom prst="rect">
-            <a:avLst/>
-          </a:prstGeom>
-        </p:spPr>
-      </p:pic>
-    </p:spTree>
-    <p:extLst>
-      <p:ext uri="{BB962C8B-B14F-4D97-AF65-F5344CB8AC3E}">
-        <p14:creationId xmlns:p14="http://schemas.microsoft.com/office/powerpoint/2010/main" val="2191077326"/>
-      </p:ext>
-    </p:extLst>
-  </p:cSld>
-  <p:clrMapOvr>
-    <a:masterClrMapping/>
-  </p:clrMapOvr>
-  <p:transition>
-    <p:fade/>
-  </p:transition>
-</p:sld>
-</file>
-
-<file path=ppt/slides/slide11.xml><?xml version="1.0" encoding="utf-8"?>
-<p:sld xmlns:a="http://schemas.openxmlformats.org/drawingml/2006/main" xmlns:r="http://schemas.openxmlformats.org/officeDocument/2006/relationships" xmlns:p="http://schemas.openxmlformats.org/presentationml/2006/main">
-  <p:cSld>
-    <p:spTree>
-      <p:nvGrpSpPr>
-        <p:cNvPr id="1" name=""/>
-        <p:cNvGrpSpPr/>
-        <p:nvPr/>
-      </p:nvGrpSpPr>
-      <p:grpSpPr>
-        <a:xfrm>
-          <a:off x="0" y="0"/>
-          <a:ext cx="0" cy="0"/>
-          <a:chOff x="0" y="0"/>
-          <a:chExt cx="0" cy="0"/>
-        </a:xfrm>
-      </p:grpSpPr>
-      <p:sp>
-        <p:nvSpPr>
-          <p:cNvPr id="12" name="TextBox 11">
-            <a:extLst>
-              <a:ext uri="{FF2B5EF4-FFF2-40B4-BE49-F238E27FC236}">
-                <a16:creationId xmlns:a16="http://schemas.microsoft.com/office/drawing/2014/main" id="{685D6F01-C1B0-49B8-A089-D41DF9047B9E}"/>
-              </a:ext>
-            </a:extLst>
-          </p:cNvPr>
-          <p:cNvSpPr txBox="1"/>
-          <p:nvPr/>
-        </p:nvSpPr>
-        <p:spPr>
-          <a:xfrm>
             <a:off x="461441" y="306653"/>
             <a:ext cx="8164286" cy="584775"/>
           </a:xfrm>
@@ -16819,10 +20266,10 @@
       </p:sp>
       <p:pic>
         <p:nvPicPr>
-          <p:cNvPr id="14" name="Picture 13">
+          <p:cNvPr id="7" name="Picture 6">
             <a:extLst>
               <a:ext uri="{FF2B5EF4-FFF2-40B4-BE49-F238E27FC236}">
-                <a16:creationId xmlns:a16="http://schemas.microsoft.com/office/drawing/2014/main" id="{B7C764E2-AF37-410A-959D-8BB8AD686011}"/>
+                <a16:creationId xmlns:a16="http://schemas.microsoft.com/office/drawing/2014/main" id="{54C67B33-51DA-4247-88A8-20B2C1E33B59}"/>
               </a:ext>
             </a:extLst>
           </p:cNvPr>
@@ -16839,8 +20286,8 @@
         </p:blipFill>
         <p:spPr>
           <a:xfrm>
-            <a:off x="8003235" y="2122015"/>
-            <a:ext cx="3838416" cy="3844557"/>
+            <a:off x="7811882" y="1989452"/>
+            <a:ext cx="4052298" cy="4173795"/>
           </a:xfrm>
           <a:prstGeom prst="rect">
             <a:avLst/>
@@ -16863,7 +20310,7 @@
 </p:sld>
 </file>
 
-<file path=ppt/slides/slide12.xml><?xml version="1.0" encoding="utf-8"?>
+<file path=ppt/slides/slide11.xml><?xml version="1.0" encoding="utf-8"?>
 <p:sld xmlns:a="http://schemas.openxmlformats.org/drawingml/2006/main" xmlns:r="http://schemas.openxmlformats.org/officeDocument/2006/relationships" xmlns:p="http://schemas.openxmlformats.org/presentationml/2006/main">
   <p:cSld>
     <p:spTree>
@@ -17272,7 +20719,7 @@
 </p:sld>
 </file>
 
-<file path=ppt/slides/slide13.xml><?xml version="1.0" encoding="utf-8"?>
+<file path=ppt/slides/slide12.xml><?xml version="1.0" encoding="utf-8"?>
 <p:sld xmlns:a="http://schemas.openxmlformats.org/drawingml/2006/main" xmlns:r="http://schemas.openxmlformats.org/officeDocument/2006/relationships" xmlns:p="http://schemas.openxmlformats.org/presentationml/2006/main">
   <p:cSld>
     <p:spTree>
@@ -17588,7 +21035,7 @@
 </p:sld>
 </file>
 
-<file path=ppt/slides/slide14.xml><?xml version="1.0" encoding="utf-8"?>
+<file path=ppt/slides/slide13.xml><?xml version="1.0" encoding="utf-8"?>
 <p:sld xmlns:a="http://schemas.openxmlformats.org/drawingml/2006/main" xmlns:r="http://schemas.openxmlformats.org/officeDocument/2006/relationships" xmlns:p="http://schemas.openxmlformats.org/presentationml/2006/main">
   <p:cSld>
     <p:spTree>
@@ -17935,7 +21382,7 @@
                 </a:solidFill>
                 <a:cs typeface="Calibri Light" panose="020F0302020204030204" pitchFamily="34" charset="0"/>
               </a:rPr>
-              <a:t>We didn't observer any overfitting or underfitting of the data so there are no concerns.</a:t>
+              <a:t>We didn't observer any overfitting or underfitting of the data. We can try further models to reduce the RMSE.</a:t>
             </a:r>
           </a:p>
           <a:p>
@@ -17958,10 +21405,10 @@
       </p:sp>
       <p:pic>
         <p:nvPicPr>
-          <p:cNvPr id="4" name="Picture 3">
+          <p:cNvPr id="13" name="Picture 12">
             <a:extLst>
               <a:ext uri="{FF2B5EF4-FFF2-40B4-BE49-F238E27FC236}">
-                <a16:creationId xmlns:a16="http://schemas.microsoft.com/office/drawing/2014/main" id="{A7972A6D-86D2-4ED6-8931-77D8E8515C2B}"/>
+                <a16:creationId xmlns:a16="http://schemas.microsoft.com/office/drawing/2014/main" id="{D5D49A2D-90BE-43B2-8E95-140979361676}"/>
               </a:ext>
             </a:extLst>
           </p:cNvPr>
@@ -17970,15 +21417,16 @@
           </p:cNvPicPr>
           <p:nvPr/>
         </p:nvPicPr>
-        <p:blipFill rotWithShape="1">
+        <p:blipFill>
           <a:blip r:embed="rId2"/>
-          <a:srcRect r="10354"/>
-          <a:stretch/>
+          <a:stretch>
+            <a:fillRect/>
+          </a:stretch>
         </p:blipFill>
         <p:spPr>
           <a:xfrm>
-            <a:off x="5605153" y="1042605"/>
-            <a:ext cx="5918980" cy="1007087"/>
+            <a:off x="5605153" y="3286684"/>
+            <a:ext cx="6168361" cy="3031364"/>
           </a:xfrm>
           <a:prstGeom prst="rect">
             <a:avLst/>
@@ -17987,10 +21435,10 @@
       </p:pic>
       <p:pic>
         <p:nvPicPr>
-          <p:cNvPr id="8" name="Picture 7">
+          <p:cNvPr id="5" name="Picture 4">
             <a:extLst>
               <a:ext uri="{FF2B5EF4-FFF2-40B4-BE49-F238E27FC236}">
-                <a16:creationId xmlns:a16="http://schemas.microsoft.com/office/drawing/2014/main" id="{3B8DB79C-A5A6-4D73-8B37-0FB918AA95B4}"/>
+                <a16:creationId xmlns:a16="http://schemas.microsoft.com/office/drawing/2014/main" id="{44CF6574-9BCB-45DE-B718-E39205CA455B}"/>
               </a:ext>
             </a:extLst>
           </p:cNvPr>
@@ -18007,8 +21455,8 @@
         </p:blipFill>
         <p:spPr>
           <a:xfrm>
-            <a:off x="5605153" y="2113516"/>
-            <a:ext cx="5416115" cy="585683"/>
+            <a:off x="5527114" y="719036"/>
+            <a:ext cx="5734850" cy="1457528"/>
           </a:xfrm>
           <a:prstGeom prst="rect">
             <a:avLst/>
@@ -18017,10 +21465,10 @@
       </p:pic>
       <p:pic>
         <p:nvPicPr>
-          <p:cNvPr id="11" name="Picture 10">
+          <p:cNvPr id="7" name="Picture 6">
             <a:extLst>
               <a:ext uri="{FF2B5EF4-FFF2-40B4-BE49-F238E27FC236}">
-                <a16:creationId xmlns:a16="http://schemas.microsoft.com/office/drawing/2014/main" id="{17812BEA-B30F-434C-BDF3-3DB352D67D9D}"/>
+                <a16:creationId xmlns:a16="http://schemas.microsoft.com/office/drawing/2014/main" id="{38EF07E7-D5CE-40FF-B28E-8FCF1E30EC67}"/>
               </a:ext>
             </a:extLst>
           </p:cNvPr>
@@ -18037,8 +21485,8 @@
         </p:blipFill>
         <p:spPr>
           <a:xfrm>
-            <a:off x="5527114" y="2666883"/>
-            <a:ext cx="4828146" cy="568522"/>
+            <a:off x="5806603" y="2145754"/>
+            <a:ext cx="3496163" cy="390580"/>
           </a:xfrm>
           <a:prstGeom prst="rect">
             <a:avLst/>
@@ -18047,10 +21495,10 @@
       </p:pic>
       <p:pic>
         <p:nvPicPr>
-          <p:cNvPr id="13" name="Picture 12">
+          <p:cNvPr id="12" name="Picture 11">
             <a:extLst>
               <a:ext uri="{FF2B5EF4-FFF2-40B4-BE49-F238E27FC236}">
-                <a16:creationId xmlns:a16="http://schemas.microsoft.com/office/drawing/2014/main" id="{D5D49A2D-90BE-43B2-8E95-140979361676}"/>
+                <a16:creationId xmlns:a16="http://schemas.microsoft.com/office/drawing/2014/main" id="{8D9FBDB2-956E-459A-86F8-A877B8439799}"/>
               </a:ext>
             </a:extLst>
           </p:cNvPr>
@@ -18067,8 +21515,8 @@
         </p:blipFill>
         <p:spPr>
           <a:xfrm>
-            <a:off x="5605153" y="3286684"/>
-            <a:ext cx="6168361" cy="3031364"/>
+            <a:off x="5879066" y="2520500"/>
+            <a:ext cx="2810267" cy="733527"/>
           </a:xfrm>
           <a:prstGeom prst="rect">
             <a:avLst/>
@@ -18079,6 +21527,151 @@
     <p:extLst>
       <p:ext uri="{BB962C8B-B14F-4D97-AF65-F5344CB8AC3E}">
         <p14:creationId xmlns:p14="http://schemas.microsoft.com/office/powerpoint/2010/main" val="3063516179"/>
+      </p:ext>
+    </p:extLst>
+  </p:cSld>
+  <p:clrMapOvr>
+    <a:masterClrMapping/>
+  </p:clrMapOvr>
+  <p:transition>
+    <p:fade/>
+  </p:transition>
+</p:sld>
+</file>
+
+<file path=ppt/slides/slide14.xml><?xml version="1.0" encoding="utf-8"?>
+<p:sld xmlns:a="http://schemas.openxmlformats.org/drawingml/2006/main" xmlns:r="http://schemas.openxmlformats.org/officeDocument/2006/relationships" xmlns:p="http://schemas.openxmlformats.org/presentationml/2006/main">
+  <p:cSld>
+    <p:spTree>
+      <p:nvGrpSpPr>
+        <p:cNvPr id="1" name=""/>
+        <p:cNvGrpSpPr/>
+        <p:nvPr/>
+      </p:nvGrpSpPr>
+      <p:grpSpPr>
+        <a:xfrm>
+          <a:off x="0" y="0"/>
+          <a:ext cx="0" cy="0"/>
+          <a:chOff x="0" y="0"/>
+          <a:chExt cx="0" cy="0"/>
+        </a:xfrm>
+      </p:grpSpPr>
+      <p:sp>
+        <p:nvSpPr>
+          <p:cNvPr id="4" name="Title 2">
+            <a:extLst>
+              <a:ext uri="{FF2B5EF4-FFF2-40B4-BE49-F238E27FC236}">
+                <a16:creationId xmlns:a16="http://schemas.microsoft.com/office/drawing/2014/main" id="{4A993425-D1B0-4E11-8FF0-43A919934FC2}"/>
+              </a:ext>
+            </a:extLst>
+          </p:cNvPr>
+          <p:cNvSpPr>
+            <a:spLocks noGrp="1"/>
+          </p:cNvSpPr>
+          <p:nvPr>
+            <p:ph type="title"/>
+          </p:nvPr>
+        </p:nvSpPr>
+        <p:spPr>
+          <a:xfrm>
+            <a:off x="340447" y="225783"/>
+            <a:ext cx="9090819" cy="334099"/>
+          </a:xfrm>
+        </p:spPr>
+        <p:txBody>
+          <a:bodyPr/>
+          <a:lstStyle/>
+          <a:p>
+            <a:r>
+              <a:rPr lang="en-US" sz="3200" b="1" dirty="0"/>
+              <a:t>Task 2.4 (Model building using ML algorithms)</a:t>
+            </a:r>
+            <a:endParaRPr lang="en-US" sz="3200" dirty="0"/>
+          </a:p>
+        </p:txBody>
+      </p:sp>
+      <p:sp>
+        <p:nvSpPr>
+          <p:cNvPr id="5" name="TextBox 4">
+            <a:extLst>
+              <a:ext uri="{FF2B5EF4-FFF2-40B4-BE49-F238E27FC236}">
+                <a16:creationId xmlns:a16="http://schemas.microsoft.com/office/drawing/2014/main" id="{5394575A-2F0F-4D30-B429-B1398C7AC0C3}"/>
+              </a:ext>
+            </a:extLst>
+          </p:cNvPr>
+          <p:cNvSpPr txBox="1"/>
+          <p:nvPr/>
+        </p:nvSpPr>
+        <p:spPr>
+          <a:xfrm>
+            <a:off x="446314" y="979714"/>
+            <a:ext cx="6629400" cy="246221"/>
+          </a:xfrm>
+          <a:prstGeom prst="rect">
+            <a:avLst/>
+          </a:prstGeom>
+          <a:noFill/>
+        </p:spPr>
+        <p:txBody>
+          <a:bodyPr wrap="square" lIns="0" tIns="0" rIns="0" bIns="0" rtlCol="0">
+            <a:spAutoFit/>
+          </a:bodyPr>
+          <a:lstStyle/>
+          <a:p>
+            <a:pPr marL="203200" indent="-203200">
+              <a:spcBef>
+                <a:spcPts val="600"/>
+              </a:spcBef>
+              <a:buSzPct val="100000"/>
+              <a:buFont typeface="Arial"/>
+              <a:buChar char="•"/>
+            </a:pPr>
+            <a:r>
+              <a:rPr lang="en-US" sz="1600" dirty="0">
+                <a:solidFill>
+                  <a:srgbClr val="575757"/>
+                </a:solidFill>
+                <a:cs typeface="Calibri Light" panose="020F0302020204030204" pitchFamily="34" charset="0"/>
+              </a:rPr>
+              <a:t>Feature Importance Graph</a:t>
+            </a:r>
+          </a:p>
+        </p:txBody>
+      </p:sp>
+      <p:pic>
+        <p:nvPicPr>
+          <p:cNvPr id="7" name="Picture 6">
+            <a:extLst>
+              <a:ext uri="{FF2B5EF4-FFF2-40B4-BE49-F238E27FC236}">
+                <a16:creationId xmlns:a16="http://schemas.microsoft.com/office/drawing/2014/main" id="{20FEB24E-CEFD-4E0C-9CD8-F4596003C006}"/>
+              </a:ext>
+            </a:extLst>
+          </p:cNvPr>
+          <p:cNvPicPr>
+            <a:picLocks noChangeAspect="1"/>
+          </p:cNvPicPr>
+          <p:nvPr/>
+        </p:nvPicPr>
+        <p:blipFill>
+          <a:blip r:embed="rId2"/>
+          <a:stretch>
+            <a:fillRect/>
+          </a:stretch>
+        </p:blipFill>
+        <p:spPr>
+          <a:xfrm>
+            <a:off x="446314" y="1436913"/>
+            <a:ext cx="10089481" cy="4553973"/>
+          </a:xfrm>
+          <a:prstGeom prst="rect">
+            <a:avLst/>
+          </a:prstGeom>
+        </p:spPr>
+      </p:pic>
+    </p:spTree>
+    <p:extLst>
+      <p:ext uri="{BB962C8B-B14F-4D97-AF65-F5344CB8AC3E}">
+        <p14:creationId xmlns:p14="http://schemas.microsoft.com/office/powerpoint/2010/main" val="2104723356"/>
       </p:ext>
     </p:extLst>
   </p:cSld>
@@ -22394,51 +25987,6 @@
       </p:grpSpPr>
       <p:sp>
         <p:nvSpPr>
-          <p:cNvPr id="2" name="Text Placeholder 1">
-            <a:extLst>
-              <a:ext uri="{FF2B5EF4-FFF2-40B4-BE49-F238E27FC236}">
-                <a16:creationId xmlns:a16="http://schemas.microsoft.com/office/drawing/2014/main" id="{E01FF969-155A-499E-8DDC-CE652A1C4011}"/>
-              </a:ext>
-            </a:extLst>
-          </p:cNvPr>
-          <p:cNvSpPr>
-            <a:spLocks noGrp="1"/>
-          </p:cNvSpPr>
-          <p:nvPr>
-            <p:ph type="body" sz="quarter" idx="13"/>
-          </p:nvPr>
-        </p:nvSpPr>
-        <p:spPr>
-          <a:xfrm>
-            <a:off x="581770" y="1046823"/>
-            <a:ext cx="9090819" cy="5299548"/>
-          </a:xfrm>
-        </p:spPr>
-        <p:txBody>
-          <a:bodyPr/>
-          <a:lstStyle/>
-          <a:p>
-            <a:r>
-              <a:rPr lang="en-US" b="1" dirty="0"/>
-              <a:t>Task 2.1, 2.2 and 2.4 – Approach</a:t>
-            </a:r>
-          </a:p>
-          <a:p>
-            <a:endParaRPr lang="en-US" dirty="0"/>
-          </a:p>
-          <a:p>
-            <a:r>
-              <a:rPr lang="en-US" b="1" dirty="0"/>
-              <a:t>Task 2.3 – Approach</a:t>
-            </a:r>
-          </a:p>
-          <a:p>
-            <a:endParaRPr lang="en-US" b="1" dirty="0"/>
-          </a:p>
-        </p:txBody>
-      </p:sp>
-      <p:sp>
-        <p:nvSpPr>
           <p:cNvPr id="3" name="Title 2">
             <a:extLst>
               <a:ext uri="{FF2B5EF4-FFF2-40B4-BE49-F238E27FC236}">
@@ -22465,6 +26013,34 @@
           </a:p>
         </p:txBody>
       </p:sp>
+      <p:graphicFrame>
+        <p:nvGraphicFramePr>
+          <p:cNvPr id="6" name="Diagram 5">
+            <a:extLst>
+              <a:ext uri="{FF2B5EF4-FFF2-40B4-BE49-F238E27FC236}">
+                <a16:creationId xmlns:a16="http://schemas.microsoft.com/office/drawing/2014/main" id="{C6713852-EA4C-42FD-AECD-1E1FD57F522D}"/>
+              </a:ext>
+            </a:extLst>
+          </p:cNvPr>
+          <p:cNvGraphicFramePr/>
+          <p:nvPr>
+            <p:extLst>
+              <p:ext uri="{D42A27DB-BD31-4B8C-83A1-F6EECF244321}">
+                <p14:modId xmlns:p14="http://schemas.microsoft.com/office/powerpoint/2010/main" val="3755739110"/>
+              </p:ext>
+            </p:extLst>
+          </p:nvPr>
+        </p:nvGraphicFramePr>
+        <p:xfrm>
+          <a:off x="501656" y="1121829"/>
+          <a:ext cx="11188700" cy="5418667"/>
+        </p:xfrm>
+        <a:graphic>
+          <a:graphicData uri="http://schemas.openxmlformats.org/drawingml/2006/diagram">
+            <dgm:relIds xmlns:dgm="http://schemas.openxmlformats.org/drawingml/2006/diagram" xmlns:r="http://schemas.openxmlformats.org/officeDocument/2006/relationships" r:dm="rId2" r:lo="rId3" r:qs="rId4" r:cs="rId5"/>
+          </a:graphicData>
+        </a:graphic>
+      </p:graphicFrame>
     </p:spTree>
     <p:extLst>
       <p:ext uri="{BB962C8B-B14F-4D97-AF65-F5344CB8AC3E}">
@@ -24025,12 +27601,6 @@
               </a:rPr>
               <a:t>Data scaling using min-max and/or Z-score normalization.</a:t>
             </a:r>
-            <a:endParaRPr lang="en-US" sz="1600" dirty="0">
-              <a:solidFill>
-                <a:srgbClr val="575757"/>
-              </a:solidFill>
-              <a:cs typeface="Calibri Light" panose="020F0302020204030204" pitchFamily="34" charset="0"/>
-            </a:endParaRPr>
           </a:p>
         </p:txBody>
       </p:sp>
@@ -24056,8 +27626,8 @@
         </p:blipFill>
         <p:spPr>
           <a:xfrm>
-            <a:off x="316704" y="1437392"/>
-            <a:ext cx="4896533" cy="4342922"/>
+            <a:off x="217714" y="1558145"/>
+            <a:ext cx="4896533" cy="4546914"/>
           </a:xfrm>
           <a:prstGeom prst="rect">
             <a:avLst/>
@@ -24125,7 +27695,7 @@
                 </a:solidFill>
                 <a:cs typeface="Calibri Light" panose="020F0302020204030204" pitchFamily="34" charset="0"/>
               </a:rPr>
-              <a:t>Data transformation</a:t>
+              <a:t>Data transformation and Q6. Feature Engineering</a:t>
             </a:r>
             <a:endParaRPr lang="en-US" sz="1600" dirty="0">
               <a:solidFill>
